--- a/state graph.pptx
+++ b/state graph.pptx
@@ -5,8 +5,7 @@
     <p:sldMasterId id="2147483660" r:id="rId1"/>
   </p:sldMasterIdLst>
   <p:sldIdLst>
-    <p:sldId id="256" r:id="rId2"/>
-    <p:sldId id="257" r:id="rId3"/>
+    <p:sldId id="257" r:id="rId2"/>
   </p:sldIdLst>
   <p:sldSz cx="21599525" cy="7199313"/>
   <p:notesSz cx="6858000" cy="9144000"/>
@@ -105,6 +104,11 @@
       </a:defRPr>
     </a:lvl9pPr>
   </p:defaultTextStyle>
+  <p:extLst>
+    <p:ext uri="{EFAFB233-063F-42B5-8137-9DF3F51BA10A}">
+      <p15:sldGuideLst xmlns:p15="http://schemas.microsoft.com/office/powerpoint/2012/main"/>
+    </p:ext>
+  </p:extLst>
 </p:presentation>
 </file>
 
@@ -112,13 +116,13 @@
 <pc:chgInfo xmlns:a="http://schemas.openxmlformats.org/drawingml/2006/main" xmlns:r="http://schemas.openxmlformats.org/officeDocument/2006/relationships" xmlns:ac="http://schemas.microsoft.com/office/drawing/2013/main/command" xmlns:pc="http://schemas.microsoft.com/office/powerpoint/2013/main/command">
   <pc:docChgLst>
     <pc:chgData name="Liu Mike" userId="96d2ada0390381a8" providerId="LiveId" clId="{91F00067-D890-4DD8-9D55-94066A893A46}"/>
-    <pc:docChg chg="undo redo custSel addSld modSld">
-      <pc:chgData name="Liu Mike" userId="96d2ada0390381a8" providerId="LiveId" clId="{91F00067-D890-4DD8-9D55-94066A893A46}" dt="2025-11-19T13:22:15.938" v="1019"/>
+    <pc:docChg chg="undo redo custSel addSld delSld modSld">
+      <pc:chgData name="Liu Mike" userId="96d2ada0390381a8" providerId="LiveId" clId="{91F00067-D890-4DD8-9D55-94066A893A46}" dt="2025-11-26T06:13:30.438" v="1020" actId="2696"/>
       <pc:docMkLst>
         <pc:docMk/>
       </pc:docMkLst>
-      <pc:sldChg chg="addSp delSp modSp mod">
-        <pc:chgData name="Liu Mike" userId="96d2ada0390381a8" providerId="LiveId" clId="{91F00067-D890-4DD8-9D55-94066A893A46}" dt="2025-11-19T11:29:37.107" v="772" actId="20577"/>
+      <pc:sldChg chg="addSp delSp modSp del mod">
+        <pc:chgData name="Liu Mike" userId="96d2ada0390381a8" providerId="LiveId" clId="{91F00067-D890-4DD8-9D55-94066A893A46}" dt="2025-11-26T06:13:30.438" v="1020" actId="2696"/>
         <pc:sldMkLst>
           <pc:docMk/>
           <pc:sldMk cId="1517480555" sldId="256"/>
@@ -835,7 +839,7 @@
           <a:p>
             <a:fld id="{9C8AFD7D-914B-4670-A842-10FF73C28C8E}" type="datetimeFigureOut">
               <a:rPr lang="zh-TW" altLang="en-US" smtClean="0"/>
-              <a:t>2025/11/19</a:t>
+              <a:t>2025/11/26</a:t>
             </a:fld>
             <a:endParaRPr lang="zh-TW" altLang="en-US"/>
           </a:p>
@@ -1005,7 +1009,7 @@
           <a:p>
             <a:fld id="{9C8AFD7D-914B-4670-A842-10FF73C28C8E}" type="datetimeFigureOut">
               <a:rPr lang="zh-TW" altLang="en-US" smtClean="0"/>
-              <a:t>2025/11/19</a:t>
+              <a:t>2025/11/26</a:t>
             </a:fld>
             <a:endParaRPr lang="zh-TW" altLang="en-US"/>
           </a:p>
@@ -1185,7 +1189,7 @@
           <a:p>
             <a:fld id="{9C8AFD7D-914B-4670-A842-10FF73C28C8E}" type="datetimeFigureOut">
               <a:rPr lang="zh-TW" altLang="en-US" smtClean="0"/>
-              <a:t>2025/11/19</a:t>
+              <a:t>2025/11/26</a:t>
             </a:fld>
             <a:endParaRPr lang="zh-TW" altLang="en-US"/>
           </a:p>
@@ -1355,7 +1359,7 @@
           <a:p>
             <a:fld id="{9C8AFD7D-914B-4670-A842-10FF73C28C8E}" type="datetimeFigureOut">
               <a:rPr lang="zh-TW" altLang="en-US" smtClean="0"/>
-              <a:t>2025/11/19</a:t>
+              <a:t>2025/11/26</a:t>
             </a:fld>
             <a:endParaRPr lang="zh-TW" altLang="en-US"/>
           </a:p>
@@ -1601,7 +1605,7 @@
           <a:p>
             <a:fld id="{9C8AFD7D-914B-4670-A842-10FF73C28C8E}" type="datetimeFigureOut">
               <a:rPr lang="zh-TW" altLang="en-US" smtClean="0"/>
-              <a:t>2025/11/19</a:t>
+              <a:t>2025/11/26</a:t>
             </a:fld>
             <a:endParaRPr lang="zh-TW" altLang="en-US"/>
           </a:p>
@@ -1833,7 +1837,7 @@
           <a:p>
             <a:fld id="{9C8AFD7D-914B-4670-A842-10FF73C28C8E}" type="datetimeFigureOut">
               <a:rPr lang="zh-TW" altLang="en-US" smtClean="0"/>
-              <a:t>2025/11/19</a:t>
+              <a:t>2025/11/26</a:t>
             </a:fld>
             <a:endParaRPr lang="zh-TW" altLang="en-US"/>
           </a:p>
@@ -2200,7 +2204,7 @@
           <a:p>
             <a:fld id="{9C8AFD7D-914B-4670-A842-10FF73C28C8E}" type="datetimeFigureOut">
               <a:rPr lang="zh-TW" altLang="en-US" smtClean="0"/>
-              <a:t>2025/11/19</a:t>
+              <a:t>2025/11/26</a:t>
             </a:fld>
             <a:endParaRPr lang="zh-TW" altLang="en-US"/>
           </a:p>
@@ -2318,7 +2322,7 @@
           <a:p>
             <a:fld id="{9C8AFD7D-914B-4670-A842-10FF73C28C8E}" type="datetimeFigureOut">
               <a:rPr lang="zh-TW" altLang="en-US" smtClean="0"/>
-              <a:t>2025/11/19</a:t>
+              <a:t>2025/11/26</a:t>
             </a:fld>
             <a:endParaRPr lang="zh-TW" altLang="en-US"/>
           </a:p>
@@ -2413,7 +2417,7 @@
           <a:p>
             <a:fld id="{9C8AFD7D-914B-4670-A842-10FF73C28C8E}" type="datetimeFigureOut">
               <a:rPr lang="zh-TW" altLang="en-US" smtClean="0"/>
-              <a:t>2025/11/19</a:t>
+              <a:t>2025/11/26</a:t>
             </a:fld>
             <a:endParaRPr lang="zh-TW" altLang="en-US"/>
           </a:p>
@@ -2690,7 +2694,7 @@
           <a:p>
             <a:fld id="{9C8AFD7D-914B-4670-A842-10FF73C28C8E}" type="datetimeFigureOut">
               <a:rPr lang="zh-TW" altLang="en-US" smtClean="0"/>
-              <a:t>2025/11/19</a:t>
+              <a:t>2025/11/26</a:t>
             </a:fld>
             <a:endParaRPr lang="zh-TW" altLang="en-US"/>
           </a:p>
@@ -2947,7 +2951,7 @@
           <a:p>
             <a:fld id="{9C8AFD7D-914B-4670-A842-10FF73C28C8E}" type="datetimeFigureOut">
               <a:rPr lang="zh-TW" altLang="en-US" smtClean="0"/>
-              <a:t>2025/11/19</a:t>
+              <a:t>2025/11/26</a:t>
             </a:fld>
             <a:endParaRPr lang="zh-TW" altLang="en-US"/>
           </a:p>
@@ -3160,7 +3164,7 @@
           <a:p>
             <a:fld id="{9C8AFD7D-914B-4670-A842-10FF73C28C8E}" type="datetimeFigureOut">
               <a:rPr lang="zh-TW" altLang="en-US" smtClean="0"/>
-              <a:t>2025/11/19</a:t>
+              <a:t>2025/11/26</a:t>
             </a:fld>
             <a:endParaRPr lang="zh-TW" altLang="en-US"/>
           </a:p>
@@ -3565,4419 +3569,8 @@
           <a:chExt cx="0" cy="0"/>
         </a:xfrm>
       </p:grpSpPr>
-      <p:sp>
-        <p:nvSpPr>
-          <p:cNvPr id="4" name="橢圓 3">
-            <a:extLst>
-              <a:ext uri="{FF2B5EF4-FFF2-40B4-BE49-F238E27FC236}">
-                <a16:creationId xmlns:a16="http://schemas.microsoft.com/office/drawing/2014/main" id="{46D39874-47D5-FA8B-64F8-0B2921BB90D6}"/>
-              </a:ext>
-            </a:extLst>
-          </p:cNvPr>
-          <p:cNvSpPr/>
-          <p:nvPr/>
-        </p:nvSpPr>
-        <p:spPr>
-          <a:xfrm>
-            <a:off x="6239304" y="2399771"/>
-            <a:ext cx="1119117" cy="1119117"/>
-          </a:xfrm>
-          <a:prstGeom prst="ellipse">
-            <a:avLst/>
-          </a:prstGeom>
-          <a:noFill/>
-          <a:ln w="38100">
-            <a:solidFill>
-              <a:schemeClr val="tx1"/>
-            </a:solidFill>
-          </a:ln>
-        </p:spPr>
-        <p:style>
-          <a:lnRef idx="2">
-            <a:schemeClr val="accent1">
-              <a:shade val="15000"/>
-            </a:schemeClr>
-          </a:lnRef>
-          <a:fillRef idx="1">
-            <a:schemeClr val="accent1"/>
-          </a:fillRef>
-          <a:effectRef idx="0">
-            <a:schemeClr val="accent1"/>
-          </a:effectRef>
-          <a:fontRef idx="minor">
-            <a:schemeClr val="lt1"/>
-          </a:fontRef>
-        </p:style>
-        <p:txBody>
-          <a:bodyPr wrap="none" rtlCol="0" anchor="ctr"/>
-          <a:lstStyle/>
-          <a:p>
-            <a:pPr algn="ctr"/>
-            <a:r>
-              <a:rPr lang="en-US" altLang="zh-TW" b="1" dirty="0">
-                <a:solidFill>
-                  <a:schemeClr val="tx1"/>
-                </a:solidFill>
-                <a:latin typeface="Times New Roman" panose="02020603050405020304" pitchFamily="18" charset="0"/>
-                <a:cs typeface="Times New Roman" panose="02020603050405020304" pitchFamily="18" charset="0"/>
-              </a:rPr>
-              <a:t>Initial</a:t>
-            </a:r>
-            <a:endParaRPr lang="zh-TW" altLang="en-US" b="1" dirty="0">
-              <a:solidFill>
-                <a:schemeClr val="tx1"/>
-              </a:solidFill>
-              <a:latin typeface="Times New Roman" panose="02020603050405020304" pitchFamily="18" charset="0"/>
-              <a:cs typeface="Times New Roman" panose="02020603050405020304" pitchFamily="18" charset="0"/>
-            </a:endParaRPr>
-          </a:p>
-        </p:txBody>
-      </p:sp>
-      <mc:AlternateContent xmlns:mc="http://schemas.openxmlformats.org/markup-compatibility/2006">
-        <mc:Choice xmlns:a14="http://schemas.microsoft.com/office/drawing/2010/main" Requires="a14">
-          <p:sp>
-            <p:nvSpPr>
-              <p:cNvPr id="6" name="橢圓 5">
-                <a:extLst>
-                  <a:ext uri="{FF2B5EF4-FFF2-40B4-BE49-F238E27FC236}">
-                    <a16:creationId xmlns:a16="http://schemas.microsoft.com/office/drawing/2014/main" id="{D5433F07-196A-72B0-17B6-B85E3114359B}"/>
-                  </a:ext>
-                </a:extLst>
-              </p:cNvPr>
-              <p:cNvSpPr/>
-              <p:nvPr/>
-            </p:nvSpPr>
-            <p:spPr>
-              <a:xfrm>
-                <a:off x="8551810" y="2399771"/>
-                <a:ext cx="1119117" cy="1119117"/>
-              </a:xfrm>
-              <a:prstGeom prst="ellipse">
-                <a:avLst/>
-              </a:prstGeom>
-              <a:noFill/>
-              <a:ln w="38100">
-                <a:solidFill>
-                  <a:schemeClr val="tx1"/>
-                </a:solidFill>
-              </a:ln>
-            </p:spPr>
-            <p:style>
-              <a:lnRef idx="2">
-                <a:schemeClr val="accent1">
-                  <a:shade val="15000"/>
-                </a:schemeClr>
-              </a:lnRef>
-              <a:fillRef idx="1">
-                <a:schemeClr val="accent1"/>
-              </a:fillRef>
-              <a:effectRef idx="0">
-                <a:schemeClr val="accent1"/>
-              </a:effectRef>
-              <a:fontRef idx="minor">
-                <a:schemeClr val="lt1"/>
-              </a:fontRef>
-            </p:style>
-            <p:txBody>
-              <a:bodyPr wrap="none" rtlCol="0" anchor="ctr"/>
-              <a:lstStyle/>
-              <a:p>
-                <a:pPr algn="ctr"/>
-                <a14:m>
-                  <m:oMathPara xmlns:m="http://schemas.openxmlformats.org/officeDocument/2006/math">
-                    <m:oMathParaPr>
-                      <m:jc m:val="center"/>
-                    </m:oMathParaPr>
-                    <m:oMath xmlns:m="http://schemas.openxmlformats.org/officeDocument/2006/math">
-                      <m:r>
-                        <a:rPr lang="zh-TW" altLang="en-US" b="1" i="1" smtClean="0">
-                          <a:solidFill>
-                            <a:schemeClr val="tx1"/>
-                          </a:solidFill>
-                          <a:latin typeface="Cambria Math" panose="02040503050406030204" pitchFamily="18" charset="0"/>
-                          <a:cs typeface="Times New Roman" panose="02020603050405020304" pitchFamily="18" charset="0"/>
-                        </a:rPr>
-                        <m:t>  </m:t>
-                      </m:r>
-                      <m:sSub>
-                        <m:sSubPr>
-                          <m:ctrlPr>
-                            <a:rPr lang="en-US" altLang="zh-TW" b="1">
-                              <a:solidFill>
-                                <a:schemeClr val="tx1"/>
-                              </a:solidFill>
-                              <a:latin typeface="Cambria Math" panose="02040503050406030204" pitchFamily="18" charset="0"/>
-                              <a:cs typeface="Times New Roman" panose="02020603050405020304" pitchFamily="18" charset="0"/>
-                            </a:rPr>
-                          </m:ctrlPr>
-                        </m:sSubPr>
-                        <m:e>
-                          <m:r>
-                            <a:rPr lang="en-US" altLang="zh-TW" b="1" i="0" smtClean="0">
-                              <a:solidFill>
-                                <a:schemeClr val="tx1"/>
-                              </a:solidFill>
-                              <a:latin typeface="Cambria Math" panose="02040503050406030204" pitchFamily="18" charset="0"/>
-                              <a:cs typeface="Times New Roman" panose="02020603050405020304" pitchFamily="18" charset="0"/>
-                            </a:rPr>
-                            <m:t>𝐄𝐧𝐭𝐞𝐫</m:t>
-                          </m:r>
-                        </m:e>
-                        <m:sub>
-                          <m:r>
-                            <a:rPr lang="en-US" altLang="zh-TW" b="1">
-                              <a:solidFill>
-                                <a:schemeClr val="tx1"/>
-                              </a:solidFill>
-                              <a:latin typeface="Cambria Math" panose="02040503050406030204" pitchFamily="18" charset="0"/>
-                              <a:cs typeface="Times New Roman" panose="02020603050405020304" pitchFamily="18" charset="0"/>
-                            </a:rPr>
-                            <m:t>𝐞𝐧</m:t>
-                          </m:r>
-                        </m:sub>
-                      </m:sSub>
-                    </m:oMath>
-                  </m:oMathPara>
-                </a14:m>
-                <a:endParaRPr lang="zh-TW" altLang="en-US" sz="1600" b="1" dirty="0">
-                  <a:solidFill>
-                    <a:schemeClr val="tx1"/>
-                  </a:solidFill>
-                  <a:latin typeface="Times New Roman" panose="02020603050405020304" pitchFamily="18" charset="0"/>
-                  <a:cs typeface="Times New Roman" panose="02020603050405020304" pitchFamily="18" charset="0"/>
-                </a:endParaRPr>
-              </a:p>
-            </p:txBody>
-          </p:sp>
-        </mc:Choice>
-        <mc:Fallback>
-          <p:sp>
-            <p:nvSpPr>
-              <p:cNvPr id="6" name="橢圓 5">
-                <a:extLst>
-                  <a:ext uri="{FF2B5EF4-FFF2-40B4-BE49-F238E27FC236}">
-                    <a16:creationId xmlns:a16="http://schemas.microsoft.com/office/drawing/2014/main" id="{D5433F07-196A-72B0-17B6-B85E3114359B}"/>
-                  </a:ext>
-                </a:extLst>
-              </p:cNvPr>
-              <p:cNvSpPr>
-                <a:spLocks noRot="1" noChangeAspect="1" noMove="1" noResize="1" noEditPoints="1" noAdjustHandles="1" noChangeArrowheads="1" noChangeShapeType="1" noTextEdit="1"/>
-              </p:cNvSpPr>
-              <p:nvPr/>
-            </p:nvSpPr>
-            <p:spPr>
-              <a:xfrm>
-                <a:off x="8551810" y="2399771"/>
-                <a:ext cx="1119117" cy="1119117"/>
-              </a:xfrm>
-              <a:prstGeom prst="ellipse">
-                <a:avLst/>
-              </a:prstGeom>
-              <a:blipFill>
-                <a:blip r:embed="rId2"/>
-                <a:stretch>
-                  <a:fillRect/>
-                </a:stretch>
-              </a:blipFill>
-              <a:ln w="38100">
-                <a:solidFill>
-                  <a:schemeClr val="tx1"/>
-                </a:solidFill>
-              </a:ln>
-            </p:spPr>
-            <p:txBody>
-              <a:bodyPr/>
-              <a:lstStyle/>
-              <a:p>
-                <a:r>
-                  <a:rPr lang="zh-TW" altLang="en-US">
-                    <a:noFill/>
-                  </a:rPr>
-                  <a:t> </a:t>
-                </a:r>
-              </a:p>
-            </p:txBody>
-          </p:sp>
-        </mc:Fallback>
-      </mc:AlternateContent>
-      <mc:AlternateContent xmlns:mc="http://schemas.openxmlformats.org/markup-compatibility/2006">
-        <mc:Choice xmlns:a14="http://schemas.microsoft.com/office/drawing/2010/main" Requires="a14">
-          <p:sp>
-            <p:nvSpPr>
-              <p:cNvPr id="8" name="橢圓 7">
-                <a:extLst>
-                  <a:ext uri="{FF2B5EF4-FFF2-40B4-BE49-F238E27FC236}">
-                    <a16:creationId xmlns:a16="http://schemas.microsoft.com/office/drawing/2014/main" id="{B6EBA95F-A619-9FC6-AE1B-F31266780154}"/>
-                  </a:ext>
-                </a:extLst>
-              </p:cNvPr>
-              <p:cNvSpPr/>
-              <p:nvPr/>
-            </p:nvSpPr>
-            <p:spPr>
-              <a:xfrm>
-                <a:off x="10864315" y="2399771"/>
-                <a:ext cx="1119117" cy="1119117"/>
-              </a:xfrm>
-              <a:prstGeom prst="ellipse">
-                <a:avLst/>
-              </a:prstGeom>
-              <a:noFill/>
-              <a:ln w="38100">
-                <a:solidFill>
-                  <a:schemeClr val="tx1"/>
-                </a:solidFill>
-              </a:ln>
-            </p:spPr>
-            <p:style>
-              <a:lnRef idx="2">
-                <a:schemeClr val="accent1">
-                  <a:shade val="15000"/>
-                </a:schemeClr>
-              </a:lnRef>
-              <a:fillRef idx="1">
-                <a:schemeClr val="accent1"/>
-              </a:fillRef>
-              <a:effectRef idx="0">
-                <a:schemeClr val="accent1"/>
-              </a:effectRef>
-              <a:fontRef idx="minor">
-                <a:schemeClr val="lt1"/>
-              </a:fontRef>
-            </p:style>
-            <p:txBody>
-              <a:bodyPr wrap="none" rtlCol="0" anchor="ctr"/>
-              <a:lstStyle/>
-              <a:p>
-                <a:pPr algn="ctr"/>
-                <a14:m>
-                  <m:oMathPara xmlns:m="http://schemas.openxmlformats.org/officeDocument/2006/math">
-                    <m:oMathParaPr>
-                      <m:jc m:val="center"/>
-                    </m:oMathParaPr>
-                    <m:oMath xmlns:m="http://schemas.openxmlformats.org/officeDocument/2006/math">
-                      <m:r>
-                        <a:rPr lang="zh-TW" altLang="en-US" b="1" i="1">
-                          <a:solidFill>
-                            <a:schemeClr val="tx1"/>
-                          </a:solidFill>
-                          <a:latin typeface="Cambria Math" panose="02040503050406030204" pitchFamily="18" charset="0"/>
-                          <a:cs typeface="Times New Roman" panose="02020603050405020304" pitchFamily="18" charset="0"/>
-                        </a:rPr>
-                        <m:t> </m:t>
-                      </m:r>
-                      <m:sSub>
-                        <m:sSubPr>
-                          <m:ctrlPr>
-                            <a:rPr lang="en-US" altLang="zh-TW" b="1">
-                              <a:solidFill>
-                                <a:schemeClr val="tx1"/>
-                              </a:solidFill>
-                              <a:latin typeface="Cambria Math" panose="02040503050406030204" pitchFamily="18" charset="0"/>
-                              <a:cs typeface="Times New Roman" panose="02020603050405020304" pitchFamily="18" charset="0"/>
-                            </a:rPr>
-                          </m:ctrlPr>
-                        </m:sSubPr>
-                        <m:e>
-                          <m:r>
-                            <a:rPr lang="en-US" altLang="zh-TW" b="1">
-                              <a:solidFill>
-                                <a:schemeClr val="tx1"/>
-                              </a:solidFill>
-                              <a:latin typeface="Cambria Math" panose="02040503050406030204" pitchFamily="18" charset="0"/>
-                              <a:cs typeface="Times New Roman" panose="02020603050405020304" pitchFamily="18" charset="0"/>
-                            </a:rPr>
-                            <m:t>𝐃𝐞𝐩</m:t>
-                          </m:r>
-                          <m:r>
-                            <a:rPr lang="en-US" altLang="zh-TW" b="1">
-                              <a:solidFill>
-                                <a:schemeClr val="tx1"/>
-                              </a:solidFill>
-                              <a:latin typeface="Cambria Math" panose="02040503050406030204" pitchFamily="18" charset="0"/>
-                              <a:cs typeface="Times New Roman" panose="02020603050405020304" pitchFamily="18" charset="0"/>
-                            </a:rPr>
-                            <m:t>𝐚</m:t>
-                          </m:r>
-                          <m:r>
-                            <a:rPr lang="en-US" altLang="zh-TW" b="1">
-                              <a:solidFill>
-                                <a:schemeClr val="tx1"/>
-                              </a:solidFill>
-                              <a:latin typeface="Cambria Math" panose="02040503050406030204" pitchFamily="18" charset="0"/>
-                              <a:cs typeface="Times New Roman" panose="02020603050405020304" pitchFamily="18" charset="0"/>
-                            </a:rPr>
-                            <m:t>𝐫</m:t>
-                          </m:r>
-                          <m:r>
-                            <a:rPr lang="en-US" altLang="zh-TW" b="1">
-                              <a:solidFill>
-                                <a:schemeClr val="tx1"/>
-                              </a:solidFill>
-                              <a:latin typeface="Cambria Math" panose="02040503050406030204" pitchFamily="18" charset="0"/>
-                              <a:cs typeface="Times New Roman" panose="02020603050405020304" pitchFamily="18" charset="0"/>
-                            </a:rPr>
-                            <m:t>𝐭</m:t>
-                          </m:r>
-                        </m:e>
-                        <m:sub>
-                          <m:r>
-                            <a:rPr lang="en-US" altLang="zh-TW" b="1">
-                              <a:solidFill>
-                                <a:schemeClr val="tx1"/>
-                              </a:solidFill>
-                              <a:latin typeface="Cambria Math" panose="02040503050406030204" pitchFamily="18" charset="0"/>
-                              <a:cs typeface="Times New Roman" panose="02020603050405020304" pitchFamily="18" charset="0"/>
-                            </a:rPr>
-                            <m:t>𝐞𝐧</m:t>
-                          </m:r>
-                        </m:sub>
-                      </m:sSub>
-                    </m:oMath>
-                  </m:oMathPara>
-                </a14:m>
-                <a:endParaRPr lang="zh-TW" altLang="en-US" b="1" dirty="0">
-                  <a:solidFill>
-                    <a:schemeClr val="tx1"/>
-                  </a:solidFill>
-                  <a:latin typeface="Times New Roman" panose="02020603050405020304" pitchFamily="18" charset="0"/>
-                  <a:cs typeface="Times New Roman" panose="02020603050405020304" pitchFamily="18" charset="0"/>
-                </a:endParaRPr>
-              </a:p>
-            </p:txBody>
-          </p:sp>
-        </mc:Choice>
-        <mc:Fallback>
-          <p:sp>
-            <p:nvSpPr>
-              <p:cNvPr id="8" name="橢圓 7">
-                <a:extLst>
-                  <a:ext uri="{FF2B5EF4-FFF2-40B4-BE49-F238E27FC236}">
-                    <a16:creationId xmlns:a16="http://schemas.microsoft.com/office/drawing/2014/main" id="{B6EBA95F-A619-9FC6-AE1B-F31266780154}"/>
-                  </a:ext>
-                </a:extLst>
-              </p:cNvPr>
-              <p:cNvSpPr>
-                <a:spLocks noRot="1" noChangeAspect="1" noMove="1" noResize="1" noEditPoints="1" noAdjustHandles="1" noChangeArrowheads="1" noChangeShapeType="1" noTextEdit="1"/>
-              </p:cNvSpPr>
-              <p:nvPr/>
-            </p:nvSpPr>
-            <p:spPr>
-              <a:xfrm>
-                <a:off x="10864315" y="2399771"/>
-                <a:ext cx="1119117" cy="1119117"/>
-              </a:xfrm>
-              <a:prstGeom prst="ellipse">
-                <a:avLst/>
-              </a:prstGeom>
-              <a:blipFill>
-                <a:blip r:embed="rId3"/>
-                <a:stretch>
-                  <a:fillRect l="-1053"/>
-                </a:stretch>
-              </a:blipFill>
-              <a:ln w="38100">
-                <a:solidFill>
-                  <a:schemeClr val="tx1"/>
-                </a:solidFill>
-              </a:ln>
-            </p:spPr>
-            <p:txBody>
-              <a:bodyPr/>
-              <a:lstStyle/>
-              <a:p>
-                <a:r>
-                  <a:rPr lang="zh-TW" altLang="en-US">
-                    <a:noFill/>
-                  </a:rPr>
-                  <a:t> </a:t>
-                </a:r>
-              </a:p>
-            </p:txBody>
-          </p:sp>
-        </mc:Fallback>
-      </mc:AlternateContent>
-      <p:cxnSp>
-        <p:nvCxnSpPr>
-          <p:cNvPr id="11" name="直線單箭頭接點 10">
-            <a:extLst>
-              <a:ext uri="{FF2B5EF4-FFF2-40B4-BE49-F238E27FC236}">
-                <a16:creationId xmlns:a16="http://schemas.microsoft.com/office/drawing/2014/main" id="{2CE3B1EB-3F42-A78D-08AF-F459F97C2A6B}"/>
-              </a:ext>
-            </a:extLst>
-          </p:cNvPr>
-          <p:cNvCxnSpPr>
-            <a:stCxn id="4" idx="6"/>
-            <a:endCxn id="6" idx="2"/>
-          </p:cNvCxnSpPr>
-          <p:nvPr/>
-        </p:nvCxnSpPr>
-        <p:spPr>
-          <a:xfrm>
-            <a:off x="7358422" y="2959330"/>
-            <a:ext cx="1193388" cy="0"/>
-          </a:xfrm>
-          <a:prstGeom prst="straightConnector1">
-            <a:avLst/>
-          </a:prstGeom>
-          <a:ln w="28575">
-            <a:solidFill>
-              <a:schemeClr val="tx1"/>
-            </a:solidFill>
-            <a:tailEnd type="triangle"/>
-          </a:ln>
-        </p:spPr>
-        <p:style>
-          <a:lnRef idx="2">
-            <a:schemeClr val="accent1"/>
-          </a:lnRef>
-          <a:fillRef idx="0">
-            <a:schemeClr val="accent1"/>
-          </a:fillRef>
-          <a:effectRef idx="1">
-            <a:schemeClr val="accent1"/>
-          </a:effectRef>
-          <a:fontRef idx="minor">
-            <a:schemeClr val="tx1"/>
-          </a:fontRef>
-        </p:style>
-      </p:cxnSp>
-      <mc:AlternateContent xmlns:mc="http://schemas.openxmlformats.org/markup-compatibility/2006">
-        <mc:Choice xmlns:a14="http://schemas.microsoft.com/office/drawing/2010/main" Requires="a14">
-          <p:sp>
-            <p:nvSpPr>
-              <p:cNvPr id="19" name="橢圓 18">
-                <a:extLst>
-                  <a:ext uri="{FF2B5EF4-FFF2-40B4-BE49-F238E27FC236}">
-                    <a16:creationId xmlns:a16="http://schemas.microsoft.com/office/drawing/2014/main" id="{513369FB-AA08-F050-C0AF-C9A8A3C99ECA}"/>
-                  </a:ext>
-                </a:extLst>
-              </p:cNvPr>
-              <p:cNvSpPr/>
-              <p:nvPr/>
-            </p:nvSpPr>
-            <p:spPr>
-              <a:xfrm>
-                <a:off x="13176820" y="2399771"/>
-                <a:ext cx="1119117" cy="1119117"/>
-              </a:xfrm>
-              <a:prstGeom prst="ellipse">
-                <a:avLst/>
-              </a:prstGeom>
-              <a:noFill/>
-              <a:ln w="38100">
-                <a:solidFill>
-                  <a:schemeClr val="tx1"/>
-                </a:solidFill>
-              </a:ln>
-            </p:spPr>
-            <p:style>
-              <a:lnRef idx="2">
-                <a:schemeClr val="accent1">
-                  <a:shade val="15000"/>
-                </a:schemeClr>
-              </a:lnRef>
-              <a:fillRef idx="1">
-                <a:schemeClr val="accent1"/>
-              </a:fillRef>
-              <a:effectRef idx="0">
-                <a:schemeClr val="accent1"/>
-              </a:effectRef>
-              <a:fontRef idx="minor">
-                <a:schemeClr val="lt1"/>
-              </a:fontRef>
-            </p:style>
-            <p:txBody>
-              <a:bodyPr wrap="none" rtlCol="0" anchor="ctr"/>
-              <a:lstStyle/>
-              <a:p>
-                <a:pPr algn="ctr"/>
-                <a14:m>
-                  <m:oMathPara xmlns:m="http://schemas.openxmlformats.org/officeDocument/2006/math">
-                    <m:oMathParaPr>
-                      <m:jc m:val="center"/>
-                    </m:oMathParaPr>
-                    <m:oMath xmlns:m="http://schemas.openxmlformats.org/officeDocument/2006/math">
-                      <m:r>
-                        <a:rPr lang="zh-TW" altLang="en-US" b="1" i="1" smtClean="0">
-                          <a:solidFill>
-                            <a:schemeClr val="tx1"/>
-                          </a:solidFill>
-                          <a:latin typeface="Cambria Math" panose="02040503050406030204" pitchFamily="18" charset="0"/>
-                          <a:cs typeface="Times New Roman" panose="02020603050405020304" pitchFamily="18" charset="0"/>
-                        </a:rPr>
-                        <m:t>  </m:t>
-                      </m:r>
-                      <m:sSub>
-                        <m:sSubPr>
-                          <m:ctrlPr>
-                            <a:rPr lang="en-US" altLang="zh-TW" b="1">
-                              <a:solidFill>
-                                <a:schemeClr val="tx1"/>
-                              </a:solidFill>
-                              <a:latin typeface="Cambria Math" panose="02040503050406030204" pitchFamily="18" charset="0"/>
-                              <a:cs typeface="Times New Roman" panose="02020603050405020304" pitchFamily="18" charset="0"/>
-                            </a:rPr>
-                          </m:ctrlPr>
-                        </m:sSubPr>
-                        <m:e>
-                          <m:r>
-                            <a:rPr lang="en-US" altLang="zh-TW" b="1" i="0" smtClean="0">
-                              <a:solidFill>
-                                <a:schemeClr val="tx1"/>
-                              </a:solidFill>
-                              <a:latin typeface="Cambria Math" panose="02040503050406030204" pitchFamily="18" charset="0"/>
-                              <a:cs typeface="Times New Roman" panose="02020603050405020304" pitchFamily="18" charset="0"/>
-                            </a:rPr>
-                            <m:t>𝐄𝐧𝐭𝐞𝐫</m:t>
-                          </m:r>
-                        </m:e>
-                        <m:sub>
-                          <m:r>
-                            <a:rPr lang="en-US" altLang="zh-TW" b="1" i="0" smtClean="0">
-                              <a:solidFill>
-                                <a:schemeClr val="tx1"/>
-                              </a:solidFill>
-                              <a:latin typeface="Cambria Math" panose="02040503050406030204" pitchFamily="18" charset="0"/>
-                              <a:cs typeface="Times New Roman" panose="02020603050405020304" pitchFamily="18" charset="0"/>
-                            </a:rPr>
-                            <m:t>𝐬𝐭</m:t>
-                          </m:r>
-                        </m:sub>
-                      </m:sSub>
-                    </m:oMath>
-                  </m:oMathPara>
-                </a14:m>
-                <a:endParaRPr lang="zh-TW" altLang="en-US" b="1" dirty="0">
-                  <a:solidFill>
-                    <a:schemeClr val="tx1"/>
-                  </a:solidFill>
-                  <a:latin typeface="Times New Roman" panose="02020603050405020304" pitchFamily="18" charset="0"/>
-                  <a:cs typeface="Times New Roman" panose="02020603050405020304" pitchFamily="18" charset="0"/>
-                </a:endParaRPr>
-              </a:p>
-            </p:txBody>
-          </p:sp>
-        </mc:Choice>
-        <mc:Fallback>
-          <p:sp>
-            <p:nvSpPr>
-              <p:cNvPr id="19" name="橢圓 18">
-                <a:extLst>
-                  <a:ext uri="{FF2B5EF4-FFF2-40B4-BE49-F238E27FC236}">
-                    <a16:creationId xmlns:a16="http://schemas.microsoft.com/office/drawing/2014/main" id="{513369FB-AA08-F050-C0AF-C9A8A3C99ECA}"/>
-                  </a:ext>
-                </a:extLst>
-              </p:cNvPr>
-              <p:cNvSpPr>
-                <a:spLocks noRot="1" noChangeAspect="1" noMove="1" noResize="1" noEditPoints="1" noAdjustHandles="1" noChangeArrowheads="1" noChangeShapeType="1" noTextEdit="1"/>
-              </p:cNvSpPr>
-              <p:nvPr/>
-            </p:nvSpPr>
-            <p:spPr>
-              <a:xfrm>
-                <a:off x="13176820" y="2399771"/>
-                <a:ext cx="1119117" cy="1119117"/>
-              </a:xfrm>
-              <a:prstGeom prst="ellipse">
-                <a:avLst/>
-              </a:prstGeom>
-              <a:blipFill>
-                <a:blip r:embed="rId4"/>
-                <a:stretch>
-                  <a:fillRect/>
-                </a:stretch>
-              </a:blipFill>
-              <a:ln w="38100">
-                <a:solidFill>
-                  <a:schemeClr val="tx1"/>
-                </a:solidFill>
-              </a:ln>
-            </p:spPr>
-            <p:txBody>
-              <a:bodyPr/>
-              <a:lstStyle/>
-              <a:p>
-                <a:r>
-                  <a:rPr lang="zh-TW" altLang="en-US">
-                    <a:noFill/>
-                  </a:rPr>
-                  <a:t> </a:t>
-                </a:r>
-              </a:p>
-            </p:txBody>
-          </p:sp>
-        </mc:Fallback>
-      </mc:AlternateContent>
-      <mc:AlternateContent xmlns:mc="http://schemas.openxmlformats.org/markup-compatibility/2006">
-        <mc:Choice xmlns:a14="http://schemas.microsoft.com/office/drawing/2010/main" Requires="a14">
-          <p:sp>
-            <p:nvSpPr>
-              <p:cNvPr id="20" name="橢圓 19">
-                <a:extLst>
-                  <a:ext uri="{FF2B5EF4-FFF2-40B4-BE49-F238E27FC236}">
-                    <a16:creationId xmlns:a16="http://schemas.microsoft.com/office/drawing/2014/main" id="{DB402F04-640B-B8EA-9552-77CE3A0EAD2F}"/>
-                  </a:ext>
-                </a:extLst>
-              </p:cNvPr>
-              <p:cNvSpPr/>
-              <p:nvPr/>
-            </p:nvSpPr>
-            <p:spPr>
-              <a:xfrm>
-                <a:off x="15489326" y="2399771"/>
-                <a:ext cx="1119117" cy="1119117"/>
-              </a:xfrm>
-              <a:prstGeom prst="ellipse">
-                <a:avLst/>
-              </a:prstGeom>
-              <a:noFill/>
-              <a:ln w="38100">
-                <a:solidFill>
-                  <a:schemeClr val="tx1"/>
-                </a:solidFill>
-              </a:ln>
-            </p:spPr>
-            <p:style>
-              <a:lnRef idx="2">
-                <a:schemeClr val="accent1">
-                  <a:shade val="15000"/>
-                </a:schemeClr>
-              </a:lnRef>
-              <a:fillRef idx="1">
-                <a:schemeClr val="accent1"/>
-              </a:fillRef>
-              <a:effectRef idx="0">
-                <a:schemeClr val="accent1"/>
-              </a:effectRef>
-              <a:fontRef idx="minor">
-                <a:schemeClr val="lt1"/>
-              </a:fontRef>
-            </p:style>
-            <p:txBody>
-              <a:bodyPr wrap="none" rtlCol="0" anchor="ctr"/>
-              <a:lstStyle/>
-              <a:p>
-                <a:pPr algn="ctr"/>
-                <a14:m>
-                  <m:oMathPara xmlns:m="http://schemas.openxmlformats.org/officeDocument/2006/math">
-                    <m:oMathParaPr>
-                      <m:jc m:val="center"/>
-                    </m:oMathParaPr>
-                    <m:oMath xmlns:m="http://schemas.openxmlformats.org/officeDocument/2006/math">
-                      <m:sSub>
-                        <m:sSubPr>
-                          <m:ctrlPr>
-                            <a:rPr lang="en-US" altLang="zh-TW" b="1" i="1">
-                              <a:solidFill>
-                                <a:schemeClr val="tx1"/>
-                              </a:solidFill>
-                              <a:latin typeface="Cambria Math" panose="02040503050406030204" pitchFamily="18" charset="0"/>
-                              <a:cs typeface="Times New Roman" panose="02020603050405020304" pitchFamily="18" charset="0"/>
-                            </a:rPr>
-                          </m:ctrlPr>
-                        </m:sSubPr>
-                        <m:e>
-                          <m:r>
-                            <a:rPr lang="en-US" altLang="zh-TW" b="1">
-                              <a:solidFill>
-                                <a:schemeClr val="tx1"/>
-                              </a:solidFill>
-                              <a:latin typeface="Cambria Math" panose="02040503050406030204" pitchFamily="18" charset="0"/>
-                              <a:cs typeface="Times New Roman" panose="02020603050405020304" pitchFamily="18" charset="0"/>
-                            </a:rPr>
-                            <m:t>𝐃𝐞𝐩𝐚𝐫𝐭</m:t>
-                          </m:r>
-                        </m:e>
-                        <m:sub>
-                          <m:r>
-                            <a:rPr lang="en-US" altLang="zh-TW" b="1">
-                              <a:solidFill>
-                                <a:schemeClr val="tx1"/>
-                              </a:solidFill>
-                              <a:latin typeface="Cambria Math" panose="02040503050406030204" pitchFamily="18" charset="0"/>
-                              <a:cs typeface="Times New Roman" panose="02020603050405020304" pitchFamily="18" charset="0"/>
-                            </a:rPr>
-                            <m:t>𝐬𝐭</m:t>
-                          </m:r>
-                        </m:sub>
-                      </m:sSub>
-                    </m:oMath>
-                  </m:oMathPara>
-                </a14:m>
-                <a:endParaRPr lang="zh-TW" altLang="en-US" b="1" dirty="0">
-                  <a:solidFill>
-                    <a:schemeClr val="tx1"/>
-                  </a:solidFill>
-                  <a:latin typeface="Times New Roman" panose="02020603050405020304" pitchFamily="18" charset="0"/>
-                  <a:cs typeface="Times New Roman" panose="02020603050405020304" pitchFamily="18" charset="0"/>
-                </a:endParaRPr>
-              </a:p>
-            </p:txBody>
-          </p:sp>
-        </mc:Choice>
-        <mc:Fallback>
-          <p:sp>
-            <p:nvSpPr>
-              <p:cNvPr id="20" name="橢圓 19">
-                <a:extLst>
-                  <a:ext uri="{FF2B5EF4-FFF2-40B4-BE49-F238E27FC236}">
-                    <a16:creationId xmlns:a16="http://schemas.microsoft.com/office/drawing/2014/main" id="{DB402F04-640B-B8EA-9552-77CE3A0EAD2F}"/>
-                  </a:ext>
-                </a:extLst>
-              </p:cNvPr>
-              <p:cNvSpPr>
-                <a:spLocks noRot="1" noChangeAspect="1" noMove="1" noResize="1" noEditPoints="1" noAdjustHandles="1" noChangeArrowheads="1" noChangeShapeType="1" noTextEdit="1"/>
-              </p:cNvSpPr>
-              <p:nvPr/>
-            </p:nvSpPr>
-            <p:spPr>
-              <a:xfrm>
-                <a:off x="15489326" y="2399771"/>
-                <a:ext cx="1119117" cy="1119117"/>
-              </a:xfrm>
-              <a:prstGeom prst="ellipse">
-                <a:avLst/>
-              </a:prstGeom>
-              <a:blipFill>
-                <a:blip r:embed="rId5"/>
-                <a:stretch>
-                  <a:fillRect l="-1058"/>
-                </a:stretch>
-              </a:blipFill>
-              <a:ln w="38100">
-                <a:solidFill>
-                  <a:schemeClr val="tx1"/>
-                </a:solidFill>
-              </a:ln>
-            </p:spPr>
-            <p:txBody>
-              <a:bodyPr/>
-              <a:lstStyle/>
-              <a:p>
-                <a:r>
-                  <a:rPr lang="zh-TW" altLang="en-US">
-                    <a:noFill/>
-                  </a:rPr>
-                  <a:t> </a:t>
-                </a:r>
-              </a:p>
-            </p:txBody>
-          </p:sp>
-        </mc:Fallback>
-      </mc:AlternateContent>
-      <p:sp>
-        <p:nvSpPr>
-          <p:cNvPr id="21" name="橢圓 20">
-            <a:extLst>
-              <a:ext uri="{FF2B5EF4-FFF2-40B4-BE49-F238E27FC236}">
-                <a16:creationId xmlns:a16="http://schemas.microsoft.com/office/drawing/2014/main" id="{5373205D-AF67-87BF-22F9-93AD0A1BFAC5}"/>
-              </a:ext>
-            </a:extLst>
-          </p:cNvPr>
-          <p:cNvSpPr/>
-          <p:nvPr/>
-        </p:nvSpPr>
-        <p:spPr>
-          <a:xfrm>
-            <a:off x="17801831" y="2399771"/>
-            <a:ext cx="1119117" cy="1119117"/>
-          </a:xfrm>
-          <a:prstGeom prst="ellipse">
-            <a:avLst/>
-          </a:prstGeom>
-          <a:noFill/>
-          <a:ln w="38100">
-            <a:solidFill>
-              <a:schemeClr val="tx1"/>
-            </a:solidFill>
-          </a:ln>
-        </p:spPr>
-        <p:style>
-          <a:lnRef idx="2">
-            <a:schemeClr val="accent1">
-              <a:shade val="15000"/>
-            </a:schemeClr>
-          </a:lnRef>
-          <a:fillRef idx="1">
-            <a:schemeClr val="accent1"/>
-          </a:fillRef>
-          <a:effectRef idx="0">
-            <a:schemeClr val="accent1"/>
-          </a:effectRef>
-          <a:fontRef idx="minor">
-            <a:schemeClr val="lt1"/>
-          </a:fontRef>
-        </p:style>
-        <p:txBody>
-          <a:bodyPr wrap="none" rtlCol="0" anchor="ctr"/>
-          <a:lstStyle/>
-          <a:p>
-            <a:pPr algn="ctr"/>
-            <a:r>
-              <a:rPr lang="en-US" altLang="zh-TW" b="1" dirty="0">
-                <a:solidFill>
-                  <a:schemeClr val="tx1"/>
-                </a:solidFill>
-                <a:latin typeface="Times New Roman" panose="02020603050405020304" pitchFamily="18" charset="0"/>
-                <a:cs typeface="Times New Roman" panose="02020603050405020304" pitchFamily="18" charset="0"/>
-              </a:rPr>
-              <a:t>Report</a:t>
-            </a:r>
-            <a:endParaRPr lang="zh-TW" altLang="en-US" b="1" dirty="0">
-              <a:solidFill>
-                <a:schemeClr val="tx1"/>
-              </a:solidFill>
-              <a:latin typeface="Times New Roman" panose="02020603050405020304" pitchFamily="18" charset="0"/>
-              <a:cs typeface="Times New Roman" panose="02020603050405020304" pitchFamily="18" charset="0"/>
-            </a:endParaRPr>
-          </a:p>
-        </p:txBody>
-      </p:sp>
-      <p:cxnSp>
-        <p:nvCxnSpPr>
-          <p:cNvPr id="22" name="直線單箭頭接點 21">
-            <a:extLst>
-              <a:ext uri="{FF2B5EF4-FFF2-40B4-BE49-F238E27FC236}">
-                <a16:creationId xmlns:a16="http://schemas.microsoft.com/office/drawing/2014/main" id="{F62B67D1-B4F5-3852-EC56-C996401531DC}"/>
-              </a:ext>
-            </a:extLst>
-          </p:cNvPr>
-          <p:cNvCxnSpPr>
-            <a:cxnSpLocks/>
-            <a:stCxn id="19" idx="6"/>
-            <a:endCxn id="20" idx="2"/>
-          </p:cNvCxnSpPr>
-          <p:nvPr/>
-        </p:nvCxnSpPr>
-        <p:spPr>
-          <a:xfrm>
-            <a:off x="14295937" y="2959330"/>
-            <a:ext cx="1193389" cy="0"/>
-          </a:xfrm>
-          <a:prstGeom prst="straightConnector1">
-            <a:avLst/>
-          </a:prstGeom>
-          <a:ln w="28575">
-            <a:solidFill>
-              <a:schemeClr val="tx1"/>
-            </a:solidFill>
-            <a:tailEnd type="triangle"/>
-          </a:ln>
-        </p:spPr>
-        <p:style>
-          <a:lnRef idx="2">
-            <a:schemeClr val="accent1"/>
-          </a:lnRef>
-          <a:fillRef idx="0">
-            <a:schemeClr val="accent1"/>
-          </a:fillRef>
-          <a:effectRef idx="1">
-            <a:schemeClr val="accent1"/>
-          </a:effectRef>
-          <a:fontRef idx="minor">
-            <a:schemeClr val="tx1"/>
-          </a:fontRef>
-        </p:style>
-      </p:cxnSp>
-      <p:cxnSp>
-        <p:nvCxnSpPr>
-          <p:cNvPr id="23" name="直線單箭頭接點 22">
-            <a:extLst>
-              <a:ext uri="{FF2B5EF4-FFF2-40B4-BE49-F238E27FC236}">
-                <a16:creationId xmlns:a16="http://schemas.microsoft.com/office/drawing/2014/main" id="{287A058E-DB1D-E76C-669A-18582A9B0AAC}"/>
-              </a:ext>
-            </a:extLst>
-          </p:cNvPr>
-          <p:cNvCxnSpPr>
-            <a:cxnSpLocks/>
-            <a:stCxn id="20" idx="6"/>
-            <a:endCxn id="21" idx="2"/>
-          </p:cNvCxnSpPr>
-          <p:nvPr/>
-        </p:nvCxnSpPr>
-        <p:spPr>
-          <a:xfrm>
-            <a:off x="16608443" y="2959330"/>
-            <a:ext cx="1193388" cy="0"/>
-          </a:xfrm>
-          <a:prstGeom prst="straightConnector1">
-            <a:avLst/>
-          </a:prstGeom>
-          <a:ln w="28575">
-            <a:solidFill>
-              <a:schemeClr val="tx1"/>
-            </a:solidFill>
-            <a:tailEnd type="triangle"/>
-          </a:ln>
-        </p:spPr>
-        <p:style>
-          <a:lnRef idx="2">
-            <a:schemeClr val="accent1"/>
-          </a:lnRef>
-          <a:fillRef idx="0">
-            <a:schemeClr val="accent1"/>
-          </a:fillRef>
-          <a:effectRef idx="1">
-            <a:schemeClr val="accent1"/>
-          </a:effectRef>
-          <a:fontRef idx="minor">
-            <a:schemeClr val="tx1"/>
-          </a:fontRef>
-        </p:style>
-      </p:cxnSp>
-      <p:cxnSp>
-        <p:nvCxnSpPr>
-          <p:cNvPr id="24" name="直線單箭頭接點 23">
-            <a:extLst>
-              <a:ext uri="{FF2B5EF4-FFF2-40B4-BE49-F238E27FC236}">
-                <a16:creationId xmlns:a16="http://schemas.microsoft.com/office/drawing/2014/main" id="{8CCD2707-6207-489D-BB52-569CDED1B8B2}"/>
-              </a:ext>
-            </a:extLst>
-          </p:cNvPr>
-          <p:cNvCxnSpPr>
-            <a:cxnSpLocks/>
-            <a:stCxn id="8" idx="6"/>
-            <a:endCxn id="19" idx="2"/>
-          </p:cNvCxnSpPr>
-          <p:nvPr/>
-        </p:nvCxnSpPr>
-        <p:spPr>
-          <a:xfrm>
-            <a:off x="11983432" y="2959330"/>
-            <a:ext cx="1193388" cy="0"/>
-          </a:xfrm>
-          <a:prstGeom prst="straightConnector1">
-            <a:avLst/>
-          </a:prstGeom>
-          <a:ln w="28575">
-            <a:solidFill>
-              <a:schemeClr val="tx1"/>
-            </a:solidFill>
-            <a:tailEnd type="triangle"/>
-          </a:ln>
-        </p:spPr>
-        <p:style>
-          <a:lnRef idx="2">
-            <a:schemeClr val="accent1"/>
-          </a:lnRef>
-          <a:fillRef idx="0">
-            <a:schemeClr val="accent1"/>
-          </a:fillRef>
-          <a:effectRef idx="1">
-            <a:schemeClr val="accent1"/>
-          </a:effectRef>
-          <a:fontRef idx="minor">
-            <a:schemeClr val="tx1"/>
-          </a:fontRef>
-        </p:style>
-      </p:cxnSp>
-      <mc:AlternateContent xmlns:mc="http://schemas.openxmlformats.org/markup-compatibility/2006">
-        <mc:Choice xmlns:a14="http://schemas.microsoft.com/office/drawing/2010/main" Requires="a14">
-          <p:graphicFrame>
-            <p:nvGraphicFramePr>
-              <p:cNvPr id="34" name="表格 33">
-                <a:extLst>
-                  <a:ext uri="{FF2B5EF4-FFF2-40B4-BE49-F238E27FC236}">
-                    <a16:creationId xmlns:a16="http://schemas.microsoft.com/office/drawing/2014/main" id="{B85F0B2E-7A82-D861-BB9D-6207FCF8B44D}"/>
-                  </a:ext>
-                </a:extLst>
-              </p:cNvPr>
-              <p:cNvGraphicFramePr>
-                <a:graphicFrameLocks noGrp="1"/>
-              </p:cNvGraphicFramePr>
-              <p:nvPr>
-                <p:extLst>
-                  <p:ext uri="{D42A27DB-BD31-4B8C-83A1-F6EECF244321}">
-                    <p14:modId xmlns:p14="http://schemas.microsoft.com/office/powerpoint/2010/main" val="1264984097"/>
-                  </p:ext>
-                </p:extLst>
-              </p:nvPr>
-            </p:nvGraphicFramePr>
-            <p:xfrm>
-              <a:off x="2579992" y="2189405"/>
-              <a:ext cx="2841147" cy="1925320"/>
-            </p:xfrm>
-            <a:graphic>
-              <a:graphicData uri="http://schemas.openxmlformats.org/drawingml/2006/table">
-                <a:tbl>
-                  <a:tblPr firstRow="1" bandRow="1">
-                    <a:tableStyleId>{5C22544A-7EE6-4342-B048-85BDC9FD1C3A}</a:tableStyleId>
-                  </a:tblPr>
-                  <a:tblGrid>
-                    <a:gridCol w="990602">
-                      <a:extLst>
-                        <a:ext uri="{9D8B030D-6E8A-4147-A177-3AD203B41FA5}">
-                          <a16:colId xmlns:a16="http://schemas.microsoft.com/office/drawing/2014/main" val="2629813993"/>
-                        </a:ext>
-                      </a:extLst>
-                    </a:gridCol>
-                    <a:gridCol w="1850545">
-                      <a:extLst>
-                        <a:ext uri="{9D8B030D-6E8A-4147-A177-3AD203B41FA5}">
-                          <a16:colId xmlns:a16="http://schemas.microsoft.com/office/drawing/2014/main" val="600755475"/>
-                        </a:ext>
-                      </a:extLst>
-                    </a:gridCol>
-                  </a:tblGrid>
-                  <a:tr h="0">
-                    <a:tc>
-                      <a:txBody>
-                        <a:bodyPr/>
-                        <a:lstStyle/>
-                        <a:p>
-                          <a:endParaRPr lang="zh-TW" altLang="en-US" sz="1400" dirty="0">
-                            <a:solidFill>
-                              <a:schemeClr val="tx1"/>
-                            </a:solidFill>
-                            <a:latin typeface="Times New Roman" panose="02020603050405020304" pitchFamily="18" charset="0"/>
-                            <a:cs typeface="Times New Roman" panose="02020603050405020304" pitchFamily="18" charset="0"/>
-                          </a:endParaRPr>
-                        </a:p>
-                      </a:txBody>
-                      <a:tcPr anchor="ctr">
-                        <a:lnL w="12700" cap="flat" cmpd="sng" algn="ctr">
-                          <a:solidFill>
-                            <a:schemeClr val="tx1"/>
-                          </a:solidFill>
-                          <a:prstDash val="solid"/>
-                          <a:round/>
-                          <a:headEnd type="none" w="med" len="med"/>
-                          <a:tailEnd type="none" w="med" len="med"/>
-                        </a:lnL>
-                        <a:lnR w="12700" cap="flat" cmpd="sng" algn="ctr">
-                          <a:solidFill>
-                            <a:schemeClr val="tx1"/>
-                          </a:solidFill>
-                          <a:prstDash val="solid"/>
-                          <a:round/>
-                          <a:headEnd type="none" w="med" len="med"/>
-                          <a:tailEnd type="none" w="med" len="med"/>
-                        </a:lnR>
-                        <a:lnT w="12700" cap="flat" cmpd="sng" algn="ctr">
-                          <a:solidFill>
-                            <a:schemeClr val="tx1"/>
-                          </a:solidFill>
-                          <a:prstDash val="solid"/>
-                          <a:round/>
-                          <a:headEnd type="none" w="med" len="med"/>
-                          <a:tailEnd type="none" w="med" len="med"/>
-                        </a:lnT>
-                        <a:lnB w="12700" cap="flat" cmpd="sng" algn="ctr">
-                          <a:solidFill>
-                            <a:schemeClr val="tx1"/>
-                          </a:solidFill>
-                          <a:prstDash val="solid"/>
-                          <a:round/>
-                          <a:headEnd type="none" w="med" len="med"/>
-                          <a:tailEnd type="none" w="med" len="med"/>
-                        </a:lnB>
-                        <a:noFill/>
-                      </a:tcPr>
-                    </a:tc>
-                    <a:tc>
-                      <a:txBody>
-                        <a:bodyPr/>
-                        <a:lstStyle/>
-                        <a:p>
-                          <a:r>
-                            <a:rPr lang="en-US" altLang="zh-TW" sz="1400" dirty="0">
-                              <a:solidFill>
-                                <a:schemeClr val="tx1"/>
-                              </a:solidFill>
-                              <a:latin typeface="Times New Roman" panose="02020603050405020304" pitchFamily="18" charset="0"/>
-                              <a:cs typeface="Times New Roman" panose="02020603050405020304" pitchFamily="18" charset="0"/>
-                            </a:rPr>
-                            <a:t>State</a:t>
-                          </a:r>
-                          <a:r>
-                            <a:rPr lang="zh-TW" altLang="en-US" sz="1400" dirty="0">
-                              <a:solidFill>
-                                <a:schemeClr val="tx1"/>
-                              </a:solidFill>
-                              <a:latin typeface="Times New Roman" panose="02020603050405020304" pitchFamily="18" charset="0"/>
-                              <a:cs typeface="Times New Roman" panose="02020603050405020304" pitchFamily="18" charset="0"/>
-                            </a:rPr>
-                            <a:t> </a:t>
-                          </a:r>
-                          <a:r>
-                            <a:rPr lang="en-US" altLang="zh-TW" sz="1400" dirty="0">
-                              <a:solidFill>
-                                <a:schemeClr val="tx1"/>
-                              </a:solidFill>
-                              <a:latin typeface="Times New Roman" panose="02020603050405020304" pitchFamily="18" charset="0"/>
-                              <a:cs typeface="Times New Roman" panose="02020603050405020304" pitchFamily="18" charset="0"/>
-                            </a:rPr>
-                            <a:t>change</a:t>
-                          </a:r>
-                          <a:endParaRPr lang="zh-TW" altLang="en-US" sz="1400" dirty="0">
-                            <a:solidFill>
-                              <a:schemeClr val="tx1"/>
-                            </a:solidFill>
-                            <a:latin typeface="Times New Roman" panose="02020603050405020304" pitchFamily="18" charset="0"/>
-                            <a:cs typeface="Times New Roman" panose="02020603050405020304" pitchFamily="18" charset="0"/>
-                          </a:endParaRPr>
-                        </a:p>
-                      </a:txBody>
-                      <a:tcPr anchor="ctr">
-                        <a:lnL w="12700" cap="flat" cmpd="sng" algn="ctr">
-                          <a:solidFill>
-                            <a:schemeClr val="tx1"/>
-                          </a:solidFill>
-                          <a:prstDash val="solid"/>
-                          <a:round/>
-                          <a:headEnd type="none" w="med" len="med"/>
-                          <a:tailEnd type="none" w="med" len="med"/>
-                        </a:lnL>
-                        <a:lnR w="12700" cap="flat" cmpd="sng" algn="ctr">
-                          <a:solidFill>
-                            <a:schemeClr val="tx1"/>
-                          </a:solidFill>
-                          <a:prstDash val="solid"/>
-                          <a:round/>
-                          <a:headEnd type="none" w="med" len="med"/>
-                          <a:tailEnd type="none" w="med" len="med"/>
-                        </a:lnR>
-                        <a:lnT w="12700" cap="flat" cmpd="sng" algn="ctr">
-                          <a:solidFill>
-                            <a:schemeClr val="tx1"/>
-                          </a:solidFill>
-                          <a:prstDash val="solid"/>
-                          <a:round/>
-                          <a:headEnd type="none" w="med" len="med"/>
-                          <a:tailEnd type="none" w="med" len="med"/>
-                        </a:lnT>
-                        <a:lnB w="12700" cap="flat" cmpd="sng" algn="ctr">
-                          <a:solidFill>
-                            <a:schemeClr val="tx1"/>
-                          </a:solidFill>
-                          <a:prstDash val="solid"/>
-                          <a:round/>
-                          <a:headEnd type="none" w="med" len="med"/>
-                          <a:tailEnd type="none" w="med" len="med"/>
-                        </a:lnB>
-                        <a:noFill/>
-                      </a:tcPr>
-                    </a:tc>
-                    <a:extLst>
-                      <a:ext uri="{0D108BD9-81ED-4DB2-BD59-A6C34878D82A}">
-                        <a16:rowId xmlns:a16="http://schemas.microsoft.com/office/drawing/2014/main" val="2017167383"/>
-                      </a:ext>
-                    </a:extLst>
-                  </a:tr>
-                  <a:tr h="370840">
-                    <a:tc>
-                      <a:txBody>
-                        <a:bodyPr/>
-                        <a:lstStyle/>
-                        <a:p>
-                          <a:pPr/>
-                          <a14:m>
-                            <m:oMathPara xmlns:m="http://schemas.openxmlformats.org/officeDocument/2006/math">
-                              <m:oMathParaPr>
-                                <m:jc m:val="left"/>
-                              </m:oMathParaPr>
-                              <m:oMath xmlns:m="http://schemas.openxmlformats.org/officeDocument/2006/math">
-                                <m:sSub>
-                                  <m:sSubPr>
-                                    <m:ctrlPr>
-                                      <a:rPr lang="en-US" altLang="zh-TW" sz="1400" b="1" i="0" smtClean="0">
-                                        <a:solidFill>
-                                          <a:schemeClr val="tx1"/>
-                                        </a:solidFill>
-                                        <a:latin typeface="Cambria Math" panose="02040503050406030204" pitchFamily="18" charset="0"/>
-                                        <a:cs typeface="Times New Roman" panose="02020603050405020304" pitchFamily="18" charset="0"/>
-                                      </a:rPr>
-                                    </m:ctrlPr>
-                                  </m:sSubPr>
-                                  <m:e>
-                                    <m:r>
-                                      <a:rPr lang="en-US" altLang="zh-TW" sz="1400" b="1" i="0" smtClean="0">
-                                        <a:solidFill>
-                                          <a:schemeClr val="tx1"/>
-                                        </a:solidFill>
-                                        <a:latin typeface="Cambria Math" panose="02040503050406030204" pitchFamily="18" charset="0"/>
-                                        <a:cs typeface="Times New Roman" panose="02020603050405020304" pitchFamily="18" charset="0"/>
-                                      </a:rPr>
-                                      <m:t>𝐀𝐫𝐫𝐢𝐯𝐞</m:t>
-                                    </m:r>
-                                  </m:e>
-                                  <m:sub>
-                                    <m:r>
-                                      <a:rPr lang="en-US" altLang="zh-TW" sz="1400" b="1" i="0" smtClean="0">
-                                        <a:solidFill>
-                                          <a:schemeClr val="tx1"/>
-                                        </a:solidFill>
-                                        <a:latin typeface="Cambria Math" panose="02040503050406030204" pitchFamily="18" charset="0"/>
-                                        <a:cs typeface="Times New Roman" panose="02020603050405020304" pitchFamily="18" charset="0"/>
-                                      </a:rPr>
-                                      <m:t>𝐞𝐧</m:t>
-                                    </m:r>
-                                  </m:sub>
-                                </m:sSub>
-                              </m:oMath>
-                            </m:oMathPara>
-                          </a14:m>
-                          <a:endParaRPr lang="zh-TW" altLang="en-US" sz="1400" b="1" i="0" dirty="0">
-                            <a:solidFill>
-                              <a:schemeClr val="tx1"/>
-                            </a:solidFill>
-                            <a:latin typeface="Times New Roman" panose="02020603050405020304" pitchFamily="18" charset="0"/>
-                            <a:cs typeface="Times New Roman" panose="02020603050405020304" pitchFamily="18" charset="0"/>
-                          </a:endParaRPr>
-                        </a:p>
-                      </a:txBody>
-                      <a:tcPr anchor="ctr">
-                        <a:lnL w="12700" cap="flat" cmpd="sng" algn="ctr">
-                          <a:solidFill>
-                            <a:schemeClr val="tx1"/>
-                          </a:solidFill>
-                          <a:prstDash val="solid"/>
-                          <a:round/>
-                          <a:headEnd type="none" w="med" len="med"/>
-                          <a:tailEnd type="none" w="med" len="med"/>
-                        </a:lnL>
-                        <a:lnR w="12700" cap="flat" cmpd="sng" algn="ctr">
-                          <a:solidFill>
-                            <a:schemeClr val="tx1"/>
-                          </a:solidFill>
-                          <a:prstDash val="solid"/>
-                          <a:round/>
-                          <a:headEnd type="none" w="med" len="med"/>
-                          <a:tailEnd type="none" w="med" len="med"/>
-                        </a:lnR>
-                        <a:lnT w="12700" cap="flat" cmpd="sng" algn="ctr">
-                          <a:solidFill>
-                            <a:schemeClr val="tx1"/>
-                          </a:solidFill>
-                          <a:prstDash val="solid"/>
-                          <a:round/>
-                          <a:headEnd type="none" w="med" len="med"/>
-                          <a:tailEnd type="none" w="med" len="med"/>
-                        </a:lnT>
-                        <a:lnB w="12700" cap="flat" cmpd="sng" algn="ctr">
-                          <a:solidFill>
-                            <a:schemeClr val="tx1"/>
-                          </a:solidFill>
-                          <a:prstDash val="solid"/>
-                          <a:round/>
-                          <a:headEnd type="none" w="med" len="med"/>
-                          <a:tailEnd type="none" w="med" len="med"/>
-                        </a:lnB>
-                        <a:noFill/>
-                      </a:tcPr>
-                    </a:tc>
-                    <a:tc>
-                      <a:txBody>
-                        <a:bodyPr/>
-                        <a:lstStyle/>
-                        <a:p>
-                          <a:r>
-                            <a:rPr lang="en-US" altLang="zh-TW" sz="1400" b="1" dirty="0" err="1">
-                              <a:solidFill>
-                                <a:schemeClr val="tx1"/>
-                              </a:solidFill>
-                              <a:latin typeface="Times New Roman" panose="02020603050405020304" pitchFamily="18" charset="0"/>
-                              <a:cs typeface="Times New Roman" panose="02020603050405020304" pitchFamily="18" charset="0"/>
-                            </a:rPr>
-                            <a:t>Q_en</a:t>
-                          </a:r>
-                          <a:r>
-                            <a:rPr lang="en-US" altLang="zh-TW" sz="1400" b="1" dirty="0">
-                              <a:solidFill>
-                                <a:schemeClr val="tx1"/>
-                              </a:solidFill>
-                              <a:latin typeface="Times New Roman" panose="02020603050405020304" pitchFamily="18" charset="0"/>
-                              <a:cs typeface="Times New Roman" panose="02020603050405020304" pitchFamily="18" charset="0"/>
-                            </a:rPr>
-                            <a:t>++</a:t>
-                          </a:r>
-                        </a:p>
-                        <a:p>
-                          <a:pPr marL="0" marR="0" lvl="0" indent="0" algn="l" defTabSz="959937" rtl="0" eaLnBrk="1" fontAlgn="auto" latinLnBrk="0" hangingPunct="1">
-                            <a:lnSpc>
-                              <a:spcPct val="100000"/>
-                            </a:lnSpc>
-                            <a:spcBef>
-                              <a:spcPts val="0"/>
-                            </a:spcBef>
-                            <a:spcAft>
-                              <a:spcPts val="0"/>
-                            </a:spcAft>
-                            <a:buClrTx/>
-                            <a:buSzTx/>
-                            <a:buFontTx/>
-                            <a:buNone/>
-                            <a:tabLst/>
-                            <a:defRPr/>
-                          </a:pPr>
-                          <a:r>
-                            <a:rPr lang="en-US" altLang="zh-TW" sz="1400" b="1" dirty="0" err="1">
-                              <a:solidFill>
-                                <a:schemeClr val="tx1"/>
-                              </a:solidFill>
-                              <a:latin typeface="Times New Roman" panose="02020603050405020304" pitchFamily="18" charset="0"/>
-                              <a:cs typeface="Times New Roman" panose="02020603050405020304" pitchFamily="18" charset="0"/>
-                            </a:rPr>
-                            <a:t>S_en</a:t>
-                          </a:r>
-                          <a:r>
-                            <a:rPr lang="en-US" altLang="zh-TW" sz="1400" b="1" dirty="0">
-                              <a:solidFill>
-                                <a:schemeClr val="tx1"/>
-                              </a:solidFill>
-                              <a:latin typeface="Times New Roman" panose="02020603050405020304" pitchFamily="18" charset="0"/>
-                              <a:cs typeface="Times New Roman" panose="02020603050405020304" pitchFamily="18" charset="0"/>
-                            </a:rPr>
-                            <a:t>=BUSY</a:t>
-                          </a:r>
-                        </a:p>
-                      </a:txBody>
-                      <a:tcPr anchor="ctr">
-                        <a:lnL w="12700" cap="flat" cmpd="sng" algn="ctr">
-                          <a:solidFill>
-                            <a:schemeClr val="tx1"/>
-                          </a:solidFill>
-                          <a:prstDash val="solid"/>
-                          <a:round/>
-                          <a:headEnd type="none" w="med" len="med"/>
-                          <a:tailEnd type="none" w="med" len="med"/>
-                        </a:lnL>
-                        <a:lnR w="12700" cap="flat" cmpd="sng" algn="ctr">
-                          <a:solidFill>
-                            <a:schemeClr val="tx1"/>
-                          </a:solidFill>
-                          <a:prstDash val="solid"/>
-                          <a:round/>
-                          <a:headEnd type="none" w="med" len="med"/>
-                          <a:tailEnd type="none" w="med" len="med"/>
-                        </a:lnR>
-                        <a:lnT w="12700" cap="flat" cmpd="sng" algn="ctr">
-                          <a:solidFill>
-                            <a:schemeClr val="tx1"/>
-                          </a:solidFill>
-                          <a:prstDash val="solid"/>
-                          <a:round/>
-                          <a:headEnd type="none" w="med" len="med"/>
-                          <a:tailEnd type="none" w="med" len="med"/>
-                        </a:lnT>
-                        <a:lnB w="12700" cap="flat" cmpd="sng" algn="ctr">
-                          <a:solidFill>
-                            <a:schemeClr val="tx1"/>
-                          </a:solidFill>
-                          <a:prstDash val="solid"/>
-                          <a:round/>
-                          <a:headEnd type="none" w="med" len="med"/>
-                          <a:tailEnd type="none" w="med" len="med"/>
-                        </a:lnB>
-                        <a:noFill/>
-                      </a:tcPr>
-                    </a:tc>
-                    <a:extLst>
-                      <a:ext uri="{0D108BD9-81ED-4DB2-BD59-A6C34878D82A}">
-                        <a16:rowId xmlns:a16="http://schemas.microsoft.com/office/drawing/2014/main" val="12011265"/>
-                      </a:ext>
-                    </a:extLst>
-                  </a:tr>
-                  <a:tr h="370840">
-                    <a:tc>
-                      <a:txBody>
-                        <a:bodyPr/>
-                        <a:lstStyle/>
-                        <a:p>
-                          <a:pPr/>
-                          <a14:m>
-                            <m:oMathPara xmlns:m="http://schemas.openxmlformats.org/officeDocument/2006/math">
-                              <m:oMathParaPr>
-                                <m:jc m:val="left"/>
-                              </m:oMathParaPr>
-                              <m:oMath xmlns:m="http://schemas.openxmlformats.org/officeDocument/2006/math">
-                                <m:sSub>
-                                  <m:sSubPr>
-                                    <m:ctrlPr>
-                                      <a:rPr lang="en-US" altLang="zh-TW" sz="1400" b="1" i="1" smtClean="0">
-                                        <a:solidFill>
-                                          <a:schemeClr val="tx1"/>
-                                        </a:solidFill>
-                                        <a:latin typeface="Cambria Math" panose="02040503050406030204" pitchFamily="18" charset="0"/>
-                                        <a:cs typeface="Times New Roman" panose="02020603050405020304" pitchFamily="18" charset="0"/>
-                                      </a:rPr>
-                                    </m:ctrlPr>
-                                  </m:sSubPr>
-                                  <m:e>
-                                    <m:r>
-                                      <a:rPr lang="en-US" altLang="zh-TW" sz="1400" b="1" i="0" smtClean="0">
-                                        <a:solidFill>
-                                          <a:schemeClr val="tx1"/>
-                                        </a:solidFill>
-                                        <a:latin typeface="Cambria Math" panose="02040503050406030204" pitchFamily="18" charset="0"/>
-                                        <a:cs typeface="Times New Roman" panose="02020603050405020304" pitchFamily="18" charset="0"/>
-                                      </a:rPr>
-                                      <m:t>𝐄𝐧𝐭𝐞𝐫</m:t>
-                                    </m:r>
-                                  </m:e>
-                                  <m:sub>
-                                    <m:r>
-                                      <a:rPr lang="en-US" altLang="zh-TW" sz="1400" b="1" i="0" smtClean="0">
-                                        <a:solidFill>
-                                          <a:schemeClr val="tx1"/>
-                                        </a:solidFill>
-                                        <a:latin typeface="Cambria Math" panose="02040503050406030204" pitchFamily="18" charset="0"/>
-                                        <a:cs typeface="Times New Roman" panose="02020603050405020304" pitchFamily="18" charset="0"/>
-                                      </a:rPr>
-                                      <m:t>𝐞𝐧</m:t>
-                                    </m:r>
-                                  </m:sub>
-                                </m:sSub>
-                              </m:oMath>
-                            </m:oMathPara>
-                          </a14:m>
-                          <a:endParaRPr lang="zh-TW" altLang="en-US" sz="1400" b="1" i="0" dirty="0">
-                            <a:solidFill>
-                              <a:schemeClr val="tx1"/>
-                            </a:solidFill>
-                            <a:latin typeface="Times New Roman" panose="02020603050405020304" pitchFamily="18" charset="0"/>
-                            <a:cs typeface="Times New Roman" panose="02020603050405020304" pitchFamily="18" charset="0"/>
-                          </a:endParaRPr>
-                        </a:p>
-                      </a:txBody>
-                      <a:tcPr anchor="ctr">
-                        <a:lnL w="12700" cap="flat" cmpd="sng" algn="ctr">
-                          <a:solidFill>
-                            <a:schemeClr val="tx1"/>
-                          </a:solidFill>
-                          <a:prstDash val="solid"/>
-                          <a:round/>
-                          <a:headEnd type="none" w="med" len="med"/>
-                          <a:tailEnd type="none" w="med" len="med"/>
-                        </a:lnL>
-                        <a:lnR w="12700" cap="flat" cmpd="sng" algn="ctr">
-                          <a:solidFill>
-                            <a:schemeClr val="tx1"/>
-                          </a:solidFill>
-                          <a:prstDash val="solid"/>
-                          <a:round/>
-                          <a:headEnd type="none" w="med" len="med"/>
-                          <a:tailEnd type="none" w="med" len="med"/>
-                        </a:lnR>
-                        <a:lnT w="12700" cap="flat" cmpd="sng" algn="ctr">
-                          <a:solidFill>
-                            <a:schemeClr val="tx1"/>
-                          </a:solidFill>
-                          <a:prstDash val="solid"/>
-                          <a:round/>
-                          <a:headEnd type="none" w="med" len="med"/>
-                          <a:tailEnd type="none" w="med" len="med"/>
-                        </a:lnT>
-                        <a:lnB w="12700" cap="flat" cmpd="sng" algn="ctr">
-                          <a:solidFill>
-                            <a:schemeClr val="tx1"/>
-                          </a:solidFill>
-                          <a:prstDash val="solid"/>
-                          <a:round/>
-                          <a:headEnd type="none" w="med" len="med"/>
-                          <a:tailEnd type="none" w="med" len="med"/>
-                        </a:lnB>
-                        <a:noFill/>
-                      </a:tcPr>
-                    </a:tc>
-                    <a:tc>
-                      <a:txBody>
-                        <a:bodyPr/>
-                        <a:lstStyle/>
-                        <a:p>
-                          <a:pPr marL="0" marR="0" lvl="0" indent="0" algn="l" defTabSz="959937" rtl="0" eaLnBrk="1" fontAlgn="auto" latinLnBrk="0" hangingPunct="1">
-                            <a:lnSpc>
-                              <a:spcPct val="100000"/>
-                            </a:lnSpc>
-                            <a:spcBef>
-                              <a:spcPts val="0"/>
-                            </a:spcBef>
-                            <a:spcAft>
-                              <a:spcPts val="0"/>
-                            </a:spcAft>
-                            <a:buClrTx/>
-                            <a:buSzTx/>
-                            <a:buFontTx/>
-                            <a:buNone/>
-                            <a:tabLst/>
-                            <a:defRPr/>
-                          </a:pPr>
-                          <a:endParaRPr lang="en-US" altLang="zh-TW" sz="1400" b="1" dirty="0">
-                            <a:solidFill>
-                              <a:schemeClr val="tx1"/>
-                            </a:solidFill>
-                            <a:latin typeface="Times New Roman" panose="02020603050405020304" pitchFamily="18" charset="0"/>
-                            <a:cs typeface="Times New Roman" panose="02020603050405020304" pitchFamily="18" charset="0"/>
-                          </a:endParaRPr>
-                        </a:p>
-                      </a:txBody>
-                      <a:tcPr anchor="ctr">
-                        <a:lnL w="12700" cap="flat" cmpd="sng" algn="ctr">
-                          <a:solidFill>
-                            <a:schemeClr val="tx1"/>
-                          </a:solidFill>
-                          <a:prstDash val="solid"/>
-                          <a:round/>
-                          <a:headEnd type="none" w="med" len="med"/>
-                          <a:tailEnd type="none" w="med" len="med"/>
-                        </a:lnL>
-                        <a:lnR w="12700" cap="flat" cmpd="sng" algn="ctr">
-                          <a:solidFill>
-                            <a:schemeClr val="tx1"/>
-                          </a:solidFill>
-                          <a:prstDash val="solid"/>
-                          <a:round/>
-                          <a:headEnd type="none" w="med" len="med"/>
-                          <a:tailEnd type="none" w="med" len="med"/>
-                        </a:lnR>
-                        <a:lnT w="12700" cap="flat" cmpd="sng" algn="ctr">
-                          <a:solidFill>
-                            <a:schemeClr val="tx1"/>
-                          </a:solidFill>
-                          <a:prstDash val="solid"/>
-                          <a:round/>
-                          <a:headEnd type="none" w="med" len="med"/>
-                          <a:tailEnd type="none" w="med" len="med"/>
-                        </a:lnT>
-                        <a:lnB w="12700" cap="flat" cmpd="sng" algn="ctr">
-                          <a:solidFill>
-                            <a:schemeClr val="tx1"/>
-                          </a:solidFill>
-                          <a:prstDash val="solid"/>
-                          <a:round/>
-                          <a:headEnd type="none" w="med" len="med"/>
-                          <a:tailEnd type="none" w="med" len="med"/>
-                        </a:lnB>
-                        <a:noFill/>
-                      </a:tcPr>
-                    </a:tc>
-                    <a:extLst>
-                      <a:ext uri="{0D108BD9-81ED-4DB2-BD59-A6C34878D82A}">
-                        <a16:rowId xmlns:a16="http://schemas.microsoft.com/office/drawing/2014/main" val="2966706211"/>
-                      </a:ext>
-                    </a:extLst>
-                  </a:tr>
-                  <a:tr h="370840">
-                    <a:tc>
-                      <a:txBody>
-                        <a:bodyPr/>
-                        <a:lstStyle/>
-                        <a:p>
-                          <a:pPr/>
-                          <a14:m>
-                            <m:oMathPara xmlns:m="http://schemas.openxmlformats.org/officeDocument/2006/math">
-                              <m:oMathParaPr>
-                                <m:jc m:val="left"/>
-                              </m:oMathParaPr>
-                              <m:oMath xmlns:m="http://schemas.openxmlformats.org/officeDocument/2006/math">
-                                <m:sSub>
-                                  <m:sSubPr>
-                                    <m:ctrlPr>
-                                      <a:rPr lang="en-US" altLang="zh-TW" sz="1400" b="1" i="1" smtClean="0">
-                                        <a:solidFill>
-                                          <a:schemeClr val="tx1"/>
-                                        </a:solidFill>
-                                        <a:latin typeface="Cambria Math" panose="02040503050406030204" pitchFamily="18" charset="0"/>
-                                        <a:cs typeface="Times New Roman" panose="02020603050405020304" pitchFamily="18" charset="0"/>
-                                      </a:rPr>
-                                    </m:ctrlPr>
-                                  </m:sSubPr>
-                                  <m:e>
-                                    <m:r>
-                                      <a:rPr lang="en-US" altLang="zh-TW" sz="1400" b="1" i="0" smtClean="0">
-                                        <a:solidFill>
-                                          <a:schemeClr val="tx1"/>
-                                        </a:solidFill>
-                                        <a:latin typeface="Cambria Math" panose="02040503050406030204" pitchFamily="18" charset="0"/>
-                                        <a:cs typeface="Times New Roman" panose="02020603050405020304" pitchFamily="18" charset="0"/>
-                                      </a:rPr>
-                                      <m:t>𝐃𝐞𝐩𝐚𝐫𝐭</m:t>
-                                    </m:r>
-                                  </m:e>
-                                  <m:sub>
-                                    <m:r>
-                                      <a:rPr lang="en-US" altLang="zh-TW" sz="1400" b="1" i="0" smtClean="0">
-                                        <a:solidFill>
-                                          <a:schemeClr val="tx1"/>
-                                        </a:solidFill>
-                                        <a:latin typeface="Cambria Math" panose="02040503050406030204" pitchFamily="18" charset="0"/>
-                                        <a:cs typeface="Times New Roman" panose="02020603050405020304" pitchFamily="18" charset="0"/>
-                                      </a:rPr>
-                                      <m:t>𝐞𝐧</m:t>
-                                    </m:r>
-                                  </m:sub>
-                                </m:sSub>
-                              </m:oMath>
-                            </m:oMathPara>
-                          </a14:m>
-                          <a:endParaRPr lang="zh-TW" altLang="en-US" sz="1400" b="1" i="0" dirty="0">
-                            <a:solidFill>
-                              <a:schemeClr val="tx1"/>
-                            </a:solidFill>
-                            <a:latin typeface="Times New Roman" panose="02020603050405020304" pitchFamily="18" charset="0"/>
-                            <a:cs typeface="Times New Roman" panose="02020603050405020304" pitchFamily="18" charset="0"/>
-                          </a:endParaRPr>
-                        </a:p>
-                      </a:txBody>
-                      <a:tcPr anchor="ctr">
-                        <a:lnL w="12700" cap="flat" cmpd="sng" algn="ctr">
-                          <a:solidFill>
-                            <a:schemeClr val="tx1"/>
-                          </a:solidFill>
-                          <a:prstDash val="solid"/>
-                          <a:round/>
-                          <a:headEnd type="none" w="med" len="med"/>
-                          <a:tailEnd type="none" w="med" len="med"/>
-                        </a:lnL>
-                        <a:lnR w="12700" cap="flat" cmpd="sng" algn="ctr">
-                          <a:solidFill>
-                            <a:schemeClr val="tx1"/>
-                          </a:solidFill>
-                          <a:prstDash val="solid"/>
-                          <a:round/>
-                          <a:headEnd type="none" w="med" len="med"/>
-                          <a:tailEnd type="none" w="med" len="med"/>
-                        </a:lnR>
-                        <a:lnT w="12700" cap="flat" cmpd="sng" algn="ctr">
-                          <a:solidFill>
-                            <a:schemeClr val="tx1"/>
-                          </a:solidFill>
-                          <a:prstDash val="solid"/>
-                          <a:round/>
-                          <a:headEnd type="none" w="med" len="med"/>
-                          <a:tailEnd type="none" w="med" len="med"/>
-                        </a:lnT>
-                        <a:lnB w="12700" cap="flat" cmpd="sng" algn="ctr">
-                          <a:solidFill>
-                            <a:schemeClr val="tx1"/>
-                          </a:solidFill>
-                          <a:prstDash val="solid"/>
-                          <a:round/>
-                          <a:headEnd type="none" w="med" len="med"/>
-                          <a:tailEnd type="none" w="med" len="med"/>
-                        </a:lnB>
-                        <a:noFill/>
-                      </a:tcPr>
-                    </a:tc>
-                    <a:tc>
-                      <a:txBody>
-                        <a:bodyPr/>
-                        <a:lstStyle/>
-                        <a:p>
-                          <a:r>
-                            <a:rPr lang="en-US" altLang="zh-TW" sz="1400" b="1" dirty="0" err="1">
-                              <a:solidFill>
-                                <a:schemeClr val="tx1"/>
-                              </a:solidFill>
-                              <a:latin typeface="Times New Roman" panose="02020603050405020304" pitchFamily="18" charset="0"/>
-                              <a:cs typeface="Times New Roman" panose="02020603050405020304" pitchFamily="18" charset="0"/>
-                            </a:rPr>
-                            <a:t>Q_en</a:t>
-                          </a:r>
-                          <a:r>
-                            <a:rPr lang="en-US" altLang="zh-TW" sz="1400" b="1" dirty="0">
-                              <a:solidFill>
-                                <a:schemeClr val="tx1"/>
-                              </a:solidFill>
-                              <a:latin typeface="Times New Roman" panose="02020603050405020304" pitchFamily="18" charset="0"/>
-                              <a:cs typeface="Times New Roman" panose="02020603050405020304" pitchFamily="18" charset="0"/>
-                            </a:rPr>
-                            <a:t>--</a:t>
-                          </a:r>
-                          <a:br>
-                            <a:rPr lang="en-US" altLang="zh-TW" sz="1400" b="1" dirty="0">
-                              <a:solidFill>
-                                <a:schemeClr val="tx1"/>
-                              </a:solidFill>
-                              <a:latin typeface="Times New Roman" panose="02020603050405020304" pitchFamily="18" charset="0"/>
-                              <a:cs typeface="Times New Roman" panose="02020603050405020304" pitchFamily="18" charset="0"/>
-                            </a:rPr>
-                          </a:br>
-                          <a:r>
-                            <a:rPr lang="en-US" altLang="zh-TW" sz="1400" b="1" dirty="0" err="1">
-                              <a:solidFill>
-                                <a:schemeClr val="tx1"/>
-                              </a:solidFill>
-                              <a:latin typeface="Times New Roman" panose="02020603050405020304" pitchFamily="18" charset="0"/>
-                              <a:cs typeface="Times New Roman" panose="02020603050405020304" pitchFamily="18" charset="0"/>
-                            </a:rPr>
-                            <a:t>S_en</a:t>
-                          </a:r>
-                          <a:r>
-                            <a:rPr lang="en-US" altLang="zh-TW" sz="1400" b="1" dirty="0">
-                              <a:solidFill>
-                                <a:schemeClr val="tx1"/>
-                              </a:solidFill>
-                              <a:latin typeface="Times New Roman" panose="02020603050405020304" pitchFamily="18" charset="0"/>
-                              <a:cs typeface="Times New Roman" panose="02020603050405020304" pitchFamily="18" charset="0"/>
-                            </a:rPr>
-                            <a:t>=IDLE</a:t>
-                          </a:r>
-                        </a:p>
-                        <a:p>
-                          <a:r>
-                            <a:rPr lang="en-US" altLang="zh-TW" sz="1400" b="1" dirty="0" err="1">
-                              <a:solidFill>
-                                <a:schemeClr val="tx1"/>
-                              </a:solidFill>
-                              <a:latin typeface="Times New Roman" panose="02020603050405020304" pitchFamily="18" charset="0"/>
-                              <a:cs typeface="Times New Roman" panose="02020603050405020304" pitchFamily="18" charset="0"/>
-                            </a:rPr>
-                            <a:t>Q_st</a:t>
-                          </a:r>
-                          <a:r>
-                            <a:rPr lang="en-US" altLang="zh-TW" sz="1400" b="1" dirty="0">
-                              <a:solidFill>
-                                <a:schemeClr val="tx1"/>
-                              </a:solidFill>
-                              <a:latin typeface="Times New Roman" panose="02020603050405020304" pitchFamily="18" charset="0"/>
-                              <a:cs typeface="Times New Roman" panose="02020603050405020304" pitchFamily="18" charset="0"/>
-                            </a:rPr>
-                            <a:t>++</a:t>
-                          </a:r>
-                          <a:endParaRPr lang="zh-TW" altLang="en-US" sz="1400" b="1" dirty="0">
-                            <a:solidFill>
-                              <a:schemeClr val="tx1"/>
-                            </a:solidFill>
-                            <a:latin typeface="Times New Roman" panose="02020603050405020304" pitchFamily="18" charset="0"/>
-                            <a:cs typeface="Times New Roman" panose="02020603050405020304" pitchFamily="18" charset="0"/>
-                          </a:endParaRPr>
-                        </a:p>
-                      </a:txBody>
-                      <a:tcPr anchor="ctr">
-                        <a:lnL w="12700" cap="flat" cmpd="sng" algn="ctr">
-                          <a:solidFill>
-                            <a:schemeClr val="tx1"/>
-                          </a:solidFill>
-                          <a:prstDash val="solid"/>
-                          <a:round/>
-                          <a:headEnd type="none" w="med" len="med"/>
-                          <a:tailEnd type="none" w="med" len="med"/>
-                        </a:lnL>
-                        <a:lnR w="12700" cap="flat" cmpd="sng" algn="ctr">
-                          <a:solidFill>
-                            <a:schemeClr val="tx1"/>
-                          </a:solidFill>
-                          <a:prstDash val="solid"/>
-                          <a:round/>
-                          <a:headEnd type="none" w="med" len="med"/>
-                          <a:tailEnd type="none" w="med" len="med"/>
-                        </a:lnR>
-                        <a:lnT w="12700" cap="flat" cmpd="sng" algn="ctr">
-                          <a:solidFill>
-                            <a:schemeClr val="tx1"/>
-                          </a:solidFill>
-                          <a:prstDash val="solid"/>
-                          <a:round/>
-                          <a:headEnd type="none" w="med" len="med"/>
-                          <a:tailEnd type="none" w="med" len="med"/>
-                        </a:lnT>
-                        <a:lnB w="12700" cap="flat" cmpd="sng" algn="ctr">
-                          <a:solidFill>
-                            <a:schemeClr val="tx1"/>
-                          </a:solidFill>
-                          <a:prstDash val="solid"/>
-                          <a:round/>
-                          <a:headEnd type="none" w="med" len="med"/>
-                          <a:tailEnd type="none" w="med" len="med"/>
-                        </a:lnB>
-                        <a:noFill/>
-                      </a:tcPr>
-                    </a:tc>
-                    <a:extLst>
-                      <a:ext uri="{0D108BD9-81ED-4DB2-BD59-A6C34878D82A}">
-                        <a16:rowId xmlns:a16="http://schemas.microsoft.com/office/drawing/2014/main" val="1433167093"/>
-                      </a:ext>
-                    </a:extLst>
-                  </a:tr>
-                </a:tbl>
-              </a:graphicData>
-            </a:graphic>
-          </p:graphicFrame>
-        </mc:Choice>
-        <mc:Fallback>
-          <p:graphicFrame>
-            <p:nvGraphicFramePr>
-              <p:cNvPr id="34" name="表格 33">
-                <a:extLst>
-                  <a:ext uri="{FF2B5EF4-FFF2-40B4-BE49-F238E27FC236}">
-                    <a16:creationId xmlns:a16="http://schemas.microsoft.com/office/drawing/2014/main" id="{B85F0B2E-7A82-D861-BB9D-6207FCF8B44D}"/>
-                  </a:ext>
-                </a:extLst>
-              </p:cNvPr>
-              <p:cNvGraphicFramePr>
-                <a:graphicFrameLocks noGrp="1"/>
-              </p:cNvGraphicFramePr>
-              <p:nvPr>
-                <p:extLst>
-                  <p:ext uri="{D42A27DB-BD31-4B8C-83A1-F6EECF244321}">
-                    <p14:modId xmlns:p14="http://schemas.microsoft.com/office/powerpoint/2010/main" val="1264984097"/>
-                  </p:ext>
-                </p:extLst>
-              </p:nvPr>
-            </p:nvGraphicFramePr>
-            <p:xfrm>
-              <a:off x="2579992" y="2189405"/>
-              <a:ext cx="2841147" cy="1925320"/>
-            </p:xfrm>
-            <a:graphic>
-              <a:graphicData uri="http://schemas.openxmlformats.org/drawingml/2006/table">
-                <a:tbl>
-                  <a:tblPr firstRow="1" bandRow="1">
-                    <a:tableStyleId>{5C22544A-7EE6-4342-B048-85BDC9FD1C3A}</a:tableStyleId>
-                  </a:tblPr>
-                  <a:tblGrid>
-                    <a:gridCol w="990602">
-                      <a:extLst>
-                        <a:ext uri="{9D8B030D-6E8A-4147-A177-3AD203B41FA5}">
-                          <a16:colId xmlns:a16="http://schemas.microsoft.com/office/drawing/2014/main" val="2629813993"/>
-                        </a:ext>
-                      </a:extLst>
-                    </a:gridCol>
-                    <a:gridCol w="1850545">
-                      <a:extLst>
-                        <a:ext uri="{9D8B030D-6E8A-4147-A177-3AD203B41FA5}">
-                          <a16:colId xmlns:a16="http://schemas.microsoft.com/office/drawing/2014/main" val="600755475"/>
-                        </a:ext>
-                      </a:extLst>
-                    </a:gridCol>
-                  </a:tblGrid>
-                  <a:tr h="304800">
-                    <a:tc>
-                      <a:txBody>
-                        <a:bodyPr/>
-                        <a:lstStyle/>
-                        <a:p>
-                          <a:endParaRPr lang="zh-TW" altLang="en-US" sz="1400" dirty="0">
-                            <a:solidFill>
-                              <a:schemeClr val="tx1"/>
-                            </a:solidFill>
-                            <a:latin typeface="Times New Roman" panose="02020603050405020304" pitchFamily="18" charset="0"/>
-                            <a:cs typeface="Times New Roman" panose="02020603050405020304" pitchFamily="18" charset="0"/>
-                          </a:endParaRPr>
-                        </a:p>
-                      </a:txBody>
-                      <a:tcPr anchor="ctr">
-                        <a:lnL w="12700" cap="flat" cmpd="sng" algn="ctr">
-                          <a:solidFill>
-                            <a:schemeClr val="tx1"/>
-                          </a:solidFill>
-                          <a:prstDash val="solid"/>
-                          <a:round/>
-                          <a:headEnd type="none" w="med" len="med"/>
-                          <a:tailEnd type="none" w="med" len="med"/>
-                        </a:lnL>
-                        <a:lnR w="12700" cap="flat" cmpd="sng" algn="ctr">
-                          <a:solidFill>
-                            <a:schemeClr val="tx1"/>
-                          </a:solidFill>
-                          <a:prstDash val="solid"/>
-                          <a:round/>
-                          <a:headEnd type="none" w="med" len="med"/>
-                          <a:tailEnd type="none" w="med" len="med"/>
-                        </a:lnR>
-                        <a:lnT w="12700" cap="flat" cmpd="sng" algn="ctr">
-                          <a:solidFill>
-                            <a:schemeClr val="tx1"/>
-                          </a:solidFill>
-                          <a:prstDash val="solid"/>
-                          <a:round/>
-                          <a:headEnd type="none" w="med" len="med"/>
-                          <a:tailEnd type="none" w="med" len="med"/>
-                        </a:lnT>
-                        <a:lnB w="12700" cap="flat" cmpd="sng" algn="ctr">
-                          <a:solidFill>
-                            <a:schemeClr val="tx1"/>
-                          </a:solidFill>
-                          <a:prstDash val="solid"/>
-                          <a:round/>
-                          <a:headEnd type="none" w="med" len="med"/>
-                          <a:tailEnd type="none" w="med" len="med"/>
-                        </a:lnB>
-                        <a:noFill/>
-                      </a:tcPr>
-                    </a:tc>
-                    <a:tc>
-                      <a:txBody>
-                        <a:bodyPr/>
-                        <a:lstStyle/>
-                        <a:p>
-                          <a:r>
-                            <a:rPr lang="en-US" altLang="zh-TW" sz="1400" dirty="0">
-                              <a:solidFill>
-                                <a:schemeClr val="tx1"/>
-                              </a:solidFill>
-                              <a:latin typeface="Times New Roman" panose="02020603050405020304" pitchFamily="18" charset="0"/>
-                              <a:cs typeface="Times New Roman" panose="02020603050405020304" pitchFamily="18" charset="0"/>
-                            </a:rPr>
-                            <a:t>State</a:t>
-                          </a:r>
-                          <a:r>
-                            <a:rPr lang="zh-TW" altLang="en-US" sz="1400" dirty="0">
-                              <a:solidFill>
-                                <a:schemeClr val="tx1"/>
-                              </a:solidFill>
-                              <a:latin typeface="Times New Roman" panose="02020603050405020304" pitchFamily="18" charset="0"/>
-                              <a:cs typeface="Times New Roman" panose="02020603050405020304" pitchFamily="18" charset="0"/>
-                            </a:rPr>
-                            <a:t> </a:t>
-                          </a:r>
-                          <a:r>
-                            <a:rPr lang="en-US" altLang="zh-TW" sz="1400" dirty="0">
-                              <a:solidFill>
-                                <a:schemeClr val="tx1"/>
-                              </a:solidFill>
-                              <a:latin typeface="Times New Roman" panose="02020603050405020304" pitchFamily="18" charset="0"/>
-                              <a:cs typeface="Times New Roman" panose="02020603050405020304" pitchFamily="18" charset="0"/>
-                            </a:rPr>
-                            <a:t>change</a:t>
-                          </a:r>
-                          <a:endParaRPr lang="zh-TW" altLang="en-US" sz="1400" dirty="0">
-                            <a:solidFill>
-                              <a:schemeClr val="tx1"/>
-                            </a:solidFill>
-                            <a:latin typeface="Times New Roman" panose="02020603050405020304" pitchFamily="18" charset="0"/>
-                            <a:cs typeface="Times New Roman" panose="02020603050405020304" pitchFamily="18" charset="0"/>
-                          </a:endParaRPr>
-                        </a:p>
-                      </a:txBody>
-                      <a:tcPr anchor="ctr">
-                        <a:lnL w="12700" cap="flat" cmpd="sng" algn="ctr">
-                          <a:solidFill>
-                            <a:schemeClr val="tx1"/>
-                          </a:solidFill>
-                          <a:prstDash val="solid"/>
-                          <a:round/>
-                          <a:headEnd type="none" w="med" len="med"/>
-                          <a:tailEnd type="none" w="med" len="med"/>
-                        </a:lnL>
-                        <a:lnR w="12700" cap="flat" cmpd="sng" algn="ctr">
-                          <a:solidFill>
-                            <a:schemeClr val="tx1"/>
-                          </a:solidFill>
-                          <a:prstDash val="solid"/>
-                          <a:round/>
-                          <a:headEnd type="none" w="med" len="med"/>
-                          <a:tailEnd type="none" w="med" len="med"/>
-                        </a:lnR>
-                        <a:lnT w="12700" cap="flat" cmpd="sng" algn="ctr">
-                          <a:solidFill>
-                            <a:schemeClr val="tx1"/>
-                          </a:solidFill>
-                          <a:prstDash val="solid"/>
-                          <a:round/>
-                          <a:headEnd type="none" w="med" len="med"/>
-                          <a:tailEnd type="none" w="med" len="med"/>
-                        </a:lnT>
-                        <a:lnB w="12700" cap="flat" cmpd="sng" algn="ctr">
-                          <a:solidFill>
-                            <a:schemeClr val="tx1"/>
-                          </a:solidFill>
-                          <a:prstDash val="solid"/>
-                          <a:round/>
-                          <a:headEnd type="none" w="med" len="med"/>
-                          <a:tailEnd type="none" w="med" len="med"/>
-                        </a:lnB>
-                        <a:noFill/>
-                      </a:tcPr>
-                    </a:tc>
-                    <a:extLst>
-                      <a:ext uri="{0D108BD9-81ED-4DB2-BD59-A6C34878D82A}">
-                        <a16:rowId xmlns:a16="http://schemas.microsoft.com/office/drawing/2014/main" val="2017167383"/>
-                      </a:ext>
-                    </a:extLst>
-                  </a:tr>
-                  <a:tr h="518160">
-                    <a:tc>
-                      <a:txBody>
-                        <a:bodyPr/>
-                        <a:lstStyle/>
-                        <a:p>
-                          <a:endParaRPr lang="zh-TW"/>
-                        </a:p>
-                      </a:txBody>
-                      <a:tcPr anchor="ctr">
-                        <a:lnL w="12700" cap="flat" cmpd="sng" algn="ctr">
-                          <a:solidFill>
-                            <a:schemeClr val="tx1"/>
-                          </a:solidFill>
-                          <a:prstDash val="solid"/>
-                          <a:round/>
-                          <a:headEnd type="none" w="med" len="med"/>
-                          <a:tailEnd type="none" w="med" len="med"/>
-                        </a:lnL>
-                        <a:lnR w="12700" cap="flat" cmpd="sng" algn="ctr">
-                          <a:solidFill>
-                            <a:schemeClr val="tx1"/>
-                          </a:solidFill>
-                          <a:prstDash val="solid"/>
-                          <a:round/>
-                          <a:headEnd type="none" w="med" len="med"/>
-                          <a:tailEnd type="none" w="med" len="med"/>
-                        </a:lnR>
-                        <a:lnT w="12700" cap="flat" cmpd="sng" algn="ctr">
-                          <a:solidFill>
-                            <a:schemeClr val="tx1"/>
-                          </a:solidFill>
-                          <a:prstDash val="solid"/>
-                          <a:round/>
-                          <a:headEnd type="none" w="med" len="med"/>
-                          <a:tailEnd type="none" w="med" len="med"/>
-                        </a:lnT>
-                        <a:lnB w="12700" cap="flat" cmpd="sng" algn="ctr">
-                          <a:solidFill>
-                            <a:schemeClr val="tx1"/>
-                          </a:solidFill>
-                          <a:prstDash val="solid"/>
-                          <a:round/>
-                          <a:headEnd type="none" w="med" len="med"/>
-                          <a:tailEnd type="none" w="med" len="med"/>
-                        </a:lnB>
-                        <a:blipFill>
-                          <a:blip r:embed="rId6"/>
-                          <a:stretch>
-                            <a:fillRect l="-613" t="-61176" r="-187730" b="-224706"/>
-                          </a:stretch>
-                        </a:blipFill>
-                      </a:tcPr>
-                    </a:tc>
-                    <a:tc>
-                      <a:txBody>
-                        <a:bodyPr/>
-                        <a:lstStyle/>
-                        <a:p>
-                          <a:r>
-                            <a:rPr lang="en-US" altLang="zh-TW" sz="1400" b="1" dirty="0" err="1">
-                              <a:solidFill>
-                                <a:schemeClr val="tx1"/>
-                              </a:solidFill>
-                              <a:latin typeface="Times New Roman" panose="02020603050405020304" pitchFamily="18" charset="0"/>
-                              <a:cs typeface="Times New Roman" panose="02020603050405020304" pitchFamily="18" charset="0"/>
-                            </a:rPr>
-                            <a:t>Q_en</a:t>
-                          </a:r>
-                          <a:r>
-                            <a:rPr lang="en-US" altLang="zh-TW" sz="1400" b="1" dirty="0">
-                              <a:solidFill>
-                                <a:schemeClr val="tx1"/>
-                              </a:solidFill>
-                              <a:latin typeface="Times New Roman" panose="02020603050405020304" pitchFamily="18" charset="0"/>
-                              <a:cs typeface="Times New Roman" panose="02020603050405020304" pitchFamily="18" charset="0"/>
-                            </a:rPr>
-                            <a:t>++</a:t>
-                          </a:r>
-                        </a:p>
-                        <a:p>
-                          <a:pPr marL="0" marR="0" lvl="0" indent="0" algn="l" defTabSz="959937" rtl="0" eaLnBrk="1" fontAlgn="auto" latinLnBrk="0" hangingPunct="1">
-                            <a:lnSpc>
-                              <a:spcPct val="100000"/>
-                            </a:lnSpc>
-                            <a:spcBef>
-                              <a:spcPts val="0"/>
-                            </a:spcBef>
-                            <a:spcAft>
-                              <a:spcPts val="0"/>
-                            </a:spcAft>
-                            <a:buClrTx/>
-                            <a:buSzTx/>
-                            <a:buFontTx/>
-                            <a:buNone/>
-                            <a:tabLst/>
-                            <a:defRPr/>
-                          </a:pPr>
-                          <a:r>
-                            <a:rPr lang="en-US" altLang="zh-TW" sz="1400" b="1" dirty="0" err="1">
-                              <a:solidFill>
-                                <a:schemeClr val="tx1"/>
-                              </a:solidFill>
-                              <a:latin typeface="Times New Roman" panose="02020603050405020304" pitchFamily="18" charset="0"/>
-                              <a:cs typeface="Times New Roman" panose="02020603050405020304" pitchFamily="18" charset="0"/>
-                            </a:rPr>
-                            <a:t>S_en</a:t>
-                          </a:r>
-                          <a:r>
-                            <a:rPr lang="en-US" altLang="zh-TW" sz="1400" b="1" dirty="0">
-                              <a:solidFill>
-                                <a:schemeClr val="tx1"/>
-                              </a:solidFill>
-                              <a:latin typeface="Times New Roman" panose="02020603050405020304" pitchFamily="18" charset="0"/>
-                              <a:cs typeface="Times New Roman" panose="02020603050405020304" pitchFamily="18" charset="0"/>
-                            </a:rPr>
-                            <a:t>=BUSY</a:t>
-                          </a:r>
-                        </a:p>
-                      </a:txBody>
-                      <a:tcPr anchor="ctr">
-                        <a:lnL w="12700" cap="flat" cmpd="sng" algn="ctr">
-                          <a:solidFill>
-                            <a:schemeClr val="tx1"/>
-                          </a:solidFill>
-                          <a:prstDash val="solid"/>
-                          <a:round/>
-                          <a:headEnd type="none" w="med" len="med"/>
-                          <a:tailEnd type="none" w="med" len="med"/>
-                        </a:lnL>
-                        <a:lnR w="12700" cap="flat" cmpd="sng" algn="ctr">
-                          <a:solidFill>
-                            <a:schemeClr val="tx1"/>
-                          </a:solidFill>
-                          <a:prstDash val="solid"/>
-                          <a:round/>
-                          <a:headEnd type="none" w="med" len="med"/>
-                          <a:tailEnd type="none" w="med" len="med"/>
-                        </a:lnR>
-                        <a:lnT w="12700" cap="flat" cmpd="sng" algn="ctr">
-                          <a:solidFill>
-                            <a:schemeClr val="tx1"/>
-                          </a:solidFill>
-                          <a:prstDash val="solid"/>
-                          <a:round/>
-                          <a:headEnd type="none" w="med" len="med"/>
-                          <a:tailEnd type="none" w="med" len="med"/>
-                        </a:lnT>
-                        <a:lnB w="12700" cap="flat" cmpd="sng" algn="ctr">
-                          <a:solidFill>
-                            <a:schemeClr val="tx1"/>
-                          </a:solidFill>
-                          <a:prstDash val="solid"/>
-                          <a:round/>
-                          <a:headEnd type="none" w="med" len="med"/>
-                          <a:tailEnd type="none" w="med" len="med"/>
-                        </a:lnB>
-                        <a:noFill/>
-                      </a:tcPr>
-                    </a:tc>
-                    <a:extLst>
-                      <a:ext uri="{0D108BD9-81ED-4DB2-BD59-A6C34878D82A}">
-                        <a16:rowId xmlns:a16="http://schemas.microsoft.com/office/drawing/2014/main" val="12011265"/>
-                      </a:ext>
-                    </a:extLst>
-                  </a:tr>
-                  <a:tr h="370840">
-                    <a:tc>
-                      <a:txBody>
-                        <a:bodyPr/>
-                        <a:lstStyle/>
-                        <a:p>
-                          <a:endParaRPr lang="zh-TW"/>
-                        </a:p>
-                      </a:txBody>
-                      <a:tcPr anchor="ctr">
-                        <a:lnL w="12700" cap="flat" cmpd="sng" algn="ctr">
-                          <a:solidFill>
-                            <a:schemeClr val="tx1"/>
-                          </a:solidFill>
-                          <a:prstDash val="solid"/>
-                          <a:round/>
-                          <a:headEnd type="none" w="med" len="med"/>
-                          <a:tailEnd type="none" w="med" len="med"/>
-                        </a:lnL>
-                        <a:lnR w="12700" cap="flat" cmpd="sng" algn="ctr">
-                          <a:solidFill>
-                            <a:schemeClr val="tx1"/>
-                          </a:solidFill>
-                          <a:prstDash val="solid"/>
-                          <a:round/>
-                          <a:headEnd type="none" w="med" len="med"/>
-                          <a:tailEnd type="none" w="med" len="med"/>
-                        </a:lnR>
-                        <a:lnT w="12700" cap="flat" cmpd="sng" algn="ctr">
-                          <a:solidFill>
-                            <a:schemeClr val="tx1"/>
-                          </a:solidFill>
-                          <a:prstDash val="solid"/>
-                          <a:round/>
-                          <a:headEnd type="none" w="med" len="med"/>
-                          <a:tailEnd type="none" w="med" len="med"/>
-                        </a:lnT>
-                        <a:lnB w="12700" cap="flat" cmpd="sng" algn="ctr">
-                          <a:solidFill>
-                            <a:schemeClr val="tx1"/>
-                          </a:solidFill>
-                          <a:prstDash val="solid"/>
-                          <a:round/>
-                          <a:headEnd type="none" w="med" len="med"/>
-                          <a:tailEnd type="none" w="med" len="med"/>
-                        </a:lnB>
-                        <a:blipFill>
-                          <a:blip r:embed="rId6"/>
-                          <a:stretch>
-                            <a:fillRect l="-613" t="-224590" r="-187730" b="-213115"/>
-                          </a:stretch>
-                        </a:blipFill>
-                      </a:tcPr>
-                    </a:tc>
-                    <a:tc>
-                      <a:txBody>
-                        <a:bodyPr/>
-                        <a:lstStyle/>
-                        <a:p>
-                          <a:pPr marL="0" marR="0" lvl="0" indent="0" algn="l" defTabSz="959937" rtl="0" eaLnBrk="1" fontAlgn="auto" latinLnBrk="0" hangingPunct="1">
-                            <a:lnSpc>
-                              <a:spcPct val="100000"/>
-                            </a:lnSpc>
-                            <a:spcBef>
-                              <a:spcPts val="0"/>
-                            </a:spcBef>
-                            <a:spcAft>
-                              <a:spcPts val="0"/>
-                            </a:spcAft>
-                            <a:buClrTx/>
-                            <a:buSzTx/>
-                            <a:buFontTx/>
-                            <a:buNone/>
-                            <a:tabLst/>
-                            <a:defRPr/>
-                          </a:pPr>
-                          <a:endParaRPr lang="en-US" altLang="zh-TW" sz="1400" b="1" dirty="0">
-                            <a:solidFill>
-                              <a:schemeClr val="tx1"/>
-                            </a:solidFill>
-                            <a:latin typeface="Times New Roman" panose="02020603050405020304" pitchFamily="18" charset="0"/>
-                            <a:cs typeface="Times New Roman" panose="02020603050405020304" pitchFamily="18" charset="0"/>
-                          </a:endParaRPr>
-                        </a:p>
-                      </a:txBody>
-                      <a:tcPr anchor="ctr">
-                        <a:lnL w="12700" cap="flat" cmpd="sng" algn="ctr">
-                          <a:solidFill>
-                            <a:schemeClr val="tx1"/>
-                          </a:solidFill>
-                          <a:prstDash val="solid"/>
-                          <a:round/>
-                          <a:headEnd type="none" w="med" len="med"/>
-                          <a:tailEnd type="none" w="med" len="med"/>
-                        </a:lnL>
-                        <a:lnR w="12700" cap="flat" cmpd="sng" algn="ctr">
-                          <a:solidFill>
-                            <a:schemeClr val="tx1"/>
-                          </a:solidFill>
-                          <a:prstDash val="solid"/>
-                          <a:round/>
-                          <a:headEnd type="none" w="med" len="med"/>
-                          <a:tailEnd type="none" w="med" len="med"/>
-                        </a:lnR>
-                        <a:lnT w="12700" cap="flat" cmpd="sng" algn="ctr">
-                          <a:solidFill>
-                            <a:schemeClr val="tx1"/>
-                          </a:solidFill>
-                          <a:prstDash val="solid"/>
-                          <a:round/>
-                          <a:headEnd type="none" w="med" len="med"/>
-                          <a:tailEnd type="none" w="med" len="med"/>
-                        </a:lnT>
-                        <a:lnB w="12700" cap="flat" cmpd="sng" algn="ctr">
-                          <a:solidFill>
-                            <a:schemeClr val="tx1"/>
-                          </a:solidFill>
-                          <a:prstDash val="solid"/>
-                          <a:round/>
-                          <a:headEnd type="none" w="med" len="med"/>
-                          <a:tailEnd type="none" w="med" len="med"/>
-                        </a:lnB>
-                        <a:noFill/>
-                      </a:tcPr>
-                    </a:tc>
-                    <a:extLst>
-                      <a:ext uri="{0D108BD9-81ED-4DB2-BD59-A6C34878D82A}">
-                        <a16:rowId xmlns:a16="http://schemas.microsoft.com/office/drawing/2014/main" val="2966706211"/>
-                      </a:ext>
-                    </a:extLst>
-                  </a:tr>
-                  <a:tr h="731520">
-                    <a:tc>
-                      <a:txBody>
-                        <a:bodyPr/>
-                        <a:lstStyle/>
-                        <a:p>
-                          <a:endParaRPr lang="zh-TW"/>
-                        </a:p>
-                      </a:txBody>
-                      <a:tcPr anchor="ctr">
-                        <a:lnL w="12700" cap="flat" cmpd="sng" algn="ctr">
-                          <a:solidFill>
-                            <a:schemeClr val="tx1"/>
-                          </a:solidFill>
-                          <a:prstDash val="solid"/>
-                          <a:round/>
-                          <a:headEnd type="none" w="med" len="med"/>
-                          <a:tailEnd type="none" w="med" len="med"/>
-                        </a:lnL>
-                        <a:lnR w="12700" cap="flat" cmpd="sng" algn="ctr">
-                          <a:solidFill>
-                            <a:schemeClr val="tx1"/>
-                          </a:solidFill>
-                          <a:prstDash val="solid"/>
-                          <a:round/>
-                          <a:headEnd type="none" w="med" len="med"/>
-                          <a:tailEnd type="none" w="med" len="med"/>
-                        </a:lnR>
-                        <a:lnT w="12700" cap="flat" cmpd="sng" algn="ctr">
-                          <a:solidFill>
-                            <a:schemeClr val="tx1"/>
-                          </a:solidFill>
-                          <a:prstDash val="solid"/>
-                          <a:round/>
-                          <a:headEnd type="none" w="med" len="med"/>
-                          <a:tailEnd type="none" w="med" len="med"/>
-                        </a:lnT>
-                        <a:lnB w="12700" cap="flat" cmpd="sng" algn="ctr">
-                          <a:solidFill>
-                            <a:schemeClr val="tx1"/>
-                          </a:solidFill>
-                          <a:prstDash val="solid"/>
-                          <a:round/>
-                          <a:headEnd type="none" w="med" len="med"/>
-                          <a:tailEnd type="none" w="med" len="med"/>
-                        </a:lnB>
-                        <a:blipFill>
-                          <a:blip r:embed="rId6"/>
-                          <a:stretch>
-                            <a:fillRect l="-613" t="-165000" r="-187730" b="-8333"/>
-                          </a:stretch>
-                        </a:blipFill>
-                      </a:tcPr>
-                    </a:tc>
-                    <a:tc>
-                      <a:txBody>
-                        <a:bodyPr/>
-                        <a:lstStyle/>
-                        <a:p>
-                          <a:r>
-                            <a:rPr lang="en-US" altLang="zh-TW" sz="1400" b="1" dirty="0" err="1">
-                              <a:solidFill>
-                                <a:schemeClr val="tx1"/>
-                              </a:solidFill>
-                              <a:latin typeface="Times New Roman" panose="02020603050405020304" pitchFamily="18" charset="0"/>
-                              <a:cs typeface="Times New Roman" panose="02020603050405020304" pitchFamily="18" charset="0"/>
-                            </a:rPr>
-                            <a:t>Q_en</a:t>
-                          </a:r>
-                          <a:r>
-                            <a:rPr lang="en-US" altLang="zh-TW" sz="1400" b="1" dirty="0">
-                              <a:solidFill>
-                                <a:schemeClr val="tx1"/>
-                              </a:solidFill>
-                              <a:latin typeface="Times New Roman" panose="02020603050405020304" pitchFamily="18" charset="0"/>
-                              <a:cs typeface="Times New Roman" panose="02020603050405020304" pitchFamily="18" charset="0"/>
-                            </a:rPr>
-                            <a:t>--</a:t>
-                          </a:r>
-                          <a:br>
-                            <a:rPr lang="en-US" altLang="zh-TW" sz="1400" b="1" dirty="0">
-                              <a:solidFill>
-                                <a:schemeClr val="tx1"/>
-                              </a:solidFill>
-                              <a:latin typeface="Times New Roman" panose="02020603050405020304" pitchFamily="18" charset="0"/>
-                              <a:cs typeface="Times New Roman" panose="02020603050405020304" pitchFamily="18" charset="0"/>
-                            </a:rPr>
-                          </a:br>
-                          <a:r>
-                            <a:rPr lang="en-US" altLang="zh-TW" sz="1400" b="1" dirty="0" err="1">
-                              <a:solidFill>
-                                <a:schemeClr val="tx1"/>
-                              </a:solidFill>
-                              <a:latin typeface="Times New Roman" panose="02020603050405020304" pitchFamily="18" charset="0"/>
-                              <a:cs typeface="Times New Roman" panose="02020603050405020304" pitchFamily="18" charset="0"/>
-                            </a:rPr>
-                            <a:t>S_en</a:t>
-                          </a:r>
-                          <a:r>
-                            <a:rPr lang="en-US" altLang="zh-TW" sz="1400" b="1" dirty="0">
-                              <a:solidFill>
-                                <a:schemeClr val="tx1"/>
-                              </a:solidFill>
-                              <a:latin typeface="Times New Roman" panose="02020603050405020304" pitchFamily="18" charset="0"/>
-                              <a:cs typeface="Times New Roman" panose="02020603050405020304" pitchFamily="18" charset="0"/>
-                            </a:rPr>
-                            <a:t>=IDLE</a:t>
-                          </a:r>
-                        </a:p>
-                        <a:p>
-                          <a:r>
-                            <a:rPr lang="en-US" altLang="zh-TW" sz="1400" b="1" dirty="0" err="1">
-                              <a:solidFill>
-                                <a:schemeClr val="tx1"/>
-                              </a:solidFill>
-                              <a:latin typeface="Times New Roman" panose="02020603050405020304" pitchFamily="18" charset="0"/>
-                              <a:cs typeface="Times New Roman" panose="02020603050405020304" pitchFamily="18" charset="0"/>
-                            </a:rPr>
-                            <a:t>Q_st</a:t>
-                          </a:r>
-                          <a:r>
-                            <a:rPr lang="en-US" altLang="zh-TW" sz="1400" b="1" dirty="0">
-                              <a:solidFill>
-                                <a:schemeClr val="tx1"/>
-                              </a:solidFill>
-                              <a:latin typeface="Times New Roman" panose="02020603050405020304" pitchFamily="18" charset="0"/>
-                              <a:cs typeface="Times New Roman" panose="02020603050405020304" pitchFamily="18" charset="0"/>
-                            </a:rPr>
-                            <a:t>++</a:t>
-                          </a:r>
-                          <a:endParaRPr lang="zh-TW" altLang="en-US" sz="1400" b="1" dirty="0">
-                            <a:solidFill>
-                              <a:schemeClr val="tx1"/>
-                            </a:solidFill>
-                            <a:latin typeface="Times New Roman" panose="02020603050405020304" pitchFamily="18" charset="0"/>
-                            <a:cs typeface="Times New Roman" panose="02020603050405020304" pitchFamily="18" charset="0"/>
-                          </a:endParaRPr>
-                        </a:p>
-                      </a:txBody>
-                      <a:tcPr anchor="ctr">
-                        <a:lnL w="12700" cap="flat" cmpd="sng" algn="ctr">
-                          <a:solidFill>
-                            <a:schemeClr val="tx1"/>
-                          </a:solidFill>
-                          <a:prstDash val="solid"/>
-                          <a:round/>
-                          <a:headEnd type="none" w="med" len="med"/>
-                          <a:tailEnd type="none" w="med" len="med"/>
-                        </a:lnL>
-                        <a:lnR w="12700" cap="flat" cmpd="sng" algn="ctr">
-                          <a:solidFill>
-                            <a:schemeClr val="tx1"/>
-                          </a:solidFill>
-                          <a:prstDash val="solid"/>
-                          <a:round/>
-                          <a:headEnd type="none" w="med" len="med"/>
-                          <a:tailEnd type="none" w="med" len="med"/>
-                        </a:lnR>
-                        <a:lnT w="12700" cap="flat" cmpd="sng" algn="ctr">
-                          <a:solidFill>
-                            <a:schemeClr val="tx1"/>
-                          </a:solidFill>
-                          <a:prstDash val="solid"/>
-                          <a:round/>
-                          <a:headEnd type="none" w="med" len="med"/>
-                          <a:tailEnd type="none" w="med" len="med"/>
-                        </a:lnT>
-                        <a:lnB w="12700" cap="flat" cmpd="sng" algn="ctr">
-                          <a:solidFill>
-                            <a:schemeClr val="tx1"/>
-                          </a:solidFill>
-                          <a:prstDash val="solid"/>
-                          <a:round/>
-                          <a:headEnd type="none" w="med" len="med"/>
-                          <a:tailEnd type="none" w="med" len="med"/>
-                        </a:lnB>
-                        <a:noFill/>
-                      </a:tcPr>
-                    </a:tc>
-                    <a:extLst>
-                      <a:ext uri="{0D108BD9-81ED-4DB2-BD59-A6C34878D82A}">
-                        <a16:rowId xmlns:a16="http://schemas.microsoft.com/office/drawing/2014/main" val="1433167093"/>
-                      </a:ext>
-                    </a:extLst>
-                  </a:tr>
-                </a:tbl>
-              </a:graphicData>
-            </a:graphic>
-          </p:graphicFrame>
-        </mc:Fallback>
-      </mc:AlternateContent>
-      <mc:AlternateContent xmlns:mc="http://schemas.openxmlformats.org/markup-compatibility/2006">
-        <mc:Choice xmlns:a14="http://schemas.microsoft.com/office/drawing/2010/main" Requires="a14">
-          <p:graphicFrame>
-            <p:nvGraphicFramePr>
-              <p:cNvPr id="35" name="表格 34">
-                <a:extLst>
-                  <a:ext uri="{FF2B5EF4-FFF2-40B4-BE49-F238E27FC236}">
-                    <a16:creationId xmlns:a16="http://schemas.microsoft.com/office/drawing/2014/main" id="{B461EA2E-98D2-1E30-00E0-F18D863ACF62}"/>
-                  </a:ext>
-                </a:extLst>
-              </p:cNvPr>
-              <p:cNvGraphicFramePr>
-                <a:graphicFrameLocks noGrp="1"/>
-              </p:cNvGraphicFramePr>
-              <p:nvPr>
-                <p:extLst>
-                  <p:ext uri="{D42A27DB-BD31-4B8C-83A1-F6EECF244321}">
-                    <p14:modId xmlns:p14="http://schemas.microsoft.com/office/powerpoint/2010/main" val="1845077488"/>
-                  </p:ext>
-                </p:extLst>
-              </p:nvPr>
-            </p:nvGraphicFramePr>
-            <p:xfrm>
-              <a:off x="2579992" y="4799013"/>
-              <a:ext cx="3356351" cy="1854200"/>
-            </p:xfrm>
-            <a:graphic>
-              <a:graphicData uri="http://schemas.openxmlformats.org/drawingml/2006/table">
-                <a:tbl>
-                  <a:tblPr firstRow="1" bandRow="1">
-                    <a:tableStyleId>{5C22544A-7EE6-4342-B048-85BDC9FD1C3A}</a:tableStyleId>
-                  </a:tblPr>
-                  <a:tblGrid>
-                    <a:gridCol w="453494">
-                      <a:extLst>
-                        <a:ext uri="{9D8B030D-6E8A-4147-A177-3AD203B41FA5}">
-                          <a16:colId xmlns:a16="http://schemas.microsoft.com/office/drawing/2014/main" val="2629813993"/>
-                        </a:ext>
-                      </a:extLst>
-                    </a:gridCol>
-                    <a:gridCol w="2902857">
-                      <a:extLst>
-                        <a:ext uri="{9D8B030D-6E8A-4147-A177-3AD203B41FA5}">
-                          <a16:colId xmlns:a16="http://schemas.microsoft.com/office/drawing/2014/main" val="600755475"/>
-                        </a:ext>
-                      </a:extLst>
-                    </a:gridCol>
-                  </a:tblGrid>
-                  <a:tr h="370840">
-                    <a:tc>
-                      <a:txBody>
-                        <a:bodyPr/>
-                        <a:lstStyle/>
-                        <a:p>
-                          <a:endParaRPr lang="zh-TW" altLang="en-US" sz="1400" dirty="0">
-                            <a:solidFill>
-                              <a:schemeClr val="tx1"/>
-                            </a:solidFill>
-                            <a:latin typeface="Times New Roman" panose="02020603050405020304" pitchFamily="18" charset="0"/>
-                            <a:cs typeface="Times New Roman" panose="02020603050405020304" pitchFamily="18" charset="0"/>
-                          </a:endParaRPr>
-                        </a:p>
-                      </a:txBody>
-                      <a:tcPr anchor="ctr">
-                        <a:lnL w="12700" cap="flat" cmpd="sng" algn="ctr">
-                          <a:solidFill>
-                            <a:schemeClr val="tx1"/>
-                          </a:solidFill>
-                          <a:prstDash val="solid"/>
-                          <a:round/>
-                          <a:headEnd type="none" w="med" len="med"/>
-                          <a:tailEnd type="none" w="med" len="med"/>
-                        </a:lnL>
-                        <a:lnR w="12700" cap="flat" cmpd="sng" algn="ctr">
-                          <a:solidFill>
-                            <a:schemeClr val="tx1"/>
-                          </a:solidFill>
-                          <a:prstDash val="solid"/>
-                          <a:round/>
-                          <a:headEnd type="none" w="med" len="med"/>
-                          <a:tailEnd type="none" w="med" len="med"/>
-                        </a:lnR>
-                        <a:lnT w="12700" cap="flat" cmpd="sng" algn="ctr">
-                          <a:solidFill>
-                            <a:schemeClr val="tx1"/>
-                          </a:solidFill>
-                          <a:prstDash val="solid"/>
-                          <a:round/>
-                          <a:headEnd type="none" w="med" len="med"/>
-                          <a:tailEnd type="none" w="med" len="med"/>
-                        </a:lnT>
-                        <a:lnB w="12700" cap="flat" cmpd="sng" algn="ctr">
-                          <a:solidFill>
-                            <a:schemeClr val="tx1"/>
-                          </a:solidFill>
-                          <a:prstDash val="solid"/>
-                          <a:round/>
-                          <a:headEnd type="none" w="med" len="med"/>
-                          <a:tailEnd type="none" w="med" len="med"/>
-                        </a:lnB>
-                        <a:noFill/>
-                      </a:tcPr>
-                    </a:tc>
-                    <a:tc>
-                      <a:txBody>
-                        <a:bodyPr/>
-                        <a:lstStyle/>
-                        <a:p>
-                          <a:r>
-                            <a:rPr lang="en-US" altLang="zh-TW" sz="1400" dirty="0">
-                              <a:solidFill>
-                                <a:schemeClr val="tx1"/>
-                              </a:solidFill>
-                              <a:latin typeface="Times New Roman" panose="02020603050405020304" pitchFamily="18" charset="0"/>
-                              <a:cs typeface="Times New Roman" panose="02020603050405020304" pitchFamily="18" charset="0"/>
-                            </a:rPr>
-                            <a:t>Conditions</a:t>
-                          </a:r>
-                          <a:endParaRPr lang="zh-TW" altLang="en-US" sz="1400" dirty="0">
-                            <a:solidFill>
-                              <a:schemeClr val="tx1"/>
-                            </a:solidFill>
-                            <a:latin typeface="Times New Roman" panose="02020603050405020304" pitchFamily="18" charset="0"/>
-                            <a:cs typeface="Times New Roman" panose="02020603050405020304" pitchFamily="18" charset="0"/>
-                          </a:endParaRPr>
-                        </a:p>
-                      </a:txBody>
-                      <a:tcPr anchor="ctr">
-                        <a:lnL w="12700" cap="flat" cmpd="sng" algn="ctr">
-                          <a:solidFill>
-                            <a:schemeClr val="tx1"/>
-                          </a:solidFill>
-                          <a:prstDash val="solid"/>
-                          <a:round/>
-                          <a:headEnd type="none" w="med" len="med"/>
-                          <a:tailEnd type="none" w="med" len="med"/>
-                        </a:lnL>
-                        <a:lnR w="12700" cap="flat" cmpd="sng" algn="ctr">
-                          <a:solidFill>
-                            <a:schemeClr val="tx1"/>
-                          </a:solidFill>
-                          <a:prstDash val="solid"/>
-                          <a:round/>
-                          <a:headEnd type="none" w="med" len="med"/>
-                          <a:tailEnd type="none" w="med" len="med"/>
-                        </a:lnR>
-                        <a:lnT w="12700" cap="flat" cmpd="sng" algn="ctr">
-                          <a:solidFill>
-                            <a:schemeClr val="tx1"/>
-                          </a:solidFill>
-                          <a:prstDash val="solid"/>
-                          <a:round/>
-                          <a:headEnd type="none" w="med" len="med"/>
-                          <a:tailEnd type="none" w="med" len="med"/>
-                        </a:lnT>
-                        <a:lnB w="12700" cap="flat" cmpd="sng" algn="ctr">
-                          <a:solidFill>
-                            <a:schemeClr val="tx1"/>
-                          </a:solidFill>
-                          <a:prstDash val="solid"/>
-                          <a:round/>
-                          <a:headEnd type="none" w="med" len="med"/>
-                          <a:tailEnd type="none" w="med" len="med"/>
-                        </a:lnB>
-                        <a:noFill/>
-                      </a:tcPr>
-                    </a:tc>
-                    <a:extLst>
-                      <a:ext uri="{0D108BD9-81ED-4DB2-BD59-A6C34878D82A}">
-                        <a16:rowId xmlns:a16="http://schemas.microsoft.com/office/drawing/2014/main" val="2017167383"/>
-                      </a:ext>
-                    </a:extLst>
-                  </a:tr>
-                  <a:tr h="370840">
-                    <a:tc>
-                      <a:txBody>
-                        <a:bodyPr/>
-                        <a:lstStyle/>
-                        <a:p>
-                          <a:pPr/>
-                          <a:r>
-                            <a:rPr lang="en-US" altLang="zh-TW" sz="1400" b="1" dirty="0">
-                              <a:solidFill>
-                                <a:schemeClr val="tx1"/>
-                              </a:solidFill>
-                              <a:latin typeface="Times New Roman" panose="02020603050405020304" pitchFamily="18" charset="0"/>
-                              <a:cs typeface="Times New Roman" panose="02020603050405020304" pitchFamily="18" charset="0"/>
-                            </a:rPr>
-                            <a:t>[1]</a:t>
-                          </a:r>
-                          <a:endParaRPr lang="zh-TW" altLang="en-US" sz="1400" b="1" dirty="0">
-                            <a:solidFill>
-                              <a:schemeClr val="tx1"/>
-                            </a:solidFill>
-                            <a:latin typeface="Times New Roman" panose="02020603050405020304" pitchFamily="18" charset="0"/>
-                            <a:cs typeface="Times New Roman" panose="02020603050405020304" pitchFamily="18" charset="0"/>
-                          </a:endParaRPr>
-                        </a:p>
-                      </a:txBody>
-                      <a:tcPr anchor="ctr">
-                        <a:lnL w="12700" cap="flat" cmpd="sng" algn="ctr">
-                          <a:solidFill>
-                            <a:schemeClr val="tx1"/>
-                          </a:solidFill>
-                          <a:prstDash val="solid"/>
-                          <a:round/>
-                          <a:headEnd type="none" w="med" len="med"/>
-                          <a:tailEnd type="none" w="med" len="med"/>
-                        </a:lnL>
-                        <a:lnR w="12700" cap="flat" cmpd="sng" algn="ctr">
-                          <a:solidFill>
-                            <a:schemeClr val="tx1"/>
-                          </a:solidFill>
-                          <a:prstDash val="solid"/>
-                          <a:round/>
-                          <a:headEnd type="none" w="med" len="med"/>
-                          <a:tailEnd type="none" w="med" len="med"/>
-                        </a:lnR>
-                        <a:lnT w="12700" cap="flat" cmpd="sng" algn="ctr">
-                          <a:solidFill>
-                            <a:schemeClr val="tx1"/>
-                          </a:solidFill>
-                          <a:prstDash val="solid"/>
-                          <a:round/>
-                          <a:headEnd type="none" w="med" len="med"/>
-                          <a:tailEnd type="none" w="med" len="med"/>
-                        </a:lnT>
-                        <a:lnB w="12700" cap="flat" cmpd="sng" algn="ctr">
-                          <a:solidFill>
-                            <a:schemeClr val="tx1"/>
-                          </a:solidFill>
-                          <a:prstDash val="solid"/>
-                          <a:round/>
-                          <a:headEnd type="none" w="med" len="med"/>
-                          <a:tailEnd type="none" w="med" len="med"/>
-                        </a:lnB>
-                        <a:noFill/>
-                      </a:tcPr>
-                    </a:tc>
-                    <a:tc>
-                      <a:txBody>
-                        <a:bodyPr/>
-                        <a:lstStyle/>
-                        <a:p>
-                          <a:r>
-                            <a:rPr lang="en-US" altLang="zh-TW" sz="1400" b="1" dirty="0" err="1">
-                              <a:solidFill>
-                                <a:schemeClr val="tx1"/>
-                              </a:solidFill>
-                              <a:latin typeface="Times New Roman" panose="02020603050405020304" pitchFamily="18" charset="0"/>
-                              <a:cs typeface="Times New Roman" panose="02020603050405020304" pitchFamily="18" charset="0"/>
-                            </a:rPr>
-                            <a:t>Q_en</a:t>
-                          </a:r>
-                          <a:r>
-                            <a:rPr lang="zh-TW" altLang="en-US" sz="1400" b="1" dirty="0">
-                              <a:solidFill>
-                                <a:schemeClr val="tx1"/>
-                              </a:solidFill>
-                              <a:latin typeface="Times New Roman" panose="02020603050405020304" pitchFamily="18" charset="0"/>
-                              <a:cs typeface="Times New Roman" panose="02020603050405020304" pitchFamily="18" charset="0"/>
-                            </a:rPr>
-                            <a:t> </a:t>
-                          </a:r>
-                          <a:r>
-                            <a:rPr lang="en-US" altLang="zh-TW" sz="1400" b="1" dirty="0">
-                              <a:solidFill>
-                                <a:schemeClr val="tx1"/>
-                              </a:solidFill>
-                              <a:latin typeface="Times New Roman" panose="02020603050405020304" pitchFamily="18" charset="0"/>
-                              <a:cs typeface="Times New Roman" panose="02020603050405020304" pitchFamily="18" charset="0"/>
-                            </a:rPr>
-                            <a:t>&gt;</a:t>
-                          </a:r>
-                          <a:r>
-                            <a:rPr lang="zh-TW" altLang="en-US" sz="1400" b="1" dirty="0">
-                              <a:solidFill>
-                                <a:schemeClr val="tx1"/>
-                              </a:solidFill>
-                              <a:latin typeface="Times New Roman" panose="02020603050405020304" pitchFamily="18" charset="0"/>
-                              <a:cs typeface="Times New Roman" panose="02020603050405020304" pitchFamily="18" charset="0"/>
-                            </a:rPr>
-                            <a:t> </a:t>
-                          </a:r>
-                          <a:r>
-                            <a:rPr lang="en-US" altLang="zh-TW" sz="1400" b="1" dirty="0">
-                              <a:solidFill>
-                                <a:schemeClr val="tx1"/>
-                              </a:solidFill>
-                              <a:latin typeface="Times New Roman" panose="02020603050405020304" pitchFamily="18" charset="0"/>
-                              <a:cs typeface="Times New Roman" panose="02020603050405020304" pitchFamily="18" charset="0"/>
-                            </a:rPr>
-                            <a:t>0</a:t>
-                          </a:r>
-                          <a:endParaRPr lang="zh-TW" altLang="en-US" sz="1400" b="1" dirty="0">
-                            <a:solidFill>
-                              <a:schemeClr val="tx1"/>
-                            </a:solidFill>
-                            <a:latin typeface="Times New Roman" panose="02020603050405020304" pitchFamily="18" charset="0"/>
-                            <a:cs typeface="Times New Roman" panose="02020603050405020304" pitchFamily="18" charset="0"/>
-                          </a:endParaRPr>
-                        </a:p>
-                      </a:txBody>
-                      <a:tcPr anchor="ctr">
-                        <a:lnL w="12700" cap="flat" cmpd="sng" algn="ctr">
-                          <a:solidFill>
-                            <a:schemeClr val="tx1"/>
-                          </a:solidFill>
-                          <a:prstDash val="solid"/>
-                          <a:round/>
-                          <a:headEnd type="none" w="med" len="med"/>
-                          <a:tailEnd type="none" w="med" len="med"/>
-                        </a:lnL>
-                        <a:lnR w="12700" cap="flat" cmpd="sng" algn="ctr">
-                          <a:solidFill>
-                            <a:schemeClr val="tx1"/>
-                          </a:solidFill>
-                          <a:prstDash val="solid"/>
-                          <a:round/>
-                          <a:headEnd type="none" w="med" len="med"/>
-                          <a:tailEnd type="none" w="med" len="med"/>
-                        </a:lnR>
-                        <a:lnT w="12700" cap="flat" cmpd="sng" algn="ctr">
-                          <a:solidFill>
-                            <a:schemeClr val="tx1"/>
-                          </a:solidFill>
-                          <a:prstDash val="solid"/>
-                          <a:round/>
-                          <a:headEnd type="none" w="med" len="med"/>
-                          <a:tailEnd type="none" w="med" len="med"/>
-                        </a:lnT>
-                        <a:lnB w="12700" cap="flat" cmpd="sng" algn="ctr">
-                          <a:solidFill>
-                            <a:schemeClr val="tx1"/>
-                          </a:solidFill>
-                          <a:prstDash val="solid"/>
-                          <a:round/>
-                          <a:headEnd type="none" w="med" len="med"/>
-                          <a:tailEnd type="none" w="med" len="med"/>
-                        </a:lnB>
-                        <a:noFill/>
-                      </a:tcPr>
-                    </a:tc>
-                    <a:extLst>
-                      <a:ext uri="{0D108BD9-81ED-4DB2-BD59-A6C34878D82A}">
-                        <a16:rowId xmlns:a16="http://schemas.microsoft.com/office/drawing/2014/main" val="12011265"/>
-                      </a:ext>
-                    </a:extLst>
-                  </a:tr>
-                  <a:tr h="370840">
-                    <a:tc>
-                      <a:txBody>
-                        <a:bodyPr/>
-                        <a:lstStyle/>
-                        <a:p>
-                          <a:r>
-                            <a:rPr lang="en-US" altLang="zh-TW" sz="1400" b="1" dirty="0">
-                              <a:solidFill>
-                                <a:schemeClr val="tx1"/>
-                              </a:solidFill>
-                              <a:latin typeface="Times New Roman" panose="02020603050405020304" pitchFamily="18" charset="0"/>
-                              <a:cs typeface="Times New Roman" panose="02020603050405020304" pitchFamily="18" charset="0"/>
-                            </a:rPr>
-                            <a:t>[2]</a:t>
-                          </a:r>
-                          <a:endParaRPr lang="zh-TW" altLang="en-US" sz="1400" b="1" dirty="0">
-                            <a:solidFill>
-                              <a:schemeClr val="tx1"/>
-                            </a:solidFill>
-                            <a:latin typeface="Times New Roman" panose="02020603050405020304" pitchFamily="18" charset="0"/>
-                            <a:cs typeface="Times New Roman" panose="02020603050405020304" pitchFamily="18" charset="0"/>
-                          </a:endParaRPr>
-                        </a:p>
-                      </a:txBody>
-                      <a:tcPr anchor="ctr">
-                        <a:lnL w="12700" cap="flat" cmpd="sng" algn="ctr">
-                          <a:solidFill>
-                            <a:schemeClr val="tx1"/>
-                          </a:solidFill>
-                          <a:prstDash val="solid"/>
-                          <a:round/>
-                          <a:headEnd type="none" w="med" len="med"/>
-                          <a:tailEnd type="none" w="med" len="med"/>
-                        </a:lnL>
-                        <a:lnR w="12700" cap="flat" cmpd="sng" algn="ctr">
-                          <a:solidFill>
-                            <a:schemeClr val="tx1"/>
-                          </a:solidFill>
-                          <a:prstDash val="solid"/>
-                          <a:round/>
-                          <a:headEnd type="none" w="med" len="med"/>
-                          <a:tailEnd type="none" w="med" len="med"/>
-                        </a:lnR>
-                        <a:lnT w="12700" cap="flat" cmpd="sng" algn="ctr">
-                          <a:solidFill>
-                            <a:schemeClr val="tx1"/>
-                          </a:solidFill>
-                          <a:prstDash val="solid"/>
-                          <a:round/>
-                          <a:headEnd type="none" w="med" len="med"/>
-                          <a:tailEnd type="none" w="med" len="med"/>
-                        </a:lnT>
-                        <a:lnB w="12700" cap="flat" cmpd="sng" algn="ctr">
-                          <a:solidFill>
-                            <a:schemeClr val="tx1"/>
-                          </a:solidFill>
-                          <a:prstDash val="solid"/>
-                          <a:round/>
-                          <a:headEnd type="none" w="med" len="med"/>
-                          <a:tailEnd type="none" w="med" len="med"/>
-                        </a:lnB>
-                        <a:noFill/>
-                      </a:tcPr>
-                    </a:tc>
-                    <a:tc>
-                      <a:txBody>
-                        <a:bodyPr/>
-                        <a:lstStyle/>
-                        <a:p>
-                          <a:r>
-                            <a:rPr lang="en-US" altLang="zh-TW" sz="1400" b="1" dirty="0">
-                              <a:solidFill>
-                                <a:schemeClr val="tx1"/>
-                              </a:solidFill>
-                              <a:latin typeface="Times New Roman" panose="02020603050405020304" pitchFamily="18" charset="0"/>
-                              <a:cs typeface="Times New Roman" panose="02020603050405020304" pitchFamily="18" charset="0"/>
-                            </a:rPr>
-                            <a:t>Q_en</a:t>
-                          </a:r>
-                          <a:r>
-                            <a:rPr lang="zh-TW" altLang="en-US" sz="1400" b="1" dirty="0">
-                              <a:solidFill>
-                                <a:schemeClr val="tx1"/>
-                              </a:solidFill>
-                              <a:latin typeface="Times New Roman" panose="02020603050405020304" pitchFamily="18" charset="0"/>
-                              <a:cs typeface="Times New Roman" panose="02020603050405020304" pitchFamily="18" charset="0"/>
-                            </a:rPr>
-                            <a:t> </a:t>
-                          </a:r>
-                          <a14:m>
-                            <m:oMath xmlns:m="http://schemas.openxmlformats.org/officeDocument/2006/math">
-                              <m:r>
-                                <a:rPr lang="en-US" altLang="zh-TW" sz="1400" b="1" i="1" smtClean="0">
-                                  <a:solidFill>
-                                    <a:schemeClr val="tx1"/>
-                                  </a:solidFill>
-                                  <a:latin typeface="Cambria Math" panose="02040503050406030204" pitchFamily="18" charset="0"/>
-                                  <a:cs typeface="Times New Roman" panose="02020603050405020304" pitchFamily="18" charset="0"/>
-                                </a:rPr>
-                                <m:t>≥</m:t>
-                              </m:r>
-                            </m:oMath>
-                          </a14:m>
-                          <a:r>
-                            <a:rPr lang="zh-TW" altLang="en-US" sz="1400" b="1" dirty="0">
-                              <a:solidFill>
-                                <a:schemeClr val="tx1"/>
-                              </a:solidFill>
-                              <a:latin typeface="Times New Roman" panose="02020603050405020304" pitchFamily="18" charset="0"/>
-                              <a:cs typeface="Times New Roman" panose="02020603050405020304" pitchFamily="18" charset="0"/>
-                            </a:rPr>
-                            <a:t> </a:t>
-                          </a:r>
-                          <a:r>
-                            <a:rPr lang="en-US" altLang="zh-TW" sz="1400" b="1" dirty="0">
-                              <a:solidFill>
-                                <a:schemeClr val="tx1"/>
-                              </a:solidFill>
-                              <a:latin typeface="Times New Roman" panose="02020603050405020304" pitchFamily="18" charset="0"/>
-                              <a:cs typeface="Times New Roman" panose="02020603050405020304" pitchFamily="18" charset="0"/>
-                            </a:rPr>
-                            <a:t>2</a:t>
-                          </a:r>
-                          <a:r>
-                            <a:rPr lang="zh-TW" altLang="en-US" sz="1400" b="1" dirty="0">
-                              <a:solidFill>
-                                <a:schemeClr val="tx1"/>
-                              </a:solidFill>
-                              <a:latin typeface="Times New Roman" panose="02020603050405020304" pitchFamily="18" charset="0"/>
-                              <a:cs typeface="Times New Roman" panose="02020603050405020304" pitchFamily="18" charset="0"/>
-                            </a:rPr>
-                            <a:t> </a:t>
-                          </a:r>
-                          <a:r>
-                            <a:rPr lang="en-US" altLang="zh-TW" sz="1400" b="1" dirty="0">
-                              <a:solidFill>
-                                <a:schemeClr val="tx1"/>
-                              </a:solidFill>
-                              <a:latin typeface="Times New Roman" panose="02020603050405020304" pitchFamily="18" charset="0"/>
-                              <a:cs typeface="Times New Roman" panose="02020603050405020304" pitchFamily="18" charset="0"/>
-                            </a:rPr>
-                            <a:t>&amp;&amp;</a:t>
-                          </a:r>
-                          <a:r>
-                            <a:rPr lang="zh-TW" altLang="en-US" sz="1400" b="1" dirty="0">
-                              <a:solidFill>
-                                <a:schemeClr val="tx1"/>
-                              </a:solidFill>
-                              <a:latin typeface="Times New Roman" panose="02020603050405020304" pitchFamily="18" charset="0"/>
-                              <a:cs typeface="Times New Roman" panose="02020603050405020304" pitchFamily="18" charset="0"/>
-                            </a:rPr>
-                            <a:t> </a:t>
-                          </a:r>
-                          <a:r>
-                            <a:rPr lang="en-US" altLang="zh-TW" sz="1400" b="1" dirty="0" err="1">
-                              <a:solidFill>
-                                <a:schemeClr val="tx1"/>
-                              </a:solidFill>
-                              <a:latin typeface="Times New Roman" panose="02020603050405020304" pitchFamily="18" charset="0"/>
-                              <a:cs typeface="Times New Roman" panose="02020603050405020304" pitchFamily="18" charset="0"/>
-                            </a:rPr>
-                            <a:t>S_st</a:t>
-                          </a:r>
-                          <a:r>
-                            <a:rPr lang="en-US" altLang="zh-TW" sz="1400" b="1" dirty="0">
-                              <a:solidFill>
-                                <a:schemeClr val="tx1"/>
-                              </a:solidFill>
-                              <a:latin typeface="Times New Roman" panose="02020603050405020304" pitchFamily="18" charset="0"/>
-                              <a:cs typeface="Times New Roman" panose="02020603050405020304" pitchFamily="18" charset="0"/>
-                            </a:rPr>
-                            <a:t>==IDLE</a:t>
-                          </a:r>
-                          <a:endParaRPr lang="zh-TW" altLang="en-US" sz="1400" b="1" dirty="0">
-                            <a:solidFill>
-                              <a:schemeClr val="tx1"/>
-                            </a:solidFill>
-                            <a:latin typeface="Times New Roman" panose="02020603050405020304" pitchFamily="18" charset="0"/>
-                            <a:cs typeface="Times New Roman" panose="02020603050405020304" pitchFamily="18" charset="0"/>
-                          </a:endParaRPr>
-                        </a:p>
-                      </a:txBody>
-                      <a:tcPr anchor="ctr">
-                        <a:lnL w="12700" cap="flat" cmpd="sng" algn="ctr">
-                          <a:solidFill>
-                            <a:schemeClr val="tx1"/>
-                          </a:solidFill>
-                          <a:prstDash val="solid"/>
-                          <a:round/>
-                          <a:headEnd type="none" w="med" len="med"/>
-                          <a:tailEnd type="none" w="med" len="med"/>
-                        </a:lnL>
-                        <a:lnR w="12700" cap="flat" cmpd="sng" algn="ctr">
-                          <a:solidFill>
-                            <a:schemeClr val="tx1"/>
-                          </a:solidFill>
-                          <a:prstDash val="solid"/>
-                          <a:round/>
-                          <a:headEnd type="none" w="med" len="med"/>
-                          <a:tailEnd type="none" w="med" len="med"/>
-                        </a:lnR>
-                        <a:lnT w="12700" cap="flat" cmpd="sng" algn="ctr">
-                          <a:solidFill>
-                            <a:schemeClr val="tx1"/>
-                          </a:solidFill>
-                          <a:prstDash val="solid"/>
-                          <a:round/>
-                          <a:headEnd type="none" w="med" len="med"/>
-                          <a:tailEnd type="none" w="med" len="med"/>
-                        </a:lnT>
-                        <a:lnB w="12700" cap="flat" cmpd="sng" algn="ctr">
-                          <a:solidFill>
-                            <a:schemeClr val="tx1"/>
-                          </a:solidFill>
-                          <a:prstDash val="solid"/>
-                          <a:round/>
-                          <a:headEnd type="none" w="med" len="med"/>
-                          <a:tailEnd type="none" w="med" len="med"/>
-                        </a:lnB>
-                        <a:noFill/>
-                      </a:tcPr>
-                    </a:tc>
-                    <a:extLst>
-                      <a:ext uri="{0D108BD9-81ED-4DB2-BD59-A6C34878D82A}">
-                        <a16:rowId xmlns:a16="http://schemas.microsoft.com/office/drawing/2014/main" val="2537605501"/>
-                      </a:ext>
-                    </a:extLst>
-                  </a:tr>
-                  <a:tr h="370840">
-                    <a:tc>
-                      <a:txBody>
-                        <a:bodyPr/>
-                        <a:lstStyle/>
-                        <a:p>
-                          <a:endParaRPr lang="zh-TW" altLang="en-US" sz="1400" b="1">
-                            <a:solidFill>
-                              <a:schemeClr val="tx1"/>
-                            </a:solidFill>
-                            <a:latin typeface="Times New Roman" panose="02020603050405020304" pitchFamily="18" charset="0"/>
-                            <a:cs typeface="Times New Roman" panose="02020603050405020304" pitchFamily="18" charset="0"/>
-                          </a:endParaRPr>
-                        </a:p>
-                      </a:txBody>
-                      <a:tcPr anchor="ctr">
-                        <a:lnL w="12700" cap="flat" cmpd="sng" algn="ctr">
-                          <a:solidFill>
-                            <a:schemeClr val="tx1"/>
-                          </a:solidFill>
-                          <a:prstDash val="solid"/>
-                          <a:round/>
-                          <a:headEnd type="none" w="med" len="med"/>
-                          <a:tailEnd type="none" w="med" len="med"/>
-                        </a:lnL>
-                        <a:lnR w="12700" cap="flat" cmpd="sng" algn="ctr">
-                          <a:solidFill>
-                            <a:schemeClr val="tx1"/>
-                          </a:solidFill>
-                          <a:prstDash val="solid"/>
-                          <a:round/>
-                          <a:headEnd type="none" w="med" len="med"/>
-                          <a:tailEnd type="none" w="med" len="med"/>
-                        </a:lnR>
-                        <a:lnT w="12700" cap="flat" cmpd="sng" algn="ctr">
-                          <a:solidFill>
-                            <a:schemeClr val="tx1"/>
-                          </a:solidFill>
-                          <a:prstDash val="solid"/>
-                          <a:round/>
-                          <a:headEnd type="none" w="med" len="med"/>
-                          <a:tailEnd type="none" w="med" len="med"/>
-                        </a:lnT>
-                        <a:lnB w="12700" cap="flat" cmpd="sng" algn="ctr">
-                          <a:solidFill>
-                            <a:schemeClr val="tx1"/>
-                          </a:solidFill>
-                          <a:prstDash val="solid"/>
-                          <a:round/>
-                          <a:headEnd type="none" w="med" len="med"/>
-                          <a:tailEnd type="none" w="med" len="med"/>
-                        </a:lnB>
-                        <a:noFill/>
-                      </a:tcPr>
-                    </a:tc>
-                    <a:tc>
-                      <a:txBody>
-                        <a:bodyPr/>
-                        <a:lstStyle/>
-                        <a:p>
-                          <a:endParaRPr lang="zh-TW" altLang="en-US" sz="1400" b="1" dirty="0">
-                            <a:solidFill>
-                              <a:schemeClr val="tx1"/>
-                            </a:solidFill>
-                            <a:latin typeface="Times New Roman" panose="02020603050405020304" pitchFamily="18" charset="0"/>
-                            <a:cs typeface="Times New Roman" panose="02020603050405020304" pitchFamily="18" charset="0"/>
-                          </a:endParaRPr>
-                        </a:p>
-                      </a:txBody>
-                      <a:tcPr anchor="ctr">
-                        <a:lnL w="12700" cap="flat" cmpd="sng" algn="ctr">
-                          <a:solidFill>
-                            <a:schemeClr val="tx1"/>
-                          </a:solidFill>
-                          <a:prstDash val="solid"/>
-                          <a:round/>
-                          <a:headEnd type="none" w="med" len="med"/>
-                          <a:tailEnd type="none" w="med" len="med"/>
-                        </a:lnL>
-                        <a:lnR w="12700" cap="flat" cmpd="sng" algn="ctr">
-                          <a:solidFill>
-                            <a:schemeClr val="tx1"/>
-                          </a:solidFill>
-                          <a:prstDash val="solid"/>
-                          <a:round/>
-                          <a:headEnd type="none" w="med" len="med"/>
-                          <a:tailEnd type="none" w="med" len="med"/>
-                        </a:lnR>
-                        <a:lnT w="12700" cap="flat" cmpd="sng" algn="ctr">
-                          <a:solidFill>
-                            <a:schemeClr val="tx1"/>
-                          </a:solidFill>
-                          <a:prstDash val="solid"/>
-                          <a:round/>
-                          <a:headEnd type="none" w="med" len="med"/>
-                          <a:tailEnd type="none" w="med" len="med"/>
-                        </a:lnT>
-                        <a:lnB w="12700" cap="flat" cmpd="sng" algn="ctr">
-                          <a:solidFill>
-                            <a:schemeClr val="tx1"/>
-                          </a:solidFill>
-                          <a:prstDash val="solid"/>
-                          <a:round/>
-                          <a:headEnd type="none" w="med" len="med"/>
-                          <a:tailEnd type="none" w="med" len="med"/>
-                        </a:lnB>
-                        <a:noFill/>
-                      </a:tcPr>
-                    </a:tc>
-                    <a:extLst>
-                      <a:ext uri="{0D108BD9-81ED-4DB2-BD59-A6C34878D82A}">
-                        <a16:rowId xmlns:a16="http://schemas.microsoft.com/office/drawing/2014/main" val="2966706211"/>
-                      </a:ext>
-                    </a:extLst>
-                  </a:tr>
-                  <a:tr h="370840">
-                    <a:tc>
-                      <a:txBody>
-                        <a:bodyPr/>
-                        <a:lstStyle/>
-                        <a:p>
-                          <a:endParaRPr lang="zh-TW" altLang="en-US" sz="1400" b="1">
-                            <a:solidFill>
-                              <a:schemeClr val="tx1"/>
-                            </a:solidFill>
-                            <a:latin typeface="Times New Roman" panose="02020603050405020304" pitchFamily="18" charset="0"/>
-                            <a:cs typeface="Times New Roman" panose="02020603050405020304" pitchFamily="18" charset="0"/>
-                          </a:endParaRPr>
-                        </a:p>
-                      </a:txBody>
-                      <a:tcPr anchor="ctr">
-                        <a:lnL w="12700" cap="flat" cmpd="sng" algn="ctr">
-                          <a:solidFill>
-                            <a:schemeClr val="tx1"/>
-                          </a:solidFill>
-                          <a:prstDash val="solid"/>
-                          <a:round/>
-                          <a:headEnd type="none" w="med" len="med"/>
-                          <a:tailEnd type="none" w="med" len="med"/>
-                        </a:lnL>
-                        <a:lnR w="12700" cap="flat" cmpd="sng" algn="ctr">
-                          <a:solidFill>
-                            <a:schemeClr val="tx1"/>
-                          </a:solidFill>
-                          <a:prstDash val="solid"/>
-                          <a:round/>
-                          <a:headEnd type="none" w="med" len="med"/>
-                          <a:tailEnd type="none" w="med" len="med"/>
-                        </a:lnR>
-                        <a:lnT w="12700" cap="flat" cmpd="sng" algn="ctr">
-                          <a:solidFill>
-                            <a:schemeClr val="tx1"/>
-                          </a:solidFill>
-                          <a:prstDash val="solid"/>
-                          <a:round/>
-                          <a:headEnd type="none" w="med" len="med"/>
-                          <a:tailEnd type="none" w="med" len="med"/>
-                        </a:lnT>
-                        <a:lnB w="12700" cap="flat" cmpd="sng" algn="ctr">
-                          <a:solidFill>
-                            <a:schemeClr val="tx1"/>
-                          </a:solidFill>
-                          <a:prstDash val="solid"/>
-                          <a:round/>
-                          <a:headEnd type="none" w="med" len="med"/>
-                          <a:tailEnd type="none" w="med" len="med"/>
-                        </a:lnB>
-                        <a:noFill/>
-                      </a:tcPr>
-                    </a:tc>
-                    <a:tc>
-                      <a:txBody>
-                        <a:bodyPr/>
-                        <a:lstStyle/>
-                        <a:p>
-                          <a:endParaRPr lang="zh-TW" altLang="en-US" sz="1400" b="1" dirty="0">
-                            <a:solidFill>
-                              <a:schemeClr val="tx1"/>
-                            </a:solidFill>
-                            <a:latin typeface="Times New Roman" panose="02020603050405020304" pitchFamily="18" charset="0"/>
-                            <a:cs typeface="Times New Roman" panose="02020603050405020304" pitchFamily="18" charset="0"/>
-                          </a:endParaRPr>
-                        </a:p>
-                      </a:txBody>
-                      <a:tcPr anchor="ctr">
-                        <a:lnL w="12700" cap="flat" cmpd="sng" algn="ctr">
-                          <a:solidFill>
-                            <a:schemeClr val="tx1"/>
-                          </a:solidFill>
-                          <a:prstDash val="solid"/>
-                          <a:round/>
-                          <a:headEnd type="none" w="med" len="med"/>
-                          <a:tailEnd type="none" w="med" len="med"/>
-                        </a:lnL>
-                        <a:lnR w="12700" cap="flat" cmpd="sng" algn="ctr">
-                          <a:solidFill>
-                            <a:schemeClr val="tx1"/>
-                          </a:solidFill>
-                          <a:prstDash val="solid"/>
-                          <a:round/>
-                          <a:headEnd type="none" w="med" len="med"/>
-                          <a:tailEnd type="none" w="med" len="med"/>
-                        </a:lnR>
-                        <a:lnT w="12700" cap="flat" cmpd="sng" algn="ctr">
-                          <a:solidFill>
-                            <a:schemeClr val="tx1"/>
-                          </a:solidFill>
-                          <a:prstDash val="solid"/>
-                          <a:round/>
-                          <a:headEnd type="none" w="med" len="med"/>
-                          <a:tailEnd type="none" w="med" len="med"/>
-                        </a:lnT>
-                        <a:lnB w="12700" cap="flat" cmpd="sng" algn="ctr">
-                          <a:solidFill>
-                            <a:schemeClr val="tx1"/>
-                          </a:solidFill>
-                          <a:prstDash val="solid"/>
-                          <a:round/>
-                          <a:headEnd type="none" w="med" len="med"/>
-                          <a:tailEnd type="none" w="med" len="med"/>
-                        </a:lnB>
-                        <a:noFill/>
-                      </a:tcPr>
-                    </a:tc>
-                    <a:extLst>
-                      <a:ext uri="{0D108BD9-81ED-4DB2-BD59-A6C34878D82A}">
-                        <a16:rowId xmlns:a16="http://schemas.microsoft.com/office/drawing/2014/main" val="1433167093"/>
-                      </a:ext>
-                    </a:extLst>
-                  </a:tr>
-                </a:tbl>
-              </a:graphicData>
-            </a:graphic>
-          </p:graphicFrame>
-        </mc:Choice>
-        <mc:Fallback>
-          <p:graphicFrame>
-            <p:nvGraphicFramePr>
-              <p:cNvPr id="35" name="表格 34">
-                <a:extLst>
-                  <a:ext uri="{FF2B5EF4-FFF2-40B4-BE49-F238E27FC236}">
-                    <a16:creationId xmlns:a16="http://schemas.microsoft.com/office/drawing/2014/main" id="{B461EA2E-98D2-1E30-00E0-F18D863ACF62}"/>
-                  </a:ext>
-                </a:extLst>
-              </p:cNvPr>
-              <p:cNvGraphicFramePr>
-                <a:graphicFrameLocks noGrp="1"/>
-              </p:cNvGraphicFramePr>
-              <p:nvPr>
-                <p:extLst>
-                  <p:ext uri="{D42A27DB-BD31-4B8C-83A1-F6EECF244321}">
-                    <p14:modId xmlns:p14="http://schemas.microsoft.com/office/powerpoint/2010/main" val="1845077488"/>
-                  </p:ext>
-                </p:extLst>
-              </p:nvPr>
-            </p:nvGraphicFramePr>
-            <p:xfrm>
-              <a:off x="2579992" y="4799013"/>
-              <a:ext cx="3356351" cy="1854200"/>
-            </p:xfrm>
-            <a:graphic>
-              <a:graphicData uri="http://schemas.openxmlformats.org/drawingml/2006/table">
-                <a:tbl>
-                  <a:tblPr firstRow="1" bandRow="1">
-                    <a:tableStyleId>{5C22544A-7EE6-4342-B048-85BDC9FD1C3A}</a:tableStyleId>
-                  </a:tblPr>
-                  <a:tblGrid>
-                    <a:gridCol w="453494">
-                      <a:extLst>
-                        <a:ext uri="{9D8B030D-6E8A-4147-A177-3AD203B41FA5}">
-                          <a16:colId xmlns:a16="http://schemas.microsoft.com/office/drawing/2014/main" val="2629813993"/>
-                        </a:ext>
-                      </a:extLst>
-                    </a:gridCol>
-                    <a:gridCol w="2902857">
-                      <a:extLst>
-                        <a:ext uri="{9D8B030D-6E8A-4147-A177-3AD203B41FA5}">
-                          <a16:colId xmlns:a16="http://schemas.microsoft.com/office/drawing/2014/main" val="600755475"/>
-                        </a:ext>
-                      </a:extLst>
-                    </a:gridCol>
-                  </a:tblGrid>
-                  <a:tr h="370840">
-                    <a:tc>
-                      <a:txBody>
-                        <a:bodyPr/>
-                        <a:lstStyle/>
-                        <a:p>
-                          <a:endParaRPr lang="zh-TW" altLang="en-US" sz="1400" dirty="0">
-                            <a:solidFill>
-                              <a:schemeClr val="tx1"/>
-                            </a:solidFill>
-                            <a:latin typeface="Times New Roman" panose="02020603050405020304" pitchFamily="18" charset="0"/>
-                            <a:cs typeface="Times New Roman" panose="02020603050405020304" pitchFamily="18" charset="0"/>
-                          </a:endParaRPr>
-                        </a:p>
-                      </a:txBody>
-                      <a:tcPr anchor="ctr">
-                        <a:lnL w="12700" cap="flat" cmpd="sng" algn="ctr">
-                          <a:solidFill>
-                            <a:schemeClr val="tx1"/>
-                          </a:solidFill>
-                          <a:prstDash val="solid"/>
-                          <a:round/>
-                          <a:headEnd type="none" w="med" len="med"/>
-                          <a:tailEnd type="none" w="med" len="med"/>
-                        </a:lnL>
-                        <a:lnR w="12700" cap="flat" cmpd="sng" algn="ctr">
-                          <a:solidFill>
-                            <a:schemeClr val="tx1"/>
-                          </a:solidFill>
-                          <a:prstDash val="solid"/>
-                          <a:round/>
-                          <a:headEnd type="none" w="med" len="med"/>
-                          <a:tailEnd type="none" w="med" len="med"/>
-                        </a:lnR>
-                        <a:lnT w="12700" cap="flat" cmpd="sng" algn="ctr">
-                          <a:solidFill>
-                            <a:schemeClr val="tx1"/>
-                          </a:solidFill>
-                          <a:prstDash val="solid"/>
-                          <a:round/>
-                          <a:headEnd type="none" w="med" len="med"/>
-                          <a:tailEnd type="none" w="med" len="med"/>
-                        </a:lnT>
-                        <a:lnB w="12700" cap="flat" cmpd="sng" algn="ctr">
-                          <a:solidFill>
-                            <a:schemeClr val="tx1"/>
-                          </a:solidFill>
-                          <a:prstDash val="solid"/>
-                          <a:round/>
-                          <a:headEnd type="none" w="med" len="med"/>
-                          <a:tailEnd type="none" w="med" len="med"/>
-                        </a:lnB>
-                        <a:noFill/>
-                      </a:tcPr>
-                    </a:tc>
-                    <a:tc>
-                      <a:txBody>
-                        <a:bodyPr/>
-                        <a:lstStyle/>
-                        <a:p>
-                          <a:r>
-                            <a:rPr lang="en-US" altLang="zh-TW" sz="1400" dirty="0">
-                              <a:solidFill>
-                                <a:schemeClr val="tx1"/>
-                              </a:solidFill>
-                              <a:latin typeface="Times New Roman" panose="02020603050405020304" pitchFamily="18" charset="0"/>
-                              <a:cs typeface="Times New Roman" panose="02020603050405020304" pitchFamily="18" charset="0"/>
-                            </a:rPr>
-                            <a:t>Conditions</a:t>
-                          </a:r>
-                          <a:endParaRPr lang="zh-TW" altLang="en-US" sz="1400" dirty="0">
-                            <a:solidFill>
-                              <a:schemeClr val="tx1"/>
-                            </a:solidFill>
-                            <a:latin typeface="Times New Roman" panose="02020603050405020304" pitchFamily="18" charset="0"/>
-                            <a:cs typeface="Times New Roman" panose="02020603050405020304" pitchFamily="18" charset="0"/>
-                          </a:endParaRPr>
-                        </a:p>
-                      </a:txBody>
-                      <a:tcPr anchor="ctr">
-                        <a:lnL w="12700" cap="flat" cmpd="sng" algn="ctr">
-                          <a:solidFill>
-                            <a:schemeClr val="tx1"/>
-                          </a:solidFill>
-                          <a:prstDash val="solid"/>
-                          <a:round/>
-                          <a:headEnd type="none" w="med" len="med"/>
-                          <a:tailEnd type="none" w="med" len="med"/>
-                        </a:lnL>
-                        <a:lnR w="12700" cap="flat" cmpd="sng" algn="ctr">
-                          <a:solidFill>
-                            <a:schemeClr val="tx1"/>
-                          </a:solidFill>
-                          <a:prstDash val="solid"/>
-                          <a:round/>
-                          <a:headEnd type="none" w="med" len="med"/>
-                          <a:tailEnd type="none" w="med" len="med"/>
-                        </a:lnR>
-                        <a:lnT w="12700" cap="flat" cmpd="sng" algn="ctr">
-                          <a:solidFill>
-                            <a:schemeClr val="tx1"/>
-                          </a:solidFill>
-                          <a:prstDash val="solid"/>
-                          <a:round/>
-                          <a:headEnd type="none" w="med" len="med"/>
-                          <a:tailEnd type="none" w="med" len="med"/>
-                        </a:lnT>
-                        <a:lnB w="12700" cap="flat" cmpd="sng" algn="ctr">
-                          <a:solidFill>
-                            <a:schemeClr val="tx1"/>
-                          </a:solidFill>
-                          <a:prstDash val="solid"/>
-                          <a:round/>
-                          <a:headEnd type="none" w="med" len="med"/>
-                          <a:tailEnd type="none" w="med" len="med"/>
-                        </a:lnB>
-                        <a:noFill/>
-                      </a:tcPr>
-                    </a:tc>
-                    <a:extLst>
-                      <a:ext uri="{0D108BD9-81ED-4DB2-BD59-A6C34878D82A}">
-                        <a16:rowId xmlns:a16="http://schemas.microsoft.com/office/drawing/2014/main" val="2017167383"/>
-                      </a:ext>
-                    </a:extLst>
-                  </a:tr>
-                  <a:tr h="370840">
-                    <a:tc>
-                      <a:txBody>
-                        <a:bodyPr/>
-                        <a:lstStyle/>
-                        <a:p>
-                          <a:pPr/>
-                          <a:r>
-                            <a:rPr lang="en-US" altLang="zh-TW" sz="1400" b="1" dirty="0">
-                              <a:solidFill>
-                                <a:schemeClr val="tx1"/>
-                              </a:solidFill>
-                              <a:latin typeface="Times New Roman" panose="02020603050405020304" pitchFamily="18" charset="0"/>
-                              <a:cs typeface="Times New Roman" panose="02020603050405020304" pitchFamily="18" charset="0"/>
-                            </a:rPr>
-                            <a:t>[1]</a:t>
-                          </a:r>
-                          <a:endParaRPr lang="zh-TW" altLang="en-US" sz="1400" b="1" dirty="0">
-                            <a:solidFill>
-                              <a:schemeClr val="tx1"/>
-                            </a:solidFill>
-                            <a:latin typeface="Times New Roman" panose="02020603050405020304" pitchFamily="18" charset="0"/>
-                            <a:cs typeface="Times New Roman" panose="02020603050405020304" pitchFamily="18" charset="0"/>
-                          </a:endParaRPr>
-                        </a:p>
-                      </a:txBody>
-                      <a:tcPr anchor="ctr">
-                        <a:lnL w="12700" cap="flat" cmpd="sng" algn="ctr">
-                          <a:solidFill>
-                            <a:schemeClr val="tx1"/>
-                          </a:solidFill>
-                          <a:prstDash val="solid"/>
-                          <a:round/>
-                          <a:headEnd type="none" w="med" len="med"/>
-                          <a:tailEnd type="none" w="med" len="med"/>
-                        </a:lnL>
-                        <a:lnR w="12700" cap="flat" cmpd="sng" algn="ctr">
-                          <a:solidFill>
-                            <a:schemeClr val="tx1"/>
-                          </a:solidFill>
-                          <a:prstDash val="solid"/>
-                          <a:round/>
-                          <a:headEnd type="none" w="med" len="med"/>
-                          <a:tailEnd type="none" w="med" len="med"/>
-                        </a:lnR>
-                        <a:lnT w="12700" cap="flat" cmpd="sng" algn="ctr">
-                          <a:solidFill>
-                            <a:schemeClr val="tx1"/>
-                          </a:solidFill>
-                          <a:prstDash val="solid"/>
-                          <a:round/>
-                          <a:headEnd type="none" w="med" len="med"/>
-                          <a:tailEnd type="none" w="med" len="med"/>
-                        </a:lnT>
-                        <a:lnB w="12700" cap="flat" cmpd="sng" algn="ctr">
-                          <a:solidFill>
-                            <a:schemeClr val="tx1"/>
-                          </a:solidFill>
-                          <a:prstDash val="solid"/>
-                          <a:round/>
-                          <a:headEnd type="none" w="med" len="med"/>
-                          <a:tailEnd type="none" w="med" len="med"/>
-                        </a:lnB>
-                        <a:noFill/>
-                      </a:tcPr>
-                    </a:tc>
-                    <a:tc>
-                      <a:txBody>
-                        <a:bodyPr/>
-                        <a:lstStyle/>
-                        <a:p>
-                          <a:r>
-                            <a:rPr lang="en-US" altLang="zh-TW" sz="1400" b="1" dirty="0" err="1">
-                              <a:solidFill>
-                                <a:schemeClr val="tx1"/>
-                              </a:solidFill>
-                              <a:latin typeface="Times New Roman" panose="02020603050405020304" pitchFamily="18" charset="0"/>
-                              <a:cs typeface="Times New Roman" panose="02020603050405020304" pitchFamily="18" charset="0"/>
-                            </a:rPr>
-                            <a:t>Q_en</a:t>
-                          </a:r>
-                          <a:r>
-                            <a:rPr lang="zh-TW" altLang="en-US" sz="1400" b="1" dirty="0">
-                              <a:solidFill>
-                                <a:schemeClr val="tx1"/>
-                              </a:solidFill>
-                              <a:latin typeface="Times New Roman" panose="02020603050405020304" pitchFamily="18" charset="0"/>
-                              <a:cs typeface="Times New Roman" panose="02020603050405020304" pitchFamily="18" charset="0"/>
-                            </a:rPr>
-                            <a:t> </a:t>
-                          </a:r>
-                          <a:r>
-                            <a:rPr lang="en-US" altLang="zh-TW" sz="1400" b="1" dirty="0">
-                              <a:solidFill>
-                                <a:schemeClr val="tx1"/>
-                              </a:solidFill>
-                              <a:latin typeface="Times New Roman" panose="02020603050405020304" pitchFamily="18" charset="0"/>
-                              <a:cs typeface="Times New Roman" panose="02020603050405020304" pitchFamily="18" charset="0"/>
-                            </a:rPr>
-                            <a:t>&gt;</a:t>
-                          </a:r>
-                          <a:r>
-                            <a:rPr lang="zh-TW" altLang="en-US" sz="1400" b="1" dirty="0">
-                              <a:solidFill>
-                                <a:schemeClr val="tx1"/>
-                              </a:solidFill>
-                              <a:latin typeface="Times New Roman" panose="02020603050405020304" pitchFamily="18" charset="0"/>
-                              <a:cs typeface="Times New Roman" panose="02020603050405020304" pitchFamily="18" charset="0"/>
-                            </a:rPr>
-                            <a:t> </a:t>
-                          </a:r>
-                          <a:r>
-                            <a:rPr lang="en-US" altLang="zh-TW" sz="1400" b="1" dirty="0">
-                              <a:solidFill>
-                                <a:schemeClr val="tx1"/>
-                              </a:solidFill>
-                              <a:latin typeface="Times New Roman" panose="02020603050405020304" pitchFamily="18" charset="0"/>
-                              <a:cs typeface="Times New Roman" panose="02020603050405020304" pitchFamily="18" charset="0"/>
-                            </a:rPr>
-                            <a:t>0</a:t>
-                          </a:r>
-                          <a:endParaRPr lang="zh-TW" altLang="en-US" sz="1400" b="1" dirty="0">
-                            <a:solidFill>
-                              <a:schemeClr val="tx1"/>
-                            </a:solidFill>
-                            <a:latin typeface="Times New Roman" panose="02020603050405020304" pitchFamily="18" charset="0"/>
-                            <a:cs typeface="Times New Roman" panose="02020603050405020304" pitchFamily="18" charset="0"/>
-                          </a:endParaRPr>
-                        </a:p>
-                      </a:txBody>
-                      <a:tcPr anchor="ctr">
-                        <a:lnL w="12700" cap="flat" cmpd="sng" algn="ctr">
-                          <a:solidFill>
-                            <a:schemeClr val="tx1"/>
-                          </a:solidFill>
-                          <a:prstDash val="solid"/>
-                          <a:round/>
-                          <a:headEnd type="none" w="med" len="med"/>
-                          <a:tailEnd type="none" w="med" len="med"/>
-                        </a:lnL>
-                        <a:lnR w="12700" cap="flat" cmpd="sng" algn="ctr">
-                          <a:solidFill>
-                            <a:schemeClr val="tx1"/>
-                          </a:solidFill>
-                          <a:prstDash val="solid"/>
-                          <a:round/>
-                          <a:headEnd type="none" w="med" len="med"/>
-                          <a:tailEnd type="none" w="med" len="med"/>
-                        </a:lnR>
-                        <a:lnT w="12700" cap="flat" cmpd="sng" algn="ctr">
-                          <a:solidFill>
-                            <a:schemeClr val="tx1"/>
-                          </a:solidFill>
-                          <a:prstDash val="solid"/>
-                          <a:round/>
-                          <a:headEnd type="none" w="med" len="med"/>
-                          <a:tailEnd type="none" w="med" len="med"/>
-                        </a:lnT>
-                        <a:lnB w="12700" cap="flat" cmpd="sng" algn="ctr">
-                          <a:solidFill>
-                            <a:schemeClr val="tx1"/>
-                          </a:solidFill>
-                          <a:prstDash val="solid"/>
-                          <a:round/>
-                          <a:headEnd type="none" w="med" len="med"/>
-                          <a:tailEnd type="none" w="med" len="med"/>
-                        </a:lnB>
-                        <a:noFill/>
-                      </a:tcPr>
-                    </a:tc>
-                    <a:extLst>
-                      <a:ext uri="{0D108BD9-81ED-4DB2-BD59-A6C34878D82A}">
-                        <a16:rowId xmlns:a16="http://schemas.microsoft.com/office/drawing/2014/main" val="12011265"/>
-                      </a:ext>
-                    </a:extLst>
-                  </a:tr>
-                  <a:tr h="370840">
-                    <a:tc>
-                      <a:txBody>
-                        <a:bodyPr/>
-                        <a:lstStyle/>
-                        <a:p>
-                          <a:r>
-                            <a:rPr lang="en-US" altLang="zh-TW" sz="1400" b="1" dirty="0">
-                              <a:solidFill>
-                                <a:schemeClr val="tx1"/>
-                              </a:solidFill>
-                              <a:latin typeface="Times New Roman" panose="02020603050405020304" pitchFamily="18" charset="0"/>
-                              <a:cs typeface="Times New Roman" panose="02020603050405020304" pitchFamily="18" charset="0"/>
-                            </a:rPr>
-                            <a:t>[2]</a:t>
-                          </a:r>
-                          <a:endParaRPr lang="zh-TW" altLang="en-US" sz="1400" b="1" dirty="0">
-                            <a:solidFill>
-                              <a:schemeClr val="tx1"/>
-                            </a:solidFill>
-                            <a:latin typeface="Times New Roman" panose="02020603050405020304" pitchFamily="18" charset="0"/>
-                            <a:cs typeface="Times New Roman" panose="02020603050405020304" pitchFamily="18" charset="0"/>
-                          </a:endParaRPr>
-                        </a:p>
-                      </a:txBody>
-                      <a:tcPr anchor="ctr">
-                        <a:lnL w="12700" cap="flat" cmpd="sng" algn="ctr">
-                          <a:solidFill>
-                            <a:schemeClr val="tx1"/>
-                          </a:solidFill>
-                          <a:prstDash val="solid"/>
-                          <a:round/>
-                          <a:headEnd type="none" w="med" len="med"/>
-                          <a:tailEnd type="none" w="med" len="med"/>
-                        </a:lnL>
-                        <a:lnR w="12700" cap="flat" cmpd="sng" algn="ctr">
-                          <a:solidFill>
-                            <a:schemeClr val="tx1"/>
-                          </a:solidFill>
-                          <a:prstDash val="solid"/>
-                          <a:round/>
-                          <a:headEnd type="none" w="med" len="med"/>
-                          <a:tailEnd type="none" w="med" len="med"/>
-                        </a:lnR>
-                        <a:lnT w="12700" cap="flat" cmpd="sng" algn="ctr">
-                          <a:solidFill>
-                            <a:schemeClr val="tx1"/>
-                          </a:solidFill>
-                          <a:prstDash val="solid"/>
-                          <a:round/>
-                          <a:headEnd type="none" w="med" len="med"/>
-                          <a:tailEnd type="none" w="med" len="med"/>
-                        </a:lnT>
-                        <a:lnB w="12700" cap="flat" cmpd="sng" algn="ctr">
-                          <a:solidFill>
-                            <a:schemeClr val="tx1"/>
-                          </a:solidFill>
-                          <a:prstDash val="solid"/>
-                          <a:round/>
-                          <a:headEnd type="none" w="med" len="med"/>
-                          <a:tailEnd type="none" w="med" len="med"/>
-                        </a:lnB>
-                        <a:noFill/>
-                      </a:tcPr>
-                    </a:tc>
-                    <a:tc>
-                      <a:txBody>
-                        <a:bodyPr/>
-                        <a:lstStyle/>
-                        <a:p>
-                          <a:endParaRPr lang="zh-TW"/>
-                        </a:p>
-                      </a:txBody>
-                      <a:tcPr anchor="ctr">
-                        <a:lnL w="12700" cap="flat" cmpd="sng" algn="ctr">
-                          <a:solidFill>
-                            <a:schemeClr val="tx1"/>
-                          </a:solidFill>
-                          <a:prstDash val="solid"/>
-                          <a:round/>
-                          <a:headEnd type="none" w="med" len="med"/>
-                          <a:tailEnd type="none" w="med" len="med"/>
-                        </a:lnL>
-                        <a:lnR w="12700" cap="flat" cmpd="sng" algn="ctr">
-                          <a:solidFill>
-                            <a:schemeClr val="tx1"/>
-                          </a:solidFill>
-                          <a:prstDash val="solid"/>
-                          <a:round/>
-                          <a:headEnd type="none" w="med" len="med"/>
-                          <a:tailEnd type="none" w="med" len="med"/>
-                        </a:lnR>
-                        <a:lnT w="12700" cap="flat" cmpd="sng" algn="ctr">
-                          <a:solidFill>
-                            <a:schemeClr val="tx1"/>
-                          </a:solidFill>
-                          <a:prstDash val="solid"/>
-                          <a:round/>
-                          <a:headEnd type="none" w="med" len="med"/>
-                          <a:tailEnd type="none" w="med" len="med"/>
-                        </a:lnT>
-                        <a:lnB w="12700" cap="flat" cmpd="sng" algn="ctr">
-                          <a:solidFill>
-                            <a:schemeClr val="tx1"/>
-                          </a:solidFill>
-                          <a:prstDash val="solid"/>
-                          <a:round/>
-                          <a:headEnd type="none" w="med" len="med"/>
-                          <a:tailEnd type="none" w="med" len="med"/>
-                        </a:lnB>
-                        <a:blipFill>
-                          <a:blip r:embed="rId7"/>
-                          <a:stretch>
-                            <a:fillRect l="-15723" t="-201639" r="-419" b="-203279"/>
-                          </a:stretch>
-                        </a:blipFill>
-                      </a:tcPr>
-                    </a:tc>
-                    <a:extLst>
-                      <a:ext uri="{0D108BD9-81ED-4DB2-BD59-A6C34878D82A}">
-                        <a16:rowId xmlns:a16="http://schemas.microsoft.com/office/drawing/2014/main" val="2537605501"/>
-                      </a:ext>
-                    </a:extLst>
-                  </a:tr>
-                  <a:tr h="370840">
-                    <a:tc>
-                      <a:txBody>
-                        <a:bodyPr/>
-                        <a:lstStyle/>
-                        <a:p>
-                          <a:endParaRPr lang="zh-TW" altLang="en-US" sz="1400" b="1">
-                            <a:solidFill>
-                              <a:schemeClr val="tx1"/>
-                            </a:solidFill>
-                            <a:latin typeface="Times New Roman" panose="02020603050405020304" pitchFamily="18" charset="0"/>
-                            <a:cs typeface="Times New Roman" panose="02020603050405020304" pitchFamily="18" charset="0"/>
-                          </a:endParaRPr>
-                        </a:p>
-                      </a:txBody>
-                      <a:tcPr anchor="ctr">
-                        <a:lnL w="12700" cap="flat" cmpd="sng" algn="ctr">
-                          <a:solidFill>
-                            <a:schemeClr val="tx1"/>
-                          </a:solidFill>
-                          <a:prstDash val="solid"/>
-                          <a:round/>
-                          <a:headEnd type="none" w="med" len="med"/>
-                          <a:tailEnd type="none" w="med" len="med"/>
-                        </a:lnL>
-                        <a:lnR w="12700" cap="flat" cmpd="sng" algn="ctr">
-                          <a:solidFill>
-                            <a:schemeClr val="tx1"/>
-                          </a:solidFill>
-                          <a:prstDash val="solid"/>
-                          <a:round/>
-                          <a:headEnd type="none" w="med" len="med"/>
-                          <a:tailEnd type="none" w="med" len="med"/>
-                        </a:lnR>
-                        <a:lnT w="12700" cap="flat" cmpd="sng" algn="ctr">
-                          <a:solidFill>
-                            <a:schemeClr val="tx1"/>
-                          </a:solidFill>
-                          <a:prstDash val="solid"/>
-                          <a:round/>
-                          <a:headEnd type="none" w="med" len="med"/>
-                          <a:tailEnd type="none" w="med" len="med"/>
-                        </a:lnT>
-                        <a:lnB w="12700" cap="flat" cmpd="sng" algn="ctr">
-                          <a:solidFill>
-                            <a:schemeClr val="tx1"/>
-                          </a:solidFill>
-                          <a:prstDash val="solid"/>
-                          <a:round/>
-                          <a:headEnd type="none" w="med" len="med"/>
-                          <a:tailEnd type="none" w="med" len="med"/>
-                        </a:lnB>
-                        <a:noFill/>
-                      </a:tcPr>
-                    </a:tc>
-                    <a:tc>
-                      <a:txBody>
-                        <a:bodyPr/>
-                        <a:lstStyle/>
-                        <a:p>
-                          <a:endParaRPr lang="zh-TW" altLang="en-US" sz="1400" b="1" dirty="0">
-                            <a:solidFill>
-                              <a:schemeClr val="tx1"/>
-                            </a:solidFill>
-                            <a:latin typeface="Times New Roman" panose="02020603050405020304" pitchFamily="18" charset="0"/>
-                            <a:cs typeface="Times New Roman" panose="02020603050405020304" pitchFamily="18" charset="0"/>
-                          </a:endParaRPr>
-                        </a:p>
-                      </a:txBody>
-                      <a:tcPr anchor="ctr">
-                        <a:lnL w="12700" cap="flat" cmpd="sng" algn="ctr">
-                          <a:solidFill>
-                            <a:schemeClr val="tx1"/>
-                          </a:solidFill>
-                          <a:prstDash val="solid"/>
-                          <a:round/>
-                          <a:headEnd type="none" w="med" len="med"/>
-                          <a:tailEnd type="none" w="med" len="med"/>
-                        </a:lnL>
-                        <a:lnR w="12700" cap="flat" cmpd="sng" algn="ctr">
-                          <a:solidFill>
-                            <a:schemeClr val="tx1"/>
-                          </a:solidFill>
-                          <a:prstDash val="solid"/>
-                          <a:round/>
-                          <a:headEnd type="none" w="med" len="med"/>
-                          <a:tailEnd type="none" w="med" len="med"/>
-                        </a:lnR>
-                        <a:lnT w="12700" cap="flat" cmpd="sng" algn="ctr">
-                          <a:solidFill>
-                            <a:schemeClr val="tx1"/>
-                          </a:solidFill>
-                          <a:prstDash val="solid"/>
-                          <a:round/>
-                          <a:headEnd type="none" w="med" len="med"/>
-                          <a:tailEnd type="none" w="med" len="med"/>
-                        </a:lnT>
-                        <a:lnB w="12700" cap="flat" cmpd="sng" algn="ctr">
-                          <a:solidFill>
-                            <a:schemeClr val="tx1"/>
-                          </a:solidFill>
-                          <a:prstDash val="solid"/>
-                          <a:round/>
-                          <a:headEnd type="none" w="med" len="med"/>
-                          <a:tailEnd type="none" w="med" len="med"/>
-                        </a:lnB>
-                        <a:noFill/>
-                      </a:tcPr>
-                    </a:tc>
-                    <a:extLst>
-                      <a:ext uri="{0D108BD9-81ED-4DB2-BD59-A6C34878D82A}">
-                        <a16:rowId xmlns:a16="http://schemas.microsoft.com/office/drawing/2014/main" val="2966706211"/>
-                      </a:ext>
-                    </a:extLst>
-                  </a:tr>
-                  <a:tr h="370840">
-                    <a:tc>
-                      <a:txBody>
-                        <a:bodyPr/>
-                        <a:lstStyle/>
-                        <a:p>
-                          <a:endParaRPr lang="zh-TW" altLang="en-US" sz="1400" b="1">
-                            <a:solidFill>
-                              <a:schemeClr val="tx1"/>
-                            </a:solidFill>
-                            <a:latin typeface="Times New Roman" panose="02020603050405020304" pitchFamily="18" charset="0"/>
-                            <a:cs typeface="Times New Roman" panose="02020603050405020304" pitchFamily="18" charset="0"/>
-                          </a:endParaRPr>
-                        </a:p>
-                      </a:txBody>
-                      <a:tcPr anchor="ctr">
-                        <a:lnL w="12700" cap="flat" cmpd="sng" algn="ctr">
-                          <a:solidFill>
-                            <a:schemeClr val="tx1"/>
-                          </a:solidFill>
-                          <a:prstDash val="solid"/>
-                          <a:round/>
-                          <a:headEnd type="none" w="med" len="med"/>
-                          <a:tailEnd type="none" w="med" len="med"/>
-                        </a:lnL>
-                        <a:lnR w="12700" cap="flat" cmpd="sng" algn="ctr">
-                          <a:solidFill>
-                            <a:schemeClr val="tx1"/>
-                          </a:solidFill>
-                          <a:prstDash val="solid"/>
-                          <a:round/>
-                          <a:headEnd type="none" w="med" len="med"/>
-                          <a:tailEnd type="none" w="med" len="med"/>
-                        </a:lnR>
-                        <a:lnT w="12700" cap="flat" cmpd="sng" algn="ctr">
-                          <a:solidFill>
-                            <a:schemeClr val="tx1"/>
-                          </a:solidFill>
-                          <a:prstDash val="solid"/>
-                          <a:round/>
-                          <a:headEnd type="none" w="med" len="med"/>
-                          <a:tailEnd type="none" w="med" len="med"/>
-                        </a:lnT>
-                        <a:lnB w="12700" cap="flat" cmpd="sng" algn="ctr">
-                          <a:solidFill>
-                            <a:schemeClr val="tx1"/>
-                          </a:solidFill>
-                          <a:prstDash val="solid"/>
-                          <a:round/>
-                          <a:headEnd type="none" w="med" len="med"/>
-                          <a:tailEnd type="none" w="med" len="med"/>
-                        </a:lnB>
-                        <a:noFill/>
-                      </a:tcPr>
-                    </a:tc>
-                    <a:tc>
-                      <a:txBody>
-                        <a:bodyPr/>
-                        <a:lstStyle/>
-                        <a:p>
-                          <a:endParaRPr lang="zh-TW" altLang="en-US" sz="1400" b="1" dirty="0">
-                            <a:solidFill>
-                              <a:schemeClr val="tx1"/>
-                            </a:solidFill>
-                            <a:latin typeface="Times New Roman" panose="02020603050405020304" pitchFamily="18" charset="0"/>
-                            <a:cs typeface="Times New Roman" panose="02020603050405020304" pitchFamily="18" charset="0"/>
-                          </a:endParaRPr>
-                        </a:p>
-                      </a:txBody>
-                      <a:tcPr anchor="ctr">
-                        <a:lnL w="12700" cap="flat" cmpd="sng" algn="ctr">
-                          <a:solidFill>
-                            <a:schemeClr val="tx1"/>
-                          </a:solidFill>
-                          <a:prstDash val="solid"/>
-                          <a:round/>
-                          <a:headEnd type="none" w="med" len="med"/>
-                          <a:tailEnd type="none" w="med" len="med"/>
-                        </a:lnL>
-                        <a:lnR w="12700" cap="flat" cmpd="sng" algn="ctr">
-                          <a:solidFill>
-                            <a:schemeClr val="tx1"/>
-                          </a:solidFill>
-                          <a:prstDash val="solid"/>
-                          <a:round/>
-                          <a:headEnd type="none" w="med" len="med"/>
-                          <a:tailEnd type="none" w="med" len="med"/>
-                        </a:lnR>
-                        <a:lnT w="12700" cap="flat" cmpd="sng" algn="ctr">
-                          <a:solidFill>
-                            <a:schemeClr val="tx1"/>
-                          </a:solidFill>
-                          <a:prstDash val="solid"/>
-                          <a:round/>
-                          <a:headEnd type="none" w="med" len="med"/>
-                          <a:tailEnd type="none" w="med" len="med"/>
-                        </a:lnT>
-                        <a:lnB w="12700" cap="flat" cmpd="sng" algn="ctr">
-                          <a:solidFill>
-                            <a:schemeClr val="tx1"/>
-                          </a:solidFill>
-                          <a:prstDash val="solid"/>
-                          <a:round/>
-                          <a:headEnd type="none" w="med" len="med"/>
-                          <a:tailEnd type="none" w="med" len="med"/>
-                        </a:lnB>
-                        <a:noFill/>
-                      </a:tcPr>
-                    </a:tc>
-                    <a:extLst>
-                      <a:ext uri="{0D108BD9-81ED-4DB2-BD59-A6C34878D82A}">
-                        <a16:rowId xmlns:a16="http://schemas.microsoft.com/office/drawing/2014/main" val="1433167093"/>
-                      </a:ext>
-                    </a:extLst>
-                  </a:tr>
-                </a:tbl>
-              </a:graphicData>
-            </a:graphic>
-          </p:graphicFrame>
-        </mc:Fallback>
-      </mc:AlternateContent>
-      <p:cxnSp>
-        <p:nvCxnSpPr>
-          <p:cNvPr id="51" name="直線單箭頭接點 50">
-            <a:extLst>
-              <a:ext uri="{FF2B5EF4-FFF2-40B4-BE49-F238E27FC236}">
-                <a16:creationId xmlns:a16="http://schemas.microsoft.com/office/drawing/2014/main" id="{D8F6B508-F727-8EDA-8952-CEC910567F97}"/>
-              </a:ext>
-            </a:extLst>
-          </p:cNvPr>
-          <p:cNvCxnSpPr/>
-          <p:nvPr/>
-        </p:nvCxnSpPr>
-        <p:spPr>
-          <a:xfrm>
-            <a:off x="9670927" y="2798814"/>
-            <a:ext cx="1193388" cy="0"/>
-          </a:xfrm>
-          <a:prstGeom prst="straightConnector1">
-            <a:avLst/>
-          </a:prstGeom>
-          <a:ln w="28575">
-            <a:solidFill>
-              <a:schemeClr val="tx1"/>
-            </a:solidFill>
-            <a:tailEnd type="triangle"/>
-          </a:ln>
-        </p:spPr>
-        <p:style>
-          <a:lnRef idx="2">
-            <a:schemeClr val="accent1"/>
-          </a:lnRef>
-          <a:fillRef idx="0">
-            <a:schemeClr val="accent1"/>
-          </a:fillRef>
-          <a:effectRef idx="1">
-            <a:schemeClr val="accent1"/>
-          </a:effectRef>
-          <a:fontRef idx="minor">
-            <a:schemeClr val="tx1"/>
-          </a:fontRef>
-        </p:style>
-      </p:cxnSp>
-      <p:sp>
-        <p:nvSpPr>
-          <p:cNvPr id="54" name="弧形 53">
-            <a:extLst>
-              <a:ext uri="{FF2B5EF4-FFF2-40B4-BE49-F238E27FC236}">
-                <a16:creationId xmlns:a16="http://schemas.microsoft.com/office/drawing/2014/main" id="{8F1E8E97-C93A-CE72-5ACD-1EC48F0F43C3}"/>
-              </a:ext>
-            </a:extLst>
-          </p:cNvPr>
-          <p:cNvSpPr/>
-          <p:nvPr/>
-        </p:nvSpPr>
-        <p:spPr>
-          <a:xfrm rot="2700000">
-            <a:off x="8726917" y="1804952"/>
-            <a:ext cx="768905" cy="768905"/>
-          </a:xfrm>
-          <a:prstGeom prst="arc">
-            <a:avLst>
-              <a:gd name="adj1" fmla="val 5375476"/>
-              <a:gd name="adj2" fmla="val 0"/>
-            </a:avLst>
-          </a:prstGeom>
-          <a:ln w="28575">
-            <a:solidFill>
-              <a:schemeClr val="tx1"/>
-            </a:solidFill>
-            <a:headEnd type="triangle" w="lg" len="med"/>
-          </a:ln>
-        </p:spPr>
-        <p:style>
-          <a:lnRef idx="2">
-            <a:schemeClr val="accent1"/>
-          </a:lnRef>
-          <a:fillRef idx="0">
-            <a:schemeClr val="accent1"/>
-          </a:fillRef>
-          <a:effectRef idx="1">
-            <a:schemeClr val="accent1"/>
-          </a:effectRef>
-          <a:fontRef idx="minor">
-            <a:schemeClr val="tx1"/>
-          </a:fontRef>
-        </p:style>
-        <p:txBody>
-          <a:bodyPr rtlCol="0" anchor="ctr"/>
-          <a:lstStyle/>
-          <a:p>
-            <a:pPr algn="ctr"/>
-            <a:endParaRPr lang="zh-TW" altLang="en-US"/>
-          </a:p>
-        </p:txBody>
-      </p:sp>
-      <p:sp>
-        <p:nvSpPr>
-          <p:cNvPr id="55" name="文字方塊 54">
-            <a:extLst>
-              <a:ext uri="{FF2B5EF4-FFF2-40B4-BE49-F238E27FC236}">
-                <a16:creationId xmlns:a16="http://schemas.microsoft.com/office/drawing/2014/main" id="{65FDE05F-745A-FF52-3BB0-C5C45982D3C8}"/>
-              </a:ext>
-            </a:extLst>
-          </p:cNvPr>
-          <p:cNvSpPr txBox="1"/>
-          <p:nvPr/>
-        </p:nvSpPr>
-        <p:spPr>
-          <a:xfrm>
-            <a:off x="8699011" y="1429320"/>
-            <a:ext cx="787395" cy="369332"/>
-          </a:xfrm>
-          <a:prstGeom prst="rect">
-            <a:avLst/>
-          </a:prstGeom>
-          <a:noFill/>
-        </p:spPr>
-        <p:txBody>
-          <a:bodyPr wrap="none" rtlCol="0">
-            <a:spAutoFit/>
-          </a:bodyPr>
-          <a:lstStyle/>
-          <a:p>
-            <a:r>
-              <a:rPr lang="en-US" altLang="zh-TW" dirty="0" err="1">
-                <a:latin typeface="Times New Roman" panose="02020603050405020304" pitchFamily="18" charset="0"/>
-                <a:cs typeface="Times New Roman" panose="02020603050405020304" pitchFamily="18" charset="0"/>
-              </a:rPr>
-              <a:t>inter_t</a:t>
-            </a:r>
-            <a:endParaRPr lang="zh-TW" altLang="en-US" dirty="0">
-              <a:latin typeface="Times New Roman" panose="02020603050405020304" pitchFamily="18" charset="0"/>
-              <a:cs typeface="Times New Roman" panose="02020603050405020304" pitchFamily="18" charset="0"/>
-            </a:endParaRPr>
-          </a:p>
-        </p:txBody>
-      </p:sp>
-      <p:cxnSp>
-        <p:nvCxnSpPr>
-          <p:cNvPr id="56" name="直線單箭頭接點 55">
-            <a:extLst>
-              <a:ext uri="{FF2B5EF4-FFF2-40B4-BE49-F238E27FC236}">
-                <a16:creationId xmlns:a16="http://schemas.microsoft.com/office/drawing/2014/main" id="{0B3397BF-0C36-2328-DE2F-C47C91DA15E0}"/>
-              </a:ext>
-            </a:extLst>
-          </p:cNvPr>
-          <p:cNvCxnSpPr>
-            <a:cxnSpLocks/>
-          </p:cNvCxnSpPr>
-          <p:nvPr/>
-        </p:nvCxnSpPr>
-        <p:spPr>
-          <a:xfrm flipH="1">
-            <a:off x="9670927" y="3152065"/>
-            <a:ext cx="1193388" cy="0"/>
-          </a:xfrm>
-          <a:prstGeom prst="straightConnector1">
-            <a:avLst/>
-          </a:prstGeom>
-          <a:ln w="28575">
-            <a:solidFill>
-              <a:schemeClr val="tx1"/>
-            </a:solidFill>
-            <a:tailEnd type="triangle"/>
-          </a:ln>
-        </p:spPr>
-        <p:style>
-          <a:lnRef idx="2">
-            <a:schemeClr val="accent1"/>
-          </a:lnRef>
-          <a:fillRef idx="0">
-            <a:schemeClr val="accent1"/>
-          </a:fillRef>
-          <a:effectRef idx="1">
-            <a:schemeClr val="accent1"/>
-          </a:effectRef>
-          <a:fontRef idx="minor">
-            <a:schemeClr val="tx1"/>
-          </a:fontRef>
-        </p:style>
-      </p:cxnSp>
-      <p:sp>
-        <p:nvSpPr>
-          <p:cNvPr id="57" name="文字方塊 56">
-            <a:extLst>
-              <a:ext uri="{FF2B5EF4-FFF2-40B4-BE49-F238E27FC236}">
-                <a16:creationId xmlns:a16="http://schemas.microsoft.com/office/drawing/2014/main" id="{7D2F373E-C455-46C4-1295-1CEF8ACCC40D}"/>
-              </a:ext>
-            </a:extLst>
-          </p:cNvPr>
-          <p:cNvSpPr txBox="1"/>
-          <p:nvPr/>
-        </p:nvSpPr>
-        <p:spPr>
-          <a:xfrm>
-            <a:off x="9925219" y="2446689"/>
-            <a:ext cx="684803" cy="369332"/>
-          </a:xfrm>
-          <a:prstGeom prst="rect">
-            <a:avLst/>
-          </a:prstGeom>
-          <a:noFill/>
-        </p:spPr>
-        <p:txBody>
-          <a:bodyPr wrap="none" rtlCol="0">
-            <a:spAutoFit/>
-          </a:bodyPr>
-          <a:lstStyle/>
-          <a:p>
-            <a:r>
-              <a:rPr lang="en-US" altLang="zh-TW" dirty="0" err="1">
-                <a:latin typeface="Times New Roman" panose="02020603050405020304" pitchFamily="18" charset="0"/>
-                <a:cs typeface="Times New Roman" panose="02020603050405020304" pitchFamily="18" charset="0"/>
-              </a:rPr>
-              <a:t>exe_t</a:t>
-            </a:r>
-            <a:endParaRPr lang="zh-TW" altLang="en-US" dirty="0">
-              <a:latin typeface="Times New Roman" panose="02020603050405020304" pitchFamily="18" charset="0"/>
-              <a:cs typeface="Times New Roman" panose="02020603050405020304" pitchFamily="18" charset="0"/>
-            </a:endParaRPr>
-          </a:p>
-        </p:txBody>
-      </p:sp>
-      <p:sp>
-        <p:nvSpPr>
-          <p:cNvPr id="58" name="文字方塊 57">
-            <a:extLst>
-              <a:ext uri="{FF2B5EF4-FFF2-40B4-BE49-F238E27FC236}">
-                <a16:creationId xmlns:a16="http://schemas.microsoft.com/office/drawing/2014/main" id="{A082320A-D013-2FDE-4D58-CEAE4A82AFF2}"/>
-              </a:ext>
-            </a:extLst>
-          </p:cNvPr>
-          <p:cNvSpPr txBox="1"/>
-          <p:nvPr/>
-        </p:nvSpPr>
-        <p:spPr>
-          <a:xfrm>
-            <a:off x="10055063" y="3134859"/>
-            <a:ext cx="425116" cy="338554"/>
-          </a:xfrm>
-          <a:prstGeom prst="rect">
-            <a:avLst/>
-          </a:prstGeom>
-          <a:noFill/>
-        </p:spPr>
-        <p:txBody>
-          <a:bodyPr wrap="none" rtlCol="0">
-            <a:spAutoFit/>
-          </a:bodyPr>
-          <a:lstStyle/>
-          <a:p>
-            <a:r>
-              <a:rPr lang="en-US" altLang="zh-TW" sz="1600" b="1" dirty="0">
-                <a:latin typeface="Times New Roman" panose="02020603050405020304" pitchFamily="18" charset="0"/>
-                <a:cs typeface="Times New Roman" panose="02020603050405020304" pitchFamily="18" charset="0"/>
-              </a:rPr>
-              <a:t>[1]</a:t>
-            </a:r>
-            <a:endParaRPr lang="zh-TW" altLang="en-US" sz="1600" b="1" dirty="0">
-              <a:latin typeface="Times New Roman" panose="02020603050405020304" pitchFamily="18" charset="0"/>
-              <a:cs typeface="Times New Roman" panose="02020603050405020304" pitchFamily="18" charset="0"/>
-            </a:endParaRPr>
-          </a:p>
-        </p:txBody>
-      </p:sp>
-      <p:sp>
-        <p:nvSpPr>
-          <p:cNvPr id="59" name="文字方塊 58">
-            <a:extLst>
-              <a:ext uri="{FF2B5EF4-FFF2-40B4-BE49-F238E27FC236}">
-                <a16:creationId xmlns:a16="http://schemas.microsoft.com/office/drawing/2014/main" id="{43E8E64E-D572-5FF2-286B-C211B1F2546B}"/>
-              </a:ext>
-            </a:extLst>
-          </p:cNvPr>
-          <p:cNvSpPr txBox="1"/>
-          <p:nvPr/>
-        </p:nvSpPr>
-        <p:spPr>
-          <a:xfrm>
-            <a:off x="14680073" y="2563826"/>
-            <a:ext cx="425116" cy="338554"/>
-          </a:xfrm>
-          <a:prstGeom prst="rect">
-            <a:avLst/>
-          </a:prstGeom>
-          <a:noFill/>
-        </p:spPr>
-        <p:txBody>
-          <a:bodyPr wrap="none" rtlCol="0">
-            <a:spAutoFit/>
-          </a:bodyPr>
-          <a:lstStyle/>
-          <a:p>
-            <a:r>
-              <a:rPr lang="en-US" altLang="zh-TW" sz="1600" b="1" dirty="0">
-                <a:latin typeface="Times New Roman" panose="02020603050405020304" pitchFamily="18" charset="0"/>
-                <a:cs typeface="Times New Roman" panose="02020603050405020304" pitchFamily="18" charset="0"/>
-              </a:rPr>
-              <a:t>[2]</a:t>
-            </a:r>
-            <a:endParaRPr lang="zh-TW" altLang="en-US" sz="1600" b="1" dirty="0">
-              <a:latin typeface="Times New Roman" panose="02020603050405020304" pitchFamily="18" charset="0"/>
-              <a:cs typeface="Times New Roman" panose="02020603050405020304" pitchFamily="18" charset="0"/>
-            </a:endParaRPr>
-          </a:p>
-        </p:txBody>
-      </p:sp>
-      <p:sp>
-        <p:nvSpPr>
-          <p:cNvPr id="60" name="文字方塊 59">
-            <a:extLst>
-              <a:ext uri="{FF2B5EF4-FFF2-40B4-BE49-F238E27FC236}">
-                <a16:creationId xmlns:a16="http://schemas.microsoft.com/office/drawing/2014/main" id="{DC2D6BDE-A4CC-8C23-3717-181EF683EF69}"/>
-              </a:ext>
-            </a:extLst>
-          </p:cNvPr>
-          <p:cNvSpPr txBox="1"/>
-          <p:nvPr/>
-        </p:nvSpPr>
-        <p:spPr>
-          <a:xfrm>
-            <a:off x="10057724" y="2195461"/>
-            <a:ext cx="425116" cy="338554"/>
-          </a:xfrm>
-          <a:prstGeom prst="rect">
-            <a:avLst/>
-          </a:prstGeom>
-          <a:noFill/>
-        </p:spPr>
-        <p:txBody>
-          <a:bodyPr wrap="none" rtlCol="0">
-            <a:spAutoFit/>
-          </a:bodyPr>
-          <a:lstStyle/>
-          <a:p>
-            <a:r>
-              <a:rPr lang="en-US" altLang="zh-TW" sz="1600" b="1" dirty="0">
-                <a:latin typeface="Times New Roman" panose="02020603050405020304" pitchFamily="18" charset="0"/>
-                <a:cs typeface="Times New Roman" panose="02020603050405020304" pitchFamily="18" charset="0"/>
-              </a:rPr>
-              <a:t>[1]</a:t>
-            </a:r>
-            <a:endParaRPr lang="zh-TW" altLang="en-US" sz="1600" b="1" dirty="0">
-              <a:latin typeface="Times New Roman" panose="02020603050405020304" pitchFamily="18" charset="0"/>
-              <a:cs typeface="Times New Roman" panose="02020603050405020304" pitchFamily="18" charset="0"/>
-            </a:endParaRPr>
-          </a:p>
-        </p:txBody>
-      </p:sp>
-    </p:spTree>
-    <p:extLst>
-      <p:ext uri="{BB962C8B-B14F-4D97-AF65-F5344CB8AC3E}">
-        <p14:creationId xmlns:p14="http://schemas.microsoft.com/office/powerpoint/2010/main" val="1517480555"/>
-      </p:ext>
-    </p:extLst>
-  </p:cSld>
-  <p:clrMapOvr>
-    <a:masterClrMapping/>
-  </p:clrMapOvr>
-</p:sld>
-</file>
-
-<file path=ppt/slides/slide2.xml><?xml version="1.0" encoding="utf-8"?>
-<p:sld xmlns:a="http://schemas.openxmlformats.org/drawingml/2006/main" xmlns:r="http://schemas.openxmlformats.org/officeDocument/2006/relationships" xmlns:p="http://schemas.openxmlformats.org/presentationml/2006/main">
-  <p:cSld>
-    <p:spTree>
-      <p:nvGrpSpPr>
-        <p:cNvPr id="1" name=""/>
-        <p:cNvGrpSpPr/>
-        <p:nvPr/>
-      </p:nvGrpSpPr>
-      <p:grpSpPr>
-        <a:xfrm>
-          <a:off x="0" y="0"/>
-          <a:ext cx="0" cy="0"/>
-          <a:chOff x="0" y="0"/>
-          <a:chExt cx="0" cy="0"/>
-        </a:xfrm>
-      </p:grpSpPr>
-      <mc:AlternateContent xmlns:mc="http://schemas.openxmlformats.org/markup-compatibility/2006">
-        <mc:Choice xmlns:a14="http://schemas.microsoft.com/office/drawing/2010/main" Requires="a14">
+      <mc:AlternateContent xmlns:mc="http://schemas.openxmlformats.org/markup-compatibility/2006" xmlns:a14="http://schemas.microsoft.com/office/drawing/2010/main">
+        <mc:Choice Requires="a14">
           <p:sp>
             <p:nvSpPr>
               <p:cNvPr id="4" name="橢圓 3">
@@ -8083,7 +3676,7 @@
             </p:txBody>
           </p:sp>
         </mc:Choice>
-        <mc:Fallback>
+        <mc:Fallback xmlns="">
           <p:sp>
             <p:nvSpPr>
               <p:cNvPr id="4" name="橢圓 3">
@@ -8133,8 +3726,8 @@
           </p:sp>
         </mc:Fallback>
       </mc:AlternateContent>
-      <mc:AlternateContent xmlns:mc="http://schemas.openxmlformats.org/markup-compatibility/2006">
-        <mc:Choice xmlns:a14="http://schemas.microsoft.com/office/drawing/2010/main" Requires="a14">
+      <mc:AlternateContent xmlns:mc="http://schemas.openxmlformats.org/markup-compatibility/2006" xmlns:a14="http://schemas.microsoft.com/office/drawing/2010/main">
+        <mc:Choice Requires="a14">
           <p:sp>
             <p:nvSpPr>
               <p:cNvPr id="6" name="橢圓 5">
@@ -8220,17 +3813,7 @@
                               <a:latin typeface="Cambria Math" panose="02040503050406030204" pitchFamily="18" charset="0"/>
                               <a:cs typeface="Times New Roman" panose="02020603050405020304" pitchFamily="18" charset="0"/>
                             </a:rPr>
-                            <m:t>𝐄𝐧</m:t>
-                          </m:r>
-                          <m:r>
-                            <a:rPr lang="en-US" altLang="zh-TW" b="1" i="0" smtClean="0">
-                              <a:solidFill>
-                                <a:schemeClr val="tx1"/>
-                              </a:solidFill>
-                              <a:latin typeface="Cambria Math" panose="02040503050406030204" pitchFamily="18" charset="0"/>
-                              <a:cs typeface="Times New Roman" panose="02020603050405020304" pitchFamily="18" charset="0"/>
-                            </a:rPr>
-                            <m:t>𝐭𝐞𝐫</m:t>
+                            <m:t>𝐄𝐧𝐭𝐞𝐫</m:t>
                           </m:r>
                         </m:e>
                         <m:sub>
@@ -8260,7 +3843,7 @@
             </p:txBody>
           </p:sp>
         </mc:Choice>
-        <mc:Fallback>
+        <mc:Fallback xmlns="">
           <p:sp>
             <p:nvSpPr>
               <p:cNvPr id="6" name="橢圓 5">
@@ -8310,8 +3893,8 @@
           </p:sp>
         </mc:Fallback>
       </mc:AlternateContent>
-      <mc:AlternateContent xmlns:mc="http://schemas.openxmlformats.org/markup-compatibility/2006">
-        <mc:Choice xmlns:a14="http://schemas.microsoft.com/office/drawing/2010/main" Requires="a14">
+      <mc:AlternateContent xmlns:mc="http://schemas.openxmlformats.org/markup-compatibility/2006" xmlns:a14="http://schemas.microsoft.com/office/drawing/2010/main">
+        <mc:Choice Requires="a14">
           <p:sp>
             <p:nvSpPr>
               <p:cNvPr id="8" name="橢圓 7">
@@ -8437,7 +4020,7 @@
             </p:txBody>
           </p:sp>
         </mc:Choice>
-        <mc:Fallback>
+        <mc:Fallback xmlns="">
           <p:sp>
             <p:nvSpPr>
               <p:cNvPr id="8" name="橢圓 7">
@@ -8532,8 +4115,8 @@
           </a:fontRef>
         </p:style>
       </p:cxnSp>
-      <mc:AlternateContent xmlns:mc="http://schemas.openxmlformats.org/markup-compatibility/2006">
-        <mc:Choice xmlns:a14="http://schemas.microsoft.com/office/drawing/2010/main" Requires="a14">
+      <mc:AlternateContent xmlns:mc="http://schemas.openxmlformats.org/markup-compatibility/2006" xmlns:a14="http://schemas.microsoft.com/office/drawing/2010/main">
+        <mc:Choice Requires="a14">
           <p:sp>
             <p:nvSpPr>
               <p:cNvPr id="19" name="橢圓 18">
@@ -8619,17 +4202,7 @@
                               <a:latin typeface="Cambria Math" panose="02040503050406030204" pitchFamily="18" charset="0"/>
                               <a:cs typeface="Times New Roman" panose="02020603050405020304" pitchFamily="18" charset="0"/>
                             </a:rPr>
-                            <m:t>𝐄𝐧𝐭</m:t>
-                          </m:r>
-                          <m:r>
-                            <a:rPr lang="en-US" altLang="zh-TW" b="1" i="0" smtClean="0">
-                              <a:solidFill>
-                                <a:schemeClr val="tx1"/>
-                              </a:solidFill>
-                              <a:latin typeface="Cambria Math" panose="02040503050406030204" pitchFamily="18" charset="0"/>
-                              <a:cs typeface="Times New Roman" panose="02020603050405020304" pitchFamily="18" charset="0"/>
-                            </a:rPr>
-                            <m:t>𝐞𝐫</m:t>
+                            <m:t>𝐄𝐧𝐭𝐞𝐫</m:t>
                           </m:r>
                         </m:e>
                         <m:sub>
@@ -8641,17 +4214,7 @@
                               <a:latin typeface="Cambria Math" panose="02040503050406030204" pitchFamily="18" charset="0"/>
                               <a:cs typeface="Times New Roman" panose="02020603050405020304" pitchFamily="18" charset="0"/>
                             </a:rPr>
-                            <m:t>𝐬</m:t>
-                          </m:r>
-                          <m:r>
-                            <a:rPr lang="en-US" altLang="zh-TW" b="1" i="0" smtClean="0">
-                              <a:solidFill>
-                                <a:schemeClr val="tx1"/>
-                              </a:solidFill>
-                              <a:latin typeface="Cambria Math" panose="02040503050406030204" pitchFamily="18" charset="0"/>
-                              <a:cs typeface="Times New Roman" panose="02020603050405020304" pitchFamily="18" charset="0"/>
-                            </a:rPr>
-                            <m:t>𝐭</m:t>
+                            <m:t>𝐬𝐭</m:t>
                           </m:r>
                         </m:sub>
                       </m:sSub>
@@ -8669,7 +4232,7 @@
             </p:txBody>
           </p:sp>
         </mc:Choice>
-        <mc:Fallback>
+        <mc:Fallback xmlns="">
           <p:sp>
             <p:nvSpPr>
               <p:cNvPr id="19" name="橢圓 18">
@@ -8719,8 +4282,8 @@
           </p:sp>
         </mc:Fallback>
       </mc:AlternateContent>
-      <mc:AlternateContent xmlns:mc="http://schemas.openxmlformats.org/markup-compatibility/2006">
-        <mc:Choice xmlns:a14="http://schemas.microsoft.com/office/drawing/2010/main" Requires="a14">
+      <mc:AlternateContent xmlns:mc="http://schemas.openxmlformats.org/markup-compatibility/2006" xmlns:a14="http://schemas.microsoft.com/office/drawing/2010/main">
+        <mc:Choice Requires="a14">
           <p:sp>
             <p:nvSpPr>
               <p:cNvPr id="20" name="橢圓 19">
@@ -8826,7 +4389,7 @@
             </p:txBody>
           </p:sp>
         </mc:Choice>
-        <mc:Fallback>
+        <mc:Fallback xmlns="">
           <p:sp>
             <p:nvSpPr>
               <p:cNvPr id="20" name="橢圓 19">
@@ -8921,8 +4484,8 @@
           </a:fontRef>
         </p:style>
       </p:cxnSp>
-      <mc:AlternateContent xmlns:mc="http://schemas.openxmlformats.org/markup-compatibility/2006">
-        <mc:Choice xmlns:a14="http://schemas.microsoft.com/office/drawing/2010/main" Requires="a14">
+      <mc:AlternateContent xmlns:mc="http://schemas.openxmlformats.org/markup-compatibility/2006" xmlns:a14="http://schemas.microsoft.com/office/drawing/2010/main">
+        <mc:Choice Requires="a14">
           <p:graphicFrame>
             <p:nvGraphicFramePr>
               <p:cNvPr id="34" name="表格 33">
@@ -10464,7 +6027,7 @@
             </a:graphic>
           </p:graphicFrame>
         </mc:Choice>
-        <mc:Fallback>
+        <mc:Fallback xmlns="">
           <p:graphicFrame>
             <p:nvGraphicFramePr>
               <p:cNvPr id="34" name="表格 33">
@@ -11716,8 +7279,8 @@
           </p:graphicFrame>
         </mc:Fallback>
       </mc:AlternateContent>
-      <mc:AlternateContent xmlns:mc="http://schemas.openxmlformats.org/markup-compatibility/2006">
-        <mc:Choice xmlns:a14="http://schemas.microsoft.com/office/drawing/2010/main" Requires="a14">
+      <mc:AlternateContent xmlns:mc="http://schemas.openxmlformats.org/markup-compatibility/2006" xmlns:a14="http://schemas.microsoft.com/office/drawing/2010/main">
+        <mc:Choice Requires="a14">
           <p:graphicFrame>
             <p:nvGraphicFramePr>
               <p:cNvPr id="35" name="表格 34">
@@ -12695,7 +8258,7 @@
             </a:graphic>
           </p:graphicFrame>
         </mc:Choice>
-        <mc:Fallback>
+        <mc:Fallback xmlns="">
           <p:graphicFrame>
             <p:nvGraphicFramePr>
               <p:cNvPr id="35" name="表格 34">
@@ -13902,8 +9465,8 @@
           </a:fontRef>
         </p:style>
       </p:cxnSp>
-      <mc:AlternateContent xmlns:mc="http://schemas.openxmlformats.org/markup-compatibility/2006">
-        <mc:Choice xmlns:a14="http://schemas.microsoft.com/office/drawing/2010/main" Requires="a14">
+      <mc:AlternateContent xmlns:mc="http://schemas.openxmlformats.org/markup-compatibility/2006" xmlns:a14="http://schemas.microsoft.com/office/drawing/2010/main">
+        <mc:Choice Requires="a14">
           <p:sp>
             <p:nvSpPr>
               <p:cNvPr id="9" name="橢圓 8">
@@ -14019,7 +9582,7 @@
             </p:txBody>
           </p:sp>
         </mc:Choice>
-        <mc:Fallback>
+        <mc:Fallback xmlns="">
           <p:sp>
             <p:nvSpPr>
               <p:cNvPr id="9" name="橢圓 8">
